--- a/tarea.pptx
+++ b/tarea.pptx
@@ -2,18 +2,19 @@
 <file path=ppt/presentation.xml><?xml version="1.0" encoding="utf-8"?>
 <p:presentation xmlns:a="http://schemas.openxmlformats.org/drawingml/2006/main" xmlns:r="http://schemas.openxmlformats.org/officeDocument/2006/relationships" xmlns:p="http://schemas.openxmlformats.org/presentationml/2006/main" saveSubsetFonts="1">
   <p:sldMasterIdLst>
-    <p:sldMasterId id="2147483648" r:id="rId1"/>
+    <p:sldMasterId id="2147483694" r:id="rId1"/>
   </p:sldMasterIdLst>
   <p:sldIdLst>
     <p:sldId id="256" r:id="rId2"/>
+    <p:sldId id="257" r:id="rId3"/>
   </p:sldIdLst>
   <p:sldSz cx="12192000" cy="6858000"/>
   <p:notesSz cx="6858000" cy="9144000"/>
   <p:defaultTextStyle>
     <a:defPPr>
-      <a:defRPr lang="es-ES"/>
+      <a:defRPr lang="en-US"/>
     </a:defPPr>
-    <a:lvl1pPr marL="0" algn="l" defTabSz="914400" rtl="0" eaLnBrk="1" latinLnBrk="0" hangingPunct="1">
+    <a:lvl1pPr marL="0" algn="l" defTabSz="457200" rtl="0" eaLnBrk="1" latinLnBrk="0" hangingPunct="1">
       <a:defRPr sz="1800" kern="1200">
         <a:solidFill>
           <a:schemeClr val="tx1"/>
@@ -23,7 +24,7 @@
         <a:cs typeface="+mn-cs"/>
       </a:defRPr>
     </a:lvl1pPr>
-    <a:lvl2pPr marL="457200" algn="l" defTabSz="914400" rtl="0" eaLnBrk="1" latinLnBrk="0" hangingPunct="1">
+    <a:lvl2pPr marL="457200" algn="l" defTabSz="457200" rtl="0" eaLnBrk="1" latinLnBrk="0" hangingPunct="1">
       <a:defRPr sz="1800" kern="1200">
         <a:solidFill>
           <a:schemeClr val="tx1"/>
@@ -33,7 +34,7 @@
         <a:cs typeface="+mn-cs"/>
       </a:defRPr>
     </a:lvl2pPr>
-    <a:lvl3pPr marL="914400" algn="l" defTabSz="914400" rtl="0" eaLnBrk="1" latinLnBrk="0" hangingPunct="1">
+    <a:lvl3pPr marL="914400" algn="l" defTabSz="457200" rtl="0" eaLnBrk="1" latinLnBrk="0" hangingPunct="1">
       <a:defRPr sz="1800" kern="1200">
         <a:solidFill>
           <a:schemeClr val="tx1"/>
@@ -43,7 +44,7 @@
         <a:cs typeface="+mn-cs"/>
       </a:defRPr>
     </a:lvl3pPr>
-    <a:lvl4pPr marL="1371600" algn="l" defTabSz="914400" rtl="0" eaLnBrk="1" latinLnBrk="0" hangingPunct="1">
+    <a:lvl4pPr marL="1371600" algn="l" defTabSz="457200" rtl="0" eaLnBrk="1" latinLnBrk="0" hangingPunct="1">
       <a:defRPr sz="1800" kern="1200">
         <a:solidFill>
           <a:schemeClr val="tx1"/>
@@ -53,7 +54,7 @@
         <a:cs typeface="+mn-cs"/>
       </a:defRPr>
     </a:lvl4pPr>
-    <a:lvl5pPr marL="1828800" algn="l" defTabSz="914400" rtl="0" eaLnBrk="1" latinLnBrk="0" hangingPunct="1">
+    <a:lvl5pPr marL="1828800" algn="l" defTabSz="457200" rtl="0" eaLnBrk="1" latinLnBrk="0" hangingPunct="1">
       <a:defRPr sz="1800" kern="1200">
         <a:solidFill>
           <a:schemeClr val="tx1"/>
@@ -63,7 +64,7 @@
         <a:cs typeface="+mn-cs"/>
       </a:defRPr>
     </a:lvl5pPr>
-    <a:lvl6pPr marL="2286000" algn="l" defTabSz="914400" rtl="0" eaLnBrk="1" latinLnBrk="0" hangingPunct="1">
+    <a:lvl6pPr marL="2286000" algn="l" defTabSz="457200" rtl="0" eaLnBrk="1" latinLnBrk="0" hangingPunct="1">
       <a:defRPr sz="1800" kern="1200">
         <a:solidFill>
           <a:schemeClr val="tx1"/>
@@ -73,7 +74,7 @@
         <a:cs typeface="+mn-cs"/>
       </a:defRPr>
     </a:lvl6pPr>
-    <a:lvl7pPr marL="2743200" algn="l" defTabSz="914400" rtl="0" eaLnBrk="1" latinLnBrk="0" hangingPunct="1">
+    <a:lvl7pPr marL="2743200" algn="l" defTabSz="457200" rtl="0" eaLnBrk="1" latinLnBrk="0" hangingPunct="1">
       <a:defRPr sz="1800" kern="1200">
         <a:solidFill>
           <a:schemeClr val="tx1"/>
@@ -83,7 +84,7 @@
         <a:cs typeface="+mn-cs"/>
       </a:defRPr>
     </a:lvl7pPr>
-    <a:lvl8pPr marL="3200400" algn="l" defTabSz="914400" rtl="0" eaLnBrk="1" latinLnBrk="0" hangingPunct="1">
+    <a:lvl8pPr marL="3200400" algn="l" defTabSz="457200" rtl="0" eaLnBrk="1" latinLnBrk="0" hangingPunct="1">
       <a:defRPr sz="1800" kern="1200">
         <a:solidFill>
           <a:schemeClr val="tx1"/>
@@ -93,7 +94,7 @@
         <a:cs typeface="+mn-cs"/>
       </a:defRPr>
     </a:lvl8pPr>
-    <a:lvl9pPr marL="3657600" algn="l" defTabSz="914400" rtl="0" eaLnBrk="1" latinLnBrk="0" hangingPunct="1">
+    <a:lvl9pPr marL="3657600" algn="l" defTabSz="457200" rtl="0" eaLnBrk="1" latinLnBrk="0" hangingPunct="1">
       <a:defRPr sz="1800" kern="1200">
         <a:solidFill>
           <a:schemeClr val="tx1"/>
@@ -104,11 +105,16 @@
       </a:defRPr>
     </a:lvl9pPr>
   </p:defaultTextStyle>
+  <p:extLst>
+    <p:ext uri="{EFAFB233-063F-42B5-8137-9DF3F51BA10A}">
+      <p15:sldGuideLst xmlns:p15="http://schemas.microsoft.com/office/powerpoint/2012/main"/>
+    </p:ext>
+  </p:extLst>
 </p:presentation>
 </file>
 
 <file path=ppt/slideLayouts/slideLayout1.xml><?xml version="1.0" encoding="utf-8"?>
-<p:sldLayout xmlns:a="http://schemas.openxmlformats.org/drawingml/2006/main" xmlns:r="http://schemas.openxmlformats.org/officeDocument/2006/relationships" xmlns:p="http://schemas.openxmlformats.org/presentationml/2006/main" type="title" preserve="1">
+<p:sldLayout xmlns:a="http://schemas.openxmlformats.org/drawingml/2006/main" xmlns:r="http://schemas.openxmlformats.org/officeDocument/2006/relationships" xmlns:p="http://schemas.openxmlformats.org/presentationml/2006/main" showMasterSp="0" type="title" preserve="1">
   <p:cSld name="Diapositiva de título">
     <p:spTree>
       <p:nvGrpSpPr>
@@ -124,9 +130,541 @@
           <a:chExt cx="0" cy="0"/>
         </a:xfrm>
       </p:grpSpPr>
-      <p:sp>
-        <p:nvSpPr>
-          <p:cNvPr id="2" name="Título 1"/>
+      <p:grpSp>
+        <p:nvGrpSpPr>
+          <p:cNvPr id="8" name="Group 7"/>
+          <p:cNvGrpSpPr/>
+          <p:nvPr/>
+        </p:nvGrpSpPr>
+        <p:grpSpPr>
+          <a:xfrm>
+            <a:off x="0" y="-8467"/>
+            <a:ext cx="12192000" cy="6866467"/>
+            <a:chOff x="0" y="-8467"/>
+            <a:chExt cx="12192000" cy="6866467"/>
+          </a:xfrm>
+        </p:grpSpPr>
+        <p:cxnSp>
+          <p:nvCxnSpPr>
+            <p:cNvPr id="32" name="Straight Connector 31"/>
+            <p:cNvCxnSpPr/>
+            <p:nvPr/>
+          </p:nvCxnSpPr>
+          <p:spPr>
+            <a:xfrm>
+              <a:off x="9371012" y="0"/>
+              <a:ext cx="1219200" cy="6858000"/>
+            </a:xfrm>
+            <a:prstGeom prst="line">
+              <a:avLst/>
+            </a:prstGeom>
+            <a:ln w="9525">
+              <a:solidFill>
+                <a:schemeClr val="bg1">
+                  <a:lumMod val="85000"/>
+                  <a:lumOff val="15000"/>
+                </a:schemeClr>
+              </a:solidFill>
+            </a:ln>
+          </p:spPr>
+          <p:style>
+            <a:lnRef idx="2">
+              <a:schemeClr val="accent1"/>
+            </a:lnRef>
+            <a:fillRef idx="0">
+              <a:schemeClr val="accent1"/>
+            </a:fillRef>
+            <a:effectRef idx="1">
+              <a:schemeClr val="accent1"/>
+            </a:effectRef>
+            <a:fontRef idx="minor">
+              <a:schemeClr val="tx1"/>
+            </a:fontRef>
+          </p:style>
+        </p:cxnSp>
+        <p:cxnSp>
+          <p:nvCxnSpPr>
+            <p:cNvPr id="21" name="Straight Connector 20"/>
+            <p:cNvCxnSpPr/>
+            <p:nvPr/>
+          </p:nvCxnSpPr>
+          <p:spPr>
+            <a:xfrm flipH="1">
+              <a:off x="7425267" y="3681413"/>
+              <a:ext cx="4763558" cy="3176587"/>
+            </a:xfrm>
+            <a:prstGeom prst="line">
+              <a:avLst/>
+            </a:prstGeom>
+            <a:ln w="9525">
+              <a:solidFill>
+                <a:schemeClr val="bg1">
+                  <a:lumMod val="85000"/>
+                  <a:lumOff val="15000"/>
+                </a:schemeClr>
+              </a:solidFill>
+            </a:ln>
+          </p:spPr>
+          <p:style>
+            <a:lnRef idx="2">
+              <a:schemeClr val="accent1"/>
+            </a:lnRef>
+            <a:fillRef idx="0">
+              <a:schemeClr val="accent1"/>
+            </a:fillRef>
+            <a:effectRef idx="1">
+              <a:schemeClr val="accent1"/>
+            </a:effectRef>
+            <a:fontRef idx="minor">
+              <a:schemeClr val="tx1"/>
+            </a:fontRef>
+          </p:style>
+        </p:cxnSp>
+        <p:sp>
+          <p:nvSpPr>
+            <p:cNvPr id="24" name="Rectangle 23"/>
+            <p:cNvSpPr/>
+            <p:nvPr/>
+          </p:nvSpPr>
+          <p:spPr>
+            <a:xfrm>
+              <a:off x="9181476" y="-8467"/>
+              <a:ext cx="3007349" cy="6866467"/>
+            </a:xfrm>
+            <a:custGeom>
+              <a:avLst/>
+              <a:gdLst/>
+              <a:ahLst/>
+              <a:cxnLst/>
+              <a:rect l="l" t="t" r="r" b="b"/>
+              <a:pathLst>
+                <a:path w="3007349" h="6866467">
+                  <a:moveTo>
+                    <a:pt x="2045532" y="0"/>
+                  </a:moveTo>
+                  <a:lnTo>
+                    <a:pt x="3007349" y="0"/>
+                  </a:lnTo>
+                  <a:lnTo>
+                    <a:pt x="3007349" y="6866467"/>
+                  </a:lnTo>
+                  <a:lnTo>
+                    <a:pt x="0" y="6866467"/>
+                  </a:lnTo>
+                  <a:lnTo>
+                    <a:pt x="2045532" y="0"/>
+                  </a:lnTo>
+                  <a:close/>
+                </a:path>
+              </a:pathLst>
+            </a:custGeom>
+            <a:solidFill>
+              <a:schemeClr val="accent1">
+                <a:alpha val="30000"/>
+              </a:schemeClr>
+            </a:solidFill>
+            <a:ln>
+              <a:noFill/>
+            </a:ln>
+            <a:effectLst/>
+          </p:spPr>
+          <p:style>
+            <a:lnRef idx="1">
+              <a:schemeClr val="accent1"/>
+            </a:lnRef>
+            <a:fillRef idx="3">
+              <a:schemeClr val="accent1"/>
+            </a:fillRef>
+            <a:effectRef idx="2">
+              <a:schemeClr val="accent1"/>
+            </a:effectRef>
+            <a:fontRef idx="minor">
+              <a:schemeClr val="lt1"/>
+            </a:fontRef>
+          </p:style>
+        </p:sp>
+        <p:sp>
+          <p:nvSpPr>
+            <p:cNvPr id="26" name="Rectangle 25"/>
+            <p:cNvSpPr/>
+            <p:nvPr/>
+          </p:nvSpPr>
+          <p:spPr>
+            <a:xfrm>
+              <a:off x="9603442" y="-8467"/>
+              <a:ext cx="2588558" cy="6866467"/>
+            </a:xfrm>
+            <a:custGeom>
+              <a:avLst/>
+              <a:gdLst/>
+              <a:ahLst/>
+              <a:cxnLst/>
+              <a:rect l="l" t="t" r="r" b="b"/>
+              <a:pathLst>
+                <a:path w="2573311" h="6866467">
+                  <a:moveTo>
+                    <a:pt x="0" y="0"/>
+                  </a:moveTo>
+                  <a:lnTo>
+                    <a:pt x="2573311" y="0"/>
+                  </a:lnTo>
+                  <a:lnTo>
+                    <a:pt x="2573311" y="6866467"/>
+                  </a:lnTo>
+                  <a:lnTo>
+                    <a:pt x="1202336" y="6866467"/>
+                  </a:lnTo>
+                  <a:lnTo>
+                    <a:pt x="0" y="0"/>
+                  </a:lnTo>
+                  <a:close/>
+                </a:path>
+              </a:pathLst>
+            </a:custGeom>
+            <a:solidFill>
+              <a:schemeClr val="accent1">
+                <a:alpha val="20000"/>
+              </a:schemeClr>
+            </a:solidFill>
+            <a:ln>
+              <a:noFill/>
+            </a:ln>
+            <a:effectLst/>
+          </p:spPr>
+          <p:style>
+            <a:lnRef idx="1">
+              <a:schemeClr val="accent1"/>
+            </a:lnRef>
+            <a:fillRef idx="3">
+              <a:schemeClr val="accent1"/>
+            </a:fillRef>
+            <a:effectRef idx="2">
+              <a:schemeClr val="accent1"/>
+            </a:effectRef>
+            <a:fontRef idx="minor">
+              <a:schemeClr val="lt1"/>
+            </a:fontRef>
+          </p:style>
+        </p:sp>
+        <p:sp>
+          <p:nvSpPr>
+            <p:cNvPr id="27" name="Isosceles Triangle 26"/>
+            <p:cNvSpPr/>
+            <p:nvPr/>
+          </p:nvSpPr>
+          <p:spPr>
+            <a:xfrm>
+              <a:off x="8932333" y="3048000"/>
+              <a:ext cx="3259667" cy="3810000"/>
+            </a:xfrm>
+            <a:prstGeom prst="triangle">
+              <a:avLst>
+                <a:gd name="adj" fmla="val 100000"/>
+              </a:avLst>
+            </a:prstGeom>
+            <a:solidFill>
+              <a:schemeClr val="accent2">
+                <a:alpha val="72000"/>
+              </a:schemeClr>
+            </a:solidFill>
+            <a:ln>
+              <a:noFill/>
+            </a:ln>
+            <a:effectLst/>
+          </p:spPr>
+          <p:style>
+            <a:lnRef idx="1">
+              <a:schemeClr val="accent1"/>
+            </a:lnRef>
+            <a:fillRef idx="3">
+              <a:schemeClr val="accent1"/>
+            </a:fillRef>
+            <a:effectRef idx="2">
+              <a:schemeClr val="accent1"/>
+            </a:effectRef>
+            <a:fontRef idx="minor">
+              <a:schemeClr val="lt1"/>
+            </a:fontRef>
+          </p:style>
+        </p:sp>
+        <p:sp>
+          <p:nvSpPr>
+            <p:cNvPr id="28" name="Rectangle 27"/>
+            <p:cNvSpPr/>
+            <p:nvPr/>
+          </p:nvSpPr>
+          <p:spPr>
+            <a:xfrm>
+              <a:off x="9334500" y="-8467"/>
+              <a:ext cx="2854326" cy="6866467"/>
+            </a:xfrm>
+            <a:custGeom>
+              <a:avLst/>
+              <a:gdLst/>
+              <a:ahLst/>
+              <a:cxnLst/>
+              <a:rect l="l" t="t" r="r" b="b"/>
+              <a:pathLst>
+                <a:path w="2858013" h="6866467">
+                  <a:moveTo>
+                    <a:pt x="0" y="0"/>
+                  </a:moveTo>
+                  <a:lnTo>
+                    <a:pt x="2858013" y="0"/>
+                  </a:lnTo>
+                  <a:lnTo>
+                    <a:pt x="2858013" y="6866467"/>
+                  </a:lnTo>
+                  <a:lnTo>
+                    <a:pt x="2473942" y="6866467"/>
+                  </a:lnTo>
+                  <a:lnTo>
+                    <a:pt x="0" y="0"/>
+                  </a:lnTo>
+                  <a:close/>
+                </a:path>
+              </a:pathLst>
+            </a:custGeom>
+            <a:solidFill>
+              <a:schemeClr val="accent2">
+                <a:lumMod val="75000"/>
+                <a:alpha val="70000"/>
+              </a:schemeClr>
+            </a:solidFill>
+            <a:ln>
+              <a:noFill/>
+            </a:ln>
+            <a:effectLst/>
+          </p:spPr>
+          <p:style>
+            <a:lnRef idx="1">
+              <a:schemeClr val="accent1"/>
+            </a:lnRef>
+            <a:fillRef idx="3">
+              <a:schemeClr val="accent1"/>
+            </a:fillRef>
+            <a:effectRef idx="2">
+              <a:schemeClr val="accent1"/>
+            </a:effectRef>
+            <a:fontRef idx="minor">
+              <a:schemeClr val="lt1"/>
+            </a:fontRef>
+          </p:style>
+        </p:sp>
+        <p:sp>
+          <p:nvSpPr>
+            <p:cNvPr id="29" name="Rectangle 28"/>
+            <p:cNvSpPr/>
+            <p:nvPr/>
+          </p:nvSpPr>
+          <p:spPr>
+            <a:xfrm>
+              <a:off x="10898730" y="-8467"/>
+              <a:ext cx="1290094" cy="6866467"/>
+            </a:xfrm>
+            <a:custGeom>
+              <a:avLst/>
+              <a:gdLst/>
+              <a:ahLst/>
+              <a:cxnLst/>
+              <a:rect l="l" t="t" r="r" b="b"/>
+              <a:pathLst>
+                <a:path w="1290094" h="6858000">
+                  <a:moveTo>
+                    <a:pt x="1019735" y="0"/>
+                  </a:moveTo>
+                  <a:lnTo>
+                    <a:pt x="1290094" y="0"/>
+                  </a:lnTo>
+                  <a:lnTo>
+                    <a:pt x="1290094" y="6858000"/>
+                  </a:lnTo>
+                  <a:lnTo>
+                    <a:pt x="0" y="6858000"/>
+                  </a:lnTo>
+                  <a:lnTo>
+                    <a:pt x="1019735" y="0"/>
+                  </a:lnTo>
+                  <a:close/>
+                </a:path>
+              </a:pathLst>
+            </a:custGeom>
+            <a:solidFill>
+              <a:schemeClr val="accent1">
+                <a:lumMod val="60000"/>
+                <a:lumOff val="40000"/>
+                <a:alpha val="70000"/>
+              </a:schemeClr>
+            </a:solidFill>
+            <a:ln>
+              <a:noFill/>
+            </a:ln>
+            <a:effectLst/>
+          </p:spPr>
+          <p:style>
+            <a:lnRef idx="1">
+              <a:schemeClr val="accent1"/>
+            </a:lnRef>
+            <a:fillRef idx="3">
+              <a:schemeClr val="accent1"/>
+            </a:fillRef>
+            <a:effectRef idx="2">
+              <a:schemeClr val="accent1"/>
+            </a:effectRef>
+            <a:fontRef idx="minor">
+              <a:schemeClr val="lt1"/>
+            </a:fontRef>
+          </p:style>
+        </p:sp>
+        <p:sp>
+          <p:nvSpPr>
+            <p:cNvPr id="30" name="Rectangle 29"/>
+            <p:cNvSpPr/>
+            <p:nvPr/>
+          </p:nvSpPr>
+          <p:spPr>
+            <a:xfrm>
+              <a:off x="10938999" y="-8467"/>
+              <a:ext cx="1249825" cy="6866467"/>
+            </a:xfrm>
+            <a:custGeom>
+              <a:avLst/>
+              <a:gdLst/>
+              <a:ahLst/>
+              <a:cxnLst/>
+              <a:rect l="l" t="t" r="r" b="b"/>
+              <a:pathLst>
+                <a:path w="1249825" h="6858000">
+                  <a:moveTo>
+                    <a:pt x="0" y="0"/>
+                  </a:moveTo>
+                  <a:lnTo>
+                    <a:pt x="1249825" y="0"/>
+                  </a:lnTo>
+                  <a:lnTo>
+                    <a:pt x="1249825" y="6858000"/>
+                  </a:lnTo>
+                  <a:lnTo>
+                    <a:pt x="1109382" y="6858000"/>
+                  </a:lnTo>
+                  <a:lnTo>
+                    <a:pt x="0" y="0"/>
+                  </a:lnTo>
+                  <a:close/>
+                </a:path>
+              </a:pathLst>
+            </a:custGeom>
+            <a:solidFill>
+              <a:schemeClr val="accent1">
+                <a:alpha val="65000"/>
+              </a:schemeClr>
+            </a:solidFill>
+            <a:ln>
+              <a:noFill/>
+            </a:ln>
+            <a:effectLst/>
+          </p:spPr>
+          <p:style>
+            <a:lnRef idx="1">
+              <a:schemeClr val="accent1"/>
+            </a:lnRef>
+            <a:fillRef idx="3">
+              <a:schemeClr val="accent1"/>
+            </a:fillRef>
+            <a:effectRef idx="2">
+              <a:schemeClr val="accent1"/>
+            </a:effectRef>
+            <a:fontRef idx="minor">
+              <a:schemeClr val="lt1"/>
+            </a:fontRef>
+          </p:style>
+        </p:sp>
+        <p:sp>
+          <p:nvSpPr>
+            <p:cNvPr id="31" name="Isosceles Triangle 30"/>
+            <p:cNvSpPr/>
+            <p:nvPr/>
+          </p:nvSpPr>
+          <p:spPr>
+            <a:xfrm>
+              <a:off x="10371666" y="3589867"/>
+              <a:ext cx="1817159" cy="3268133"/>
+            </a:xfrm>
+            <a:prstGeom prst="triangle">
+              <a:avLst>
+                <a:gd name="adj" fmla="val 100000"/>
+              </a:avLst>
+            </a:prstGeom>
+            <a:solidFill>
+              <a:schemeClr val="accent1">
+                <a:alpha val="80000"/>
+              </a:schemeClr>
+            </a:solidFill>
+            <a:ln>
+              <a:noFill/>
+            </a:ln>
+            <a:effectLst/>
+          </p:spPr>
+          <p:style>
+            <a:lnRef idx="1">
+              <a:schemeClr val="accent1"/>
+            </a:lnRef>
+            <a:fillRef idx="3">
+              <a:schemeClr val="accent1"/>
+            </a:fillRef>
+            <a:effectRef idx="2">
+              <a:schemeClr val="accent1"/>
+            </a:effectRef>
+            <a:fontRef idx="minor">
+              <a:schemeClr val="lt1"/>
+            </a:fontRef>
+          </p:style>
+        </p:sp>
+        <p:sp>
+          <p:nvSpPr>
+            <p:cNvPr id="19" name="Isosceles Triangle 18"/>
+            <p:cNvSpPr/>
+            <p:nvPr/>
+          </p:nvSpPr>
+          <p:spPr>
+            <a:xfrm rot="10800000">
+              <a:off x="0" y="0"/>
+              <a:ext cx="842596" cy="5666154"/>
+            </a:xfrm>
+            <a:prstGeom prst="triangle">
+              <a:avLst>
+                <a:gd name="adj" fmla="val 100000"/>
+              </a:avLst>
+            </a:prstGeom>
+            <a:solidFill>
+              <a:schemeClr val="accent1">
+                <a:alpha val="85000"/>
+              </a:schemeClr>
+            </a:solidFill>
+            <a:ln>
+              <a:noFill/>
+            </a:ln>
+            <a:effectLst/>
+          </p:spPr>
+          <p:style>
+            <a:lnRef idx="1">
+              <a:schemeClr val="accent1"/>
+            </a:lnRef>
+            <a:fillRef idx="3">
+              <a:schemeClr val="accent1"/>
+            </a:fillRef>
+            <a:effectRef idx="2">
+              <a:schemeClr val="accent1"/>
+            </a:effectRef>
+            <a:fontRef idx="minor">
+              <a:schemeClr val="lt1"/>
+            </a:fontRef>
+          </p:style>
+        </p:sp>
+      </p:grpSp>
+      <p:sp>
+        <p:nvSpPr>
+          <p:cNvPr id="2" name="Title 1"/>
           <p:cNvSpPr>
             <a:spLocks noGrp="1"/>
           </p:cNvSpPr>
@@ -136,15 +674,21 @@
         </p:nvSpPr>
         <p:spPr>
           <a:xfrm>
-            <a:off x="1524000" y="1122363"/>
-            <a:ext cx="9144000" cy="2387600"/>
+            <a:off x="1507067" y="2404534"/>
+            <a:ext cx="7766936" cy="1646302"/>
           </a:xfrm>
         </p:spPr>
         <p:txBody>
-          <a:bodyPr anchor="b"/>
+          <a:bodyPr anchor="b">
+            <a:noAutofit/>
+          </a:bodyPr>
           <a:lstStyle>
-            <a:lvl1pPr algn="ctr">
-              <a:defRPr sz="6000"/>
+            <a:lvl1pPr algn="r">
+              <a:defRPr sz="5400">
+                <a:solidFill>
+                  <a:schemeClr val="accent1"/>
+                </a:solidFill>
+              </a:defRPr>
             </a:lvl1pPr>
           </a:lstStyle>
           <a:p>
@@ -152,13 +696,13 @@
               <a:rPr lang="es-ES" smtClean="0"/>
               <a:t>Haga clic para modificar el estilo de título del patrón</a:t>
             </a:r>
-            <a:endParaRPr lang="es-ES"/>
-          </a:p>
-        </p:txBody>
-      </p:sp>
-      <p:sp>
-        <p:nvSpPr>
-          <p:cNvPr id="3" name="Subtítulo 2"/>
+            <a:endParaRPr lang="en-US" dirty="0"/>
+          </a:p>
+        </p:txBody>
+      </p:sp>
+      <p:sp>
+        <p:nvSpPr>
+          <p:cNvPr id="3" name="Subtitle 2"/>
           <p:cNvSpPr>
             <a:spLocks noGrp="1"/>
           </p:cNvSpPr>
@@ -168,48 +712,103 @@
         </p:nvSpPr>
         <p:spPr>
           <a:xfrm>
-            <a:off x="1524000" y="3602038"/>
-            <a:ext cx="9144000" cy="1655762"/>
+            <a:off x="1507067" y="4050833"/>
+            <a:ext cx="7766936" cy="1096899"/>
           </a:xfrm>
         </p:spPr>
         <p:txBody>
-          <a:bodyPr/>
+          <a:bodyPr anchor="t"/>
           <a:lstStyle>
-            <a:lvl1pPr marL="0" indent="0" algn="ctr">
-              <a:buNone/>
-              <a:defRPr sz="2400"/>
+            <a:lvl1pPr marL="0" indent="0" algn="r">
+              <a:buNone/>
+              <a:defRPr>
+                <a:solidFill>
+                  <a:schemeClr val="tx1">
+                    <a:lumMod val="50000"/>
+                    <a:lumOff val="50000"/>
+                  </a:schemeClr>
+                </a:solidFill>
+              </a:defRPr>
             </a:lvl1pPr>
             <a:lvl2pPr marL="457200" indent="0" algn="ctr">
               <a:buNone/>
-              <a:defRPr sz="2000"/>
+              <a:defRPr>
+                <a:solidFill>
+                  <a:schemeClr val="tx1">
+                    <a:tint val="75000"/>
+                  </a:schemeClr>
+                </a:solidFill>
+              </a:defRPr>
             </a:lvl2pPr>
             <a:lvl3pPr marL="914400" indent="0" algn="ctr">
               <a:buNone/>
-              <a:defRPr sz="1800"/>
+              <a:defRPr>
+                <a:solidFill>
+                  <a:schemeClr val="tx1">
+                    <a:tint val="75000"/>
+                  </a:schemeClr>
+                </a:solidFill>
+              </a:defRPr>
             </a:lvl3pPr>
             <a:lvl4pPr marL="1371600" indent="0" algn="ctr">
               <a:buNone/>
-              <a:defRPr sz="1600"/>
+              <a:defRPr>
+                <a:solidFill>
+                  <a:schemeClr val="tx1">
+                    <a:tint val="75000"/>
+                  </a:schemeClr>
+                </a:solidFill>
+              </a:defRPr>
             </a:lvl4pPr>
             <a:lvl5pPr marL="1828800" indent="0" algn="ctr">
               <a:buNone/>
-              <a:defRPr sz="1600"/>
+              <a:defRPr>
+                <a:solidFill>
+                  <a:schemeClr val="tx1">
+                    <a:tint val="75000"/>
+                  </a:schemeClr>
+                </a:solidFill>
+              </a:defRPr>
             </a:lvl5pPr>
             <a:lvl6pPr marL="2286000" indent="0" algn="ctr">
               <a:buNone/>
-              <a:defRPr sz="1600"/>
+              <a:defRPr>
+                <a:solidFill>
+                  <a:schemeClr val="tx1">
+                    <a:tint val="75000"/>
+                  </a:schemeClr>
+                </a:solidFill>
+              </a:defRPr>
             </a:lvl6pPr>
             <a:lvl7pPr marL="2743200" indent="0" algn="ctr">
               <a:buNone/>
-              <a:defRPr sz="1600"/>
+              <a:defRPr>
+                <a:solidFill>
+                  <a:schemeClr val="tx1">
+                    <a:tint val="75000"/>
+                  </a:schemeClr>
+                </a:solidFill>
+              </a:defRPr>
             </a:lvl7pPr>
             <a:lvl8pPr marL="3200400" indent="0" algn="ctr">
               <a:buNone/>
-              <a:defRPr sz="1600"/>
+              <a:defRPr>
+                <a:solidFill>
+                  <a:schemeClr val="tx1">
+                    <a:tint val="75000"/>
+                  </a:schemeClr>
+                </a:solidFill>
+              </a:defRPr>
             </a:lvl8pPr>
             <a:lvl9pPr marL="3657600" indent="0" algn="ctr">
               <a:buNone/>
-              <a:defRPr sz="1600"/>
+              <a:defRPr>
+                <a:solidFill>
+                  <a:schemeClr val="tx1">
+                    <a:tint val="75000"/>
+                  </a:schemeClr>
+                </a:solidFill>
+              </a:defRPr>
             </a:lvl9pPr>
           </a:lstStyle>
           <a:p>
@@ -217,13 +816,13 @@
               <a:rPr lang="es-ES" smtClean="0"/>
               <a:t>Haga clic para editar el estilo de subtítulo del patrón</a:t>
             </a:r>
-            <a:endParaRPr lang="es-ES"/>
-          </a:p>
-        </p:txBody>
-      </p:sp>
-      <p:sp>
-        <p:nvSpPr>
-          <p:cNvPr id="4" name="Marcador de fecha 3"/>
+            <a:endParaRPr lang="en-US" dirty="0"/>
+          </a:p>
+        </p:txBody>
+      </p:sp>
+      <p:sp>
+        <p:nvSpPr>
+          <p:cNvPr id="4" name="Date Placeholder 3"/>
           <p:cNvSpPr>
             <a:spLocks noGrp="1"/>
           </p:cNvSpPr>
@@ -246,7 +845,7 @@
       </p:sp>
       <p:sp>
         <p:nvSpPr>
-          <p:cNvPr id="5" name="Marcador de pie de página 4"/>
+          <p:cNvPr id="5" name="Footer Placeholder 4"/>
           <p:cNvSpPr>
             <a:spLocks noGrp="1"/>
           </p:cNvSpPr>
@@ -265,7 +864,7 @@
       </p:sp>
       <p:sp>
         <p:nvSpPr>
-          <p:cNvPr id="6" name="Marcador de número de diapositiva 5"/>
+          <p:cNvPr id="6" name="Slide Number Placeholder 5"/>
           <p:cNvSpPr>
             <a:spLocks noGrp="1"/>
           </p:cNvSpPr>
@@ -289,7 +888,7 @@
     </p:spTree>
     <p:extLst>
       <p:ext uri="{BB962C8B-B14F-4D97-AF65-F5344CB8AC3E}">
-        <p14:creationId xmlns:p14="http://schemas.microsoft.com/office/powerpoint/2010/main" val="4013743643"/>
+        <p14:creationId xmlns:p14="http://schemas.microsoft.com/office/powerpoint/2010/main" val="2713318273"/>
       </p:ext>
     </p:extLst>
   </p:cSld>
@@ -300,6 +899,1599 @@
 </file>
 
 <file path=ppt/slideLayouts/slideLayout10.xml><?xml version="1.0" encoding="utf-8"?>
+<p:sldLayout xmlns:a="http://schemas.openxmlformats.org/drawingml/2006/main" xmlns:r="http://schemas.openxmlformats.org/officeDocument/2006/relationships" xmlns:p="http://schemas.openxmlformats.org/presentationml/2006/main" preserve="1">
+  <p:cSld name="Título y descripción">
+    <p:spTree>
+      <p:nvGrpSpPr>
+        <p:cNvPr id="1" name=""/>
+        <p:cNvGrpSpPr/>
+        <p:nvPr/>
+      </p:nvGrpSpPr>
+      <p:grpSpPr>
+        <a:xfrm>
+          <a:off x="0" y="0"/>
+          <a:ext cx="0" cy="0"/>
+          <a:chOff x="0" y="0"/>
+          <a:chExt cx="0" cy="0"/>
+        </a:xfrm>
+      </p:grpSpPr>
+      <p:sp>
+        <p:nvSpPr>
+          <p:cNvPr id="2" name="Title 1"/>
+          <p:cNvSpPr>
+            <a:spLocks noGrp="1"/>
+          </p:cNvSpPr>
+          <p:nvPr>
+            <p:ph type="title"/>
+          </p:nvPr>
+        </p:nvSpPr>
+        <p:spPr>
+          <a:xfrm>
+            <a:off x="677335" y="609600"/>
+            <a:ext cx="8596668" cy="3403600"/>
+          </a:xfrm>
+        </p:spPr>
+        <p:txBody>
+          <a:bodyPr anchor="ctr">
+            <a:normAutofit/>
+          </a:bodyPr>
+          <a:lstStyle>
+            <a:lvl1pPr algn="l">
+              <a:defRPr sz="4400" b="0" cap="none"/>
+            </a:lvl1pPr>
+          </a:lstStyle>
+          <a:p>
+            <a:r>
+              <a:rPr lang="es-ES" smtClean="0"/>
+              <a:t>Haga clic para modificar el estilo de título del patrón</a:t>
+            </a:r>
+            <a:endParaRPr lang="en-US" dirty="0"/>
+          </a:p>
+        </p:txBody>
+      </p:sp>
+      <p:sp>
+        <p:nvSpPr>
+          <p:cNvPr id="3" name="Text Placeholder 2"/>
+          <p:cNvSpPr>
+            <a:spLocks noGrp="1"/>
+          </p:cNvSpPr>
+          <p:nvPr>
+            <p:ph type="body" idx="1"/>
+          </p:nvPr>
+        </p:nvSpPr>
+        <p:spPr>
+          <a:xfrm>
+            <a:off x="677335" y="4470400"/>
+            <a:ext cx="8596668" cy="1570962"/>
+          </a:xfrm>
+        </p:spPr>
+        <p:txBody>
+          <a:bodyPr anchor="ctr">
+            <a:normAutofit/>
+          </a:bodyPr>
+          <a:lstStyle>
+            <a:lvl1pPr marL="0" indent="0" algn="l">
+              <a:buNone/>
+              <a:defRPr sz="1800">
+                <a:solidFill>
+                  <a:schemeClr val="tx1">
+                    <a:lumMod val="75000"/>
+                    <a:lumOff val="25000"/>
+                  </a:schemeClr>
+                </a:solidFill>
+              </a:defRPr>
+            </a:lvl1pPr>
+            <a:lvl2pPr marL="457200" indent="0">
+              <a:buNone/>
+              <a:defRPr sz="1800">
+                <a:solidFill>
+                  <a:schemeClr val="tx1">
+                    <a:tint val="75000"/>
+                  </a:schemeClr>
+                </a:solidFill>
+              </a:defRPr>
+            </a:lvl2pPr>
+            <a:lvl3pPr marL="914400" indent="0">
+              <a:buNone/>
+              <a:defRPr sz="1600">
+                <a:solidFill>
+                  <a:schemeClr val="tx1">
+                    <a:tint val="75000"/>
+                  </a:schemeClr>
+                </a:solidFill>
+              </a:defRPr>
+            </a:lvl3pPr>
+            <a:lvl4pPr marL="1371600" indent="0">
+              <a:buNone/>
+              <a:defRPr sz="1400">
+                <a:solidFill>
+                  <a:schemeClr val="tx1">
+                    <a:tint val="75000"/>
+                  </a:schemeClr>
+                </a:solidFill>
+              </a:defRPr>
+            </a:lvl4pPr>
+            <a:lvl5pPr marL="1828800" indent="0">
+              <a:buNone/>
+              <a:defRPr sz="1400">
+                <a:solidFill>
+                  <a:schemeClr val="tx1">
+                    <a:tint val="75000"/>
+                  </a:schemeClr>
+                </a:solidFill>
+              </a:defRPr>
+            </a:lvl5pPr>
+            <a:lvl6pPr marL="2286000" indent="0">
+              <a:buNone/>
+              <a:defRPr sz="1400">
+                <a:solidFill>
+                  <a:schemeClr val="tx1">
+                    <a:tint val="75000"/>
+                  </a:schemeClr>
+                </a:solidFill>
+              </a:defRPr>
+            </a:lvl6pPr>
+            <a:lvl7pPr marL="2743200" indent="0">
+              <a:buNone/>
+              <a:defRPr sz="1400">
+                <a:solidFill>
+                  <a:schemeClr val="tx1">
+                    <a:tint val="75000"/>
+                  </a:schemeClr>
+                </a:solidFill>
+              </a:defRPr>
+            </a:lvl7pPr>
+            <a:lvl8pPr marL="3200400" indent="0">
+              <a:buNone/>
+              <a:defRPr sz="1400">
+                <a:solidFill>
+                  <a:schemeClr val="tx1">
+                    <a:tint val="75000"/>
+                  </a:schemeClr>
+                </a:solidFill>
+              </a:defRPr>
+            </a:lvl8pPr>
+            <a:lvl9pPr marL="3657600" indent="0">
+              <a:buNone/>
+              <a:defRPr sz="1400">
+                <a:solidFill>
+                  <a:schemeClr val="tx1">
+                    <a:tint val="75000"/>
+                  </a:schemeClr>
+                </a:solidFill>
+              </a:defRPr>
+            </a:lvl9pPr>
+          </a:lstStyle>
+          <a:p>
+            <a:pPr lvl="0"/>
+            <a:r>
+              <a:rPr lang="es-ES" smtClean="0"/>
+              <a:t>Editar el estilo de texto del patrón</a:t>
+            </a:r>
+          </a:p>
+        </p:txBody>
+      </p:sp>
+      <p:sp>
+        <p:nvSpPr>
+          <p:cNvPr id="4" name="Date Placeholder 3"/>
+          <p:cNvSpPr>
+            <a:spLocks noGrp="1"/>
+          </p:cNvSpPr>
+          <p:nvPr>
+            <p:ph type="dt" sz="half" idx="10"/>
+          </p:nvPr>
+        </p:nvSpPr>
+        <p:spPr/>
+        <p:txBody>
+          <a:bodyPr/>
+          <a:lstStyle/>
+          <a:p>
+            <a:fld id="{CEDB1C17-D926-4C99-BD13-2BEC5F6EF999}" type="datetimeFigureOut">
+              <a:rPr lang="es-ES" smtClean="0"/>
+              <a:t>13/10/2018</a:t>
+            </a:fld>
+            <a:endParaRPr lang="es-ES"/>
+          </a:p>
+        </p:txBody>
+      </p:sp>
+      <p:sp>
+        <p:nvSpPr>
+          <p:cNvPr id="5" name="Footer Placeholder 4"/>
+          <p:cNvSpPr>
+            <a:spLocks noGrp="1"/>
+          </p:cNvSpPr>
+          <p:nvPr>
+            <p:ph type="ftr" sz="quarter" idx="11"/>
+          </p:nvPr>
+        </p:nvSpPr>
+        <p:spPr/>
+        <p:txBody>
+          <a:bodyPr/>
+          <a:lstStyle/>
+          <a:p>
+            <a:endParaRPr lang="es-ES"/>
+          </a:p>
+        </p:txBody>
+      </p:sp>
+      <p:sp>
+        <p:nvSpPr>
+          <p:cNvPr id="6" name="Slide Number Placeholder 5"/>
+          <p:cNvSpPr>
+            <a:spLocks noGrp="1"/>
+          </p:cNvSpPr>
+          <p:nvPr>
+            <p:ph type="sldNum" sz="quarter" idx="12"/>
+          </p:nvPr>
+        </p:nvSpPr>
+        <p:spPr/>
+        <p:txBody>
+          <a:bodyPr/>
+          <a:lstStyle/>
+          <a:p>
+            <a:fld id="{379BC705-109E-4475-8227-FEAB721C9924}" type="slidenum">
+              <a:rPr lang="es-ES" smtClean="0"/>
+              <a:t>‹Nº›</a:t>
+            </a:fld>
+            <a:endParaRPr lang="es-ES"/>
+          </a:p>
+        </p:txBody>
+      </p:sp>
+    </p:spTree>
+    <p:extLst>
+      <p:ext uri="{BB962C8B-B14F-4D97-AF65-F5344CB8AC3E}">
+        <p14:creationId xmlns:p14="http://schemas.microsoft.com/office/powerpoint/2010/main" val="1279940852"/>
+      </p:ext>
+    </p:extLst>
+  </p:cSld>
+  <p:clrMapOvr>
+    <a:masterClrMapping/>
+  </p:clrMapOvr>
+</p:sldLayout>
+</file>
+
+<file path=ppt/slideLayouts/slideLayout11.xml><?xml version="1.0" encoding="utf-8"?>
+<p:sldLayout xmlns:a="http://schemas.openxmlformats.org/drawingml/2006/main" xmlns:r="http://schemas.openxmlformats.org/officeDocument/2006/relationships" xmlns:p="http://schemas.openxmlformats.org/presentationml/2006/main" preserve="1">
+  <p:cSld name="Cita con descripción">
+    <p:spTree>
+      <p:nvGrpSpPr>
+        <p:cNvPr id="1" name=""/>
+        <p:cNvGrpSpPr/>
+        <p:nvPr/>
+      </p:nvGrpSpPr>
+      <p:grpSpPr>
+        <a:xfrm>
+          <a:off x="0" y="0"/>
+          <a:ext cx="0" cy="0"/>
+          <a:chOff x="0" y="0"/>
+          <a:chExt cx="0" cy="0"/>
+        </a:xfrm>
+      </p:grpSpPr>
+      <p:sp>
+        <p:nvSpPr>
+          <p:cNvPr id="2" name="Title 1"/>
+          <p:cNvSpPr>
+            <a:spLocks noGrp="1"/>
+          </p:cNvSpPr>
+          <p:nvPr>
+            <p:ph type="title"/>
+          </p:nvPr>
+        </p:nvSpPr>
+        <p:spPr>
+          <a:xfrm>
+            <a:off x="931334" y="609600"/>
+            <a:ext cx="8094134" cy="3022600"/>
+          </a:xfrm>
+        </p:spPr>
+        <p:txBody>
+          <a:bodyPr anchor="ctr">
+            <a:normAutofit/>
+          </a:bodyPr>
+          <a:lstStyle>
+            <a:lvl1pPr algn="l">
+              <a:defRPr sz="4400" b="0" cap="none"/>
+            </a:lvl1pPr>
+          </a:lstStyle>
+          <a:p>
+            <a:r>
+              <a:rPr lang="es-ES" smtClean="0"/>
+              <a:t>Haga clic para modificar el estilo de título del patrón</a:t>
+            </a:r>
+            <a:endParaRPr lang="en-US" dirty="0"/>
+          </a:p>
+        </p:txBody>
+      </p:sp>
+      <p:sp>
+        <p:nvSpPr>
+          <p:cNvPr id="23" name="Text Placeholder 9"/>
+          <p:cNvSpPr>
+            <a:spLocks noGrp="1"/>
+          </p:cNvSpPr>
+          <p:nvPr>
+            <p:ph type="body" sz="quarter" idx="13"/>
+          </p:nvPr>
+        </p:nvSpPr>
+        <p:spPr>
+          <a:xfrm>
+            <a:off x="1366139" y="3632200"/>
+            <a:ext cx="7224524" cy="381000"/>
+          </a:xfrm>
+        </p:spPr>
+        <p:txBody>
+          <a:bodyPr anchor="ctr">
+            <a:noAutofit/>
+          </a:bodyPr>
+          <a:lstStyle>
+            <a:lvl1pPr marL="0" indent="0">
+              <a:buFontTx/>
+              <a:buNone/>
+              <a:defRPr sz="1600">
+                <a:solidFill>
+                  <a:schemeClr val="tx1">
+                    <a:lumMod val="50000"/>
+                    <a:lumOff val="50000"/>
+                  </a:schemeClr>
+                </a:solidFill>
+              </a:defRPr>
+            </a:lvl1pPr>
+            <a:lvl2pPr marL="457200" indent="0">
+              <a:buFontTx/>
+              <a:buNone/>
+              <a:defRPr/>
+            </a:lvl2pPr>
+            <a:lvl3pPr marL="914400" indent="0">
+              <a:buFontTx/>
+              <a:buNone/>
+              <a:defRPr/>
+            </a:lvl3pPr>
+            <a:lvl4pPr marL="1371600" indent="0">
+              <a:buFontTx/>
+              <a:buNone/>
+              <a:defRPr/>
+            </a:lvl4pPr>
+            <a:lvl5pPr marL="1828800" indent="0">
+              <a:buFontTx/>
+              <a:buNone/>
+              <a:defRPr/>
+            </a:lvl5pPr>
+          </a:lstStyle>
+          <a:p>
+            <a:pPr lvl="0"/>
+            <a:r>
+              <a:rPr lang="es-ES" smtClean="0"/>
+              <a:t>Editar el estilo de texto del patrón</a:t>
+            </a:r>
+          </a:p>
+        </p:txBody>
+      </p:sp>
+      <p:sp>
+        <p:nvSpPr>
+          <p:cNvPr id="3" name="Text Placeholder 2"/>
+          <p:cNvSpPr>
+            <a:spLocks noGrp="1"/>
+          </p:cNvSpPr>
+          <p:nvPr>
+            <p:ph type="body" idx="1"/>
+          </p:nvPr>
+        </p:nvSpPr>
+        <p:spPr>
+          <a:xfrm>
+            <a:off x="677335" y="4470400"/>
+            <a:ext cx="8596668" cy="1570962"/>
+          </a:xfrm>
+        </p:spPr>
+        <p:txBody>
+          <a:bodyPr anchor="ctr">
+            <a:normAutofit/>
+          </a:bodyPr>
+          <a:lstStyle>
+            <a:lvl1pPr marL="0" indent="0" algn="l">
+              <a:buNone/>
+              <a:defRPr sz="1800">
+                <a:solidFill>
+                  <a:schemeClr val="tx1">
+                    <a:lumMod val="75000"/>
+                    <a:lumOff val="25000"/>
+                  </a:schemeClr>
+                </a:solidFill>
+              </a:defRPr>
+            </a:lvl1pPr>
+            <a:lvl2pPr marL="457200" indent="0">
+              <a:buNone/>
+              <a:defRPr sz="1800">
+                <a:solidFill>
+                  <a:schemeClr val="tx1">
+                    <a:tint val="75000"/>
+                  </a:schemeClr>
+                </a:solidFill>
+              </a:defRPr>
+            </a:lvl2pPr>
+            <a:lvl3pPr marL="914400" indent="0">
+              <a:buNone/>
+              <a:defRPr sz="1600">
+                <a:solidFill>
+                  <a:schemeClr val="tx1">
+                    <a:tint val="75000"/>
+                  </a:schemeClr>
+                </a:solidFill>
+              </a:defRPr>
+            </a:lvl3pPr>
+            <a:lvl4pPr marL="1371600" indent="0">
+              <a:buNone/>
+              <a:defRPr sz="1400">
+                <a:solidFill>
+                  <a:schemeClr val="tx1">
+                    <a:tint val="75000"/>
+                  </a:schemeClr>
+                </a:solidFill>
+              </a:defRPr>
+            </a:lvl4pPr>
+            <a:lvl5pPr marL="1828800" indent="0">
+              <a:buNone/>
+              <a:defRPr sz="1400">
+                <a:solidFill>
+                  <a:schemeClr val="tx1">
+                    <a:tint val="75000"/>
+                  </a:schemeClr>
+                </a:solidFill>
+              </a:defRPr>
+            </a:lvl5pPr>
+            <a:lvl6pPr marL="2286000" indent="0">
+              <a:buNone/>
+              <a:defRPr sz="1400">
+                <a:solidFill>
+                  <a:schemeClr val="tx1">
+                    <a:tint val="75000"/>
+                  </a:schemeClr>
+                </a:solidFill>
+              </a:defRPr>
+            </a:lvl6pPr>
+            <a:lvl7pPr marL="2743200" indent="0">
+              <a:buNone/>
+              <a:defRPr sz="1400">
+                <a:solidFill>
+                  <a:schemeClr val="tx1">
+                    <a:tint val="75000"/>
+                  </a:schemeClr>
+                </a:solidFill>
+              </a:defRPr>
+            </a:lvl7pPr>
+            <a:lvl8pPr marL="3200400" indent="0">
+              <a:buNone/>
+              <a:defRPr sz="1400">
+                <a:solidFill>
+                  <a:schemeClr val="tx1">
+                    <a:tint val="75000"/>
+                  </a:schemeClr>
+                </a:solidFill>
+              </a:defRPr>
+            </a:lvl8pPr>
+            <a:lvl9pPr marL="3657600" indent="0">
+              <a:buNone/>
+              <a:defRPr sz="1400">
+                <a:solidFill>
+                  <a:schemeClr val="tx1">
+                    <a:tint val="75000"/>
+                  </a:schemeClr>
+                </a:solidFill>
+              </a:defRPr>
+            </a:lvl9pPr>
+          </a:lstStyle>
+          <a:p>
+            <a:pPr lvl="0"/>
+            <a:r>
+              <a:rPr lang="es-ES" smtClean="0"/>
+              <a:t>Editar el estilo de texto del patrón</a:t>
+            </a:r>
+          </a:p>
+        </p:txBody>
+      </p:sp>
+      <p:sp>
+        <p:nvSpPr>
+          <p:cNvPr id="4" name="Date Placeholder 3"/>
+          <p:cNvSpPr>
+            <a:spLocks noGrp="1"/>
+          </p:cNvSpPr>
+          <p:nvPr>
+            <p:ph type="dt" sz="half" idx="10"/>
+          </p:nvPr>
+        </p:nvSpPr>
+        <p:spPr/>
+        <p:txBody>
+          <a:bodyPr/>
+          <a:lstStyle/>
+          <a:p>
+            <a:fld id="{CEDB1C17-D926-4C99-BD13-2BEC5F6EF999}" type="datetimeFigureOut">
+              <a:rPr lang="es-ES" smtClean="0"/>
+              <a:t>13/10/2018</a:t>
+            </a:fld>
+            <a:endParaRPr lang="es-ES"/>
+          </a:p>
+        </p:txBody>
+      </p:sp>
+      <p:sp>
+        <p:nvSpPr>
+          <p:cNvPr id="5" name="Footer Placeholder 4"/>
+          <p:cNvSpPr>
+            <a:spLocks noGrp="1"/>
+          </p:cNvSpPr>
+          <p:nvPr>
+            <p:ph type="ftr" sz="quarter" idx="11"/>
+          </p:nvPr>
+        </p:nvSpPr>
+        <p:spPr/>
+        <p:txBody>
+          <a:bodyPr/>
+          <a:lstStyle/>
+          <a:p>
+            <a:endParaRPr lang="es-ES"/>
+          </a:p>
+        </p:txBody>
+      </p:sp>
+      <p:sp>
+        <p:nvSpPr>
+          <p:cNvPr id="6" name="Slide Number Placeholder 5"/>
+          <p:cNvSpPr>
+            <a:spLocks noGrp="1"/>
+          </p:cNvSpPr>
+          <p:nvPr>
+            <p:ph type="sldNum" sz="quarter" idx="12"/>
+          </p:nvPr>
+        </p:nvSpPr>
+        <p:spPr/>
+        <p:txBody>
+          <a:bodyPr/>
+          <a:lstStyle/>
+          <a:p>
+            <a:fld id="{379BC705-109E-4475-8227-FEAB721C9924}" type="slidenum">
+              <a:rPr lang="es-ES" smtClean="0"/>
+              <a:t>‹Nº›</a:t>
+            </a:fld>
+            <a:endParaRPr lang="es-ES"/>
+          </a:p>
+        </p:txBody>
+      </p:sp>
+      <p:sp>
+        <p:nvSpPr>
+          <p:cNvPr id="20" name="TextBox 19"/>
+          <p:cNvSpPr txBox="1"/>
+          <p:nvPr/>
+        </p:nvSpPr>
+        <p:spPr>
+          <a:xfrm>
+            <a:off x="541870" y="790378"/>
+            <a:ext cx="609600" cy="584776"/>
+          </a:xfrm>
+          <a:prstGeom prst="rect">
+            <a:avLst/>
+          </a:prstGeom>
+        </p:spPr>
+        <p:txBody>
+          <a:bodyPr vert="horz" lIns="91440" tIns="45720" rIns="91440" bIns="45720" rtlCol="0" anchor="ctr">
+            <a:noAutofit/>
+          </a:bodyPr>
+          <a:lstStyle/>
+          <a:p>
+            <a:pPr lvl="0"/>
+            <a:r>
+              <a:rPr lang="en-US" sz="8000" baseline="0" dirty="0">
+                <a:ln w="3175" cmpd="sng">
+                  <a:noFill/>
+                </a:ln>
+                <a:solidFill>
+                  <a:schemeClr val="accent1"/>
+                </a:solidFill>
+                <a:effectLst/>
+                <a:latin typeface="Arial"/>
+              </a:rPr>
+              <a:t>“</a:t>
+            </a:r>
+          </a:p>
+        </p:txBody>
+      </p:sp>
+      <p:sp>
+        <p:nvSpPr>
+          <p:cNvPr id="22" name="TextBox 21"/>
+          <p:cNvSpPr txBox="1"/>
+          <p:nvPr/>
+        </p:nvSpPr>
+        <p:spPr>
+          <a:xfrm>
+            <a:off x="8893011" y="2886556"/>
+            <a:ext cx="609600" cy="584776"/>
+          </a:xfrm>
+          <a:prstGeom prst="rect">
+            <a:avLst/>
+          </a:prstGeom>
+        </p:spPr>
+        <p:txBody>
+          <a:bodyPr vert="horz" lIns="91440" tIns="45720" rIns="91440" bIns="45720" rtlCol="0" anchor="ctr">
+            <a:noAutofit/>
+          </a:bodyPr>
+          <a:lstStyle/>
+          <a:p>
+            <a:pPr lvl="0"/>
+            <a:r>
+              <a:rPr lang="en-US" sz="8000" baseline="0" dirty="0">
+                <a:ln w="3175" cmpd="sng">
+                  <a:noFill/>
+                </a:ln>
+                <a:solidFill>
+                  <a:schemeClr val="accent1"/>
+                </a:solidFill>
+                <a:effectLst/>
+                <a:latin typeface="Arial"/>
+              </a:rPr>
+              <a:t>”</a:t>
+            </a:r>
+          </a:p>
+        </p:txBody>
+      </p:sp>
+    </p:spTree>
+    <p:extLst>
+      <p:ext uri="{BB962C8B-B14F-4D97-AF65-F5344CB8AC3E}">
+        <p14:creationId xmlns:p14="http://schemas.microsoft.com/office/powerpoint/2010/main" val="3391967575"/>
+      </p:ext>
+    </p:extLst>
+  </p:cSld>
+  <p:clrMapOvr>
+    <a:masterClrMapping/>
+  </p:clrMapOvr>
+</p:sldLayout>
+</file>
+
+<file path=ppt/slideLayouts/slideLayout12.xml><?xml version="1.0" encoding="utf-8"?>
+<p:sldLayout xmlns:a="http://schemas.openxmlformats.org/drawingml/2006/main" xmlns:r="http://schemas.openxmlformats.org/officeDocument/2006/relationships" xmlns:p="http://schemas.openxmlformats.org/presentationml/2006/main" preserve="1">
+  <p:cSld name="Tarjeta de nombre">
+    <p:spTree>
+      <p:nvGrpSpPr>
+        <p:cNvPr id="1" name=""/>
+        <p:cNvGrpSpPr/>
+        <p:nvPr/>
+      </p:nvGrpSpPr>
+      <p:grpSpPr>
+        <a:xfrm>
+          <a:off x="0" y="0"/>
+          <a:ext cx="0" cy="0"/>
+          <a:chOff x="0" y="0"/>
+          <a:chExt cx="0" cy="0"/>
+        </a:xfrm>
+      </p:grpSpPr>
+      <p:sp>
+        <p:nvSpPr>
+          <p:cNvPr id="2" name="Title 1"/>
+          <p:cNvSpPr>
+            <a:spLocks noGrp="1"/>
+          </p:cNvSpPr>
+          <p:nvPr>
+            <p:ph type="title"/>
+          </p:nvPr>
+        </p:nvSpPr>
+        <p:spPr>
+          <a:xfrm>
+            <a:off x="677335" y="1931988"/>
+            <a:ext cx="8596668" cy="2595460"/>
+          </a:xfrm>
+        </p:spPr>
+        <p:txBody>
+          <a:bodyPr anchor="b">
+            <a:normAutofit/>
+          </a:bodyPr>
+          <a:lstStyle>
+            <a:lvl1pPr algn="l">
+              <a:defRPr sz="4400" b="0" cap="none"/>
+            </a:lvl1pPr>
+          </a:lstStyle>
+          <a:p>
+            <a:r>
+              <a:rPr lang="es-ES" smtClean="0"/>
+              <a:t>Haga clic para modificar el estilo de título del patrón</a:t>
+            </a:r>
+            <a:endParaRPr lang="en-US" dirty="0"/>
+          </a:p>
+        </p:txBody>
+      </p:sp>
+      <p:sp>
+        <p:nvSpPr>
+          <p:cNvPr id="3" name="Text Placeholder 2"/>
+          <p:cNvSpPr>
+            <a:spLocks noGrp="1"/>
+          </p:cNvSpPr>
+          <p:nvPr>
+            <p:ph type="body" idx="1"/>
+          </p:nvPr>
+        </p:nvSpPr>
+        <p:spPr>
+          <a:xfrm>
+            <a:off x="677335" y="4527448"/>
+            <a:ext cx="8596668" cy="1513914"/>
+          </a:xfrm>
+        </p:spPr>
+        <p:txBody>
+          <a:bodyPr anchor="t">
+            <a:normAutofit/>
+          </a:bodyPr>
+          <a:lstStyle>
+            <a:lvl1pPr marL="0" indent="0" algn="l">
+              <a:buNone/>
+              <a:defRPr sz="1800">
+                <a:solidFill>
+                  <a:schemeClr val="tx1">
+                    <a:lumMod val="75000"/>
+                    <a:lumOff val="25000"/>
+                  </a:schemeClr>
+                </a:solidFill>
+              </a:defRPr>
+            </a:lvl1pPr>
+            <a:lvl2pPr marL="457200" indent="0">
+              <a:buNone/>
+              <a:defRPr sz="1800">
+                <a:solidFill>
+                  <a:schemeClr val="tx1">
+                    <a:tint val="75000"/>
+                  </a:schemeClr>
+                </a:solidFill>
+              </a:defRPr>
+            </a:lvl2pPr>
+            <a:lvl3pPr marL="914400" indent="0">
+              <a:buNone/>
+              <a:defRPr sz="1600">
+                <a:solidFill>
+                  <a:schemeClr val="tx1">
+                    <a:tint val="75000"/>
+                  </a:schemeClr>
+                </a:solidFill>
+              </a:defRPr>
+            </a:lvl3pPr>
+            <a:lvl4pPr marL="1371600" indent="0">
+              <a:buNone/>
+              <a:defRPr sz="1400">
+                <a:solidFill>
+                  <a:schemeClr val="tx1">
+                    <a:tint val="75000"/>
+                  </a:schemeClr>
+                </a:solidFill>
+              </a:defRPr>
+            </a:lvl4pPr>
+            <a:lvl5pPr marL="1828800" indent="0">
+              <a:buNone/>
+              <a:defRPr sz="1400">
+                <a:solidFill>
+                  <a:schemeClr val="tx1">
+                    <a:tint val="75000"/>
+                  </a:schemeClr>
+                </a:solidFill>
+              </a:defRPr>
+            </a:lvl5pPr>
+            <a:lvl6pPr marL="2286000" indent="0">
+              <a:buNone/>
+              <a:defRPr sz="1400">
+                <a:solidFill>
+                  <a:schemeClr val="tx1">
+                    <a:tint val="75000"/>
+                  </a:schemeClr>
+                </a:solidFill>
+              </a:defRPr>
+            </a:lvl6pPr>
+            <a:lvl7pPr marL="2743200" indent="0">
+              <a:buNone/>
+              <a:defRPr sz="1400">
+                <a:solidFill>
+                  <a:schemeClr val="tx1">
+                    <a:tint val="75000"/>
+                  </a:schemeClr>
+                </a:solidFill>
+              </a:defRPr>
+            </a:lvl7pPr>
+            <a:lvl8pPr marL="3200400" indent="0">
+              <a:buNone/>
+              <a:defRPr sz="1400">
+                <a:solidFill>
+                  <a:schemeClr val="tx1">
+                    <a:tint val="75000"/>
+                  </a:schemeClr>
+                </a:solidFill>
+              </a:defRPr>
+            </a:lvl8pPr>
+            <a:lvl9pPr marL="3657600" indent="0">
+              <a:buNone/>
+              <a:defRPr sz="1400">
+                <a:solidFill>
+                  <a:schemeClr val="tx1">
+                    <a:tint val="75000"/>
+                  </a:schemeClr>
+                </a:solidFill>
+              </a:defRPr>
+            </a:lvl9pPr>
+          </a:lstStyle>
+          <a:p>
+            <a:pPr lvl="0"/>
+            <a:r>
+              <a:rPr lang="es-ES" smtClean="0"/>
+              <a:t>Editar el estilo de texto del patrón</a:t>
+            </a:r>
+          </a:p>
+        </p:txBody>
+      </p:sp>
+      <p:sp>
+        <p:nvSpPr>
+          <p:cNvPr id="4" name="Date Placeholder 3"/>
+          <p:cNvSpPr>
+            <a:spLocks noGrp="1"/>
+          </p:cNvSpPr>
+          <p:nvPr>
+            <p:ph type="dt" sz="half" idx="10"/>
+          </p:nvPr>
+        </p:nvSpPr>
+        <p:spPr/>
+        <p:txBody>
+          <a:bodyPr/>
+          <a:lstStyle/>
+          <a:p>
+            <a:fld id="{CEDB1C17-D926-4C99-BD13-2BEC5F6EF999}" type="datetimeFigureOut">
+              <a:rPr lang="es-ES" smtClean="0"/>
+              <a:t>13/10/2018</a:t>
+            </a:fld>
+            <a:endParaRPr lang="es-ES"/>
+          </a:p>
+        </p:txBody>
+      </p:sp>
+      <p:sp>
+        <p:nvSpPr>
+          <p:cNvPr id="5" name="Footer Placeholder 4"/>
+          <p:cNvSpPr>
+            <a:spLocks noGrp="1"/>
+          </p:cNvSpPr>
+          <p:nvPr>
+            <p:ph type="ftr" sz="quarter" idx="11"/>
+          </p:nvPr>
+        </p:nvSpPr>
+        <p:spPr/>
+        <p:txBody>
+          <a:bodyPr/>
+          <a:lstStyle/>
+          <a:p>
+            <a:endParaRPr lang="es-ES"/>
+          </a:p>
+        </p:txBody>
+      </p:sp>
+      <p:sp>
+        <p:nvSpPr>
+          <p:cNvPr id="6" name="Slide Number Placeholder 5"/>
+          <p:cNvSpPr>
+            <a:spLocks noGrp="1"/>
+          </p:cNvSpPr>
+          <p:nvPr>
+            <p:ph type="sldNum" sz="quarter" idx="12"/>
+          </p:nvPr>
+        </p:nvSpPr>
+        <p:spPr/>
+        <p:txBody>
+          <a:bodyPr/>
+          <a:lstStyle/>
+          <a:p>
+            <a:fld id="{379BC705-109E-4475-8227-FEAB721C9924}" type="slidenum">
+              <a:rPr lang="es-ES" smtClean="0"/>
+              <a:t>‹Nº›</a:t>
+            </a:fld>
+            <a:endParaRPr lang="es-ES"/>
+          </a:p>
+        </p:txBody>
+      </p:sp>
+    </p:spTree>
+    <p:extLst>
+      <p:ext uri="{BB962C8B-B14F-4D97-AF65-F5344CB8AC3E}">
+        <p14:creationId xmlns:p14="http://schemas.microsoft.com/office/powerpoint/2010/main" val="1588918581"/>
+      </p:ext>
+    </p:extLst>
+  </p:cSld>
+  <p:clrMapOvr>
+    <a:masterClrMapping/>
+  </p:clrMapOvr>
+</p:sldLayout>
+</file>
+
+<file path=ppt/slideLayouts/slideLayout13.xml><?xml version="1.0" encoding="utf-8"?>
+<p:sldLayout xmlns:a="http://schemas.openxmlformats.org/drawingml/2006/main" xmlns:r="http://schemas.openxmlformats.org/officeDocument/2006/relationships" xmlns:p="http://schemas.openxmlformats.org/presentationml/2006/main" preserve="1">
+  <p:cSld name="Citar la tarjeta de nombre">
+    <p:spTree>
+      <p:nvGrpSpPr>
+        <p:cNvPr id="1" name=""/>
+        <p:cNvGrpSpPr/>
+        <p:nvPr/>
+      </p:nvGrpSpPr>
+      <p:grpSpPr>
+        <a:xfrm>
+          <a:off x="0" y="0"/>
+          <a:ext cx="0" cy="0"/>
+          <a:chOff x="0" y="0"/>
+          <a:chExt cx="0" cy="0"/>
+        </a:xfrm>
+      </p:grpSpPr>
+      <p:sp>
+        <p:nvSpPr>
+          <p:cNvPr id="2" name="Title 1"/>
+          <p:cNvSpPr>
+            <a:spLocks noGrp="1"/>
+          </p:cNvSpPr>
+          <p:nvPr>
+            <p:ph type="title"/>
+          </p:nvPr>
+        </p:nvSpPr>
+        <p:spPr>
+          <a:xfrm>
+            <a:off x="931334" y="609600"/>
+            <a:ext cx="8094134" cy="3022600"/>
+          </a:xfrm>
+        </p:spPr>
+        <p:txBody>
+          <a:bodyPr anchor="ctr">
+            <a:normAutofit/>
+          </a:bodyPr>
+          <a:lstStyle>
+            <a:lvl1pPr algn="l">
+              <a:defRPr sz="4400" b="0" cap="none"/>
+            </a:lvl1pPr>
+          </a:lstStyle>
+          <a:p>
+            <a:r>
+              <a:rPr lang="es-ES" smtClean="0"/>
+              <a:t>Haga clic para modificar el estilo de título del patrón</a:t>
+            </a:r>
+            <a:endParaRPr lang="en-US" dirty="0"/>
+          </a:p>
+        </p:txBody>
+      </p:sp>
+      <p:sp>
+        <p:nvSpPr>
+          <p:cNvPr id="23" name="Text Placeholder 9"/>
+          <p:cNvSpPr>
+            <a:spLocks noGrp="1"/>
+          </p:cNvSpPr>
+          <p:nvPr>
+            <p:ph type="body" sz="quarter" idx="13"/>
+          </p:nvPr>
+        </p:nvSpPr>
+        <p:spPr>
+          <a:xfrm>
+            <a:off x="677332" y="4013200"/>
+            <a:ext cx="8596669" cy="514248"/>
+          </a:xfrm>
+        </p:spPr>
+        <p:txBody>
+          <a:bodyPr anchor="b">
+            <a:noAutofit/>
+          </a:bodyPr>
+          <a:lstStyle>
+            <a:lvl1pPr marL="0" indent="0">
+              <a:buFontTx/>
+              <a:buNone/>
+              <a:defRPr sz="2400">
+                <a:solidFill>
+                  <a:schemeClr val="tx1">
+                    <a:lumMod val="75000"/>
+                    <a:lumOff val="25000"/>
+                  </a:schemeClr>
+                </a:solidFill>
+              </a:defRPr>
+            </a:lvl1pPr>
+            <a:lvl2pPr marL="457200" indent="0">
+              <a:buFontTx/>
+              <a:buNone/>
+              <a:defRPr/>
+            </a:lvl2pPr>
+            <a:lvl3pPr marL="914400" indent="0">
+              <a:buFontTx/>
+              <a:buNone/>
+              <a:defRPr/>
+            </a:lvl3pPr>
+            <a:lvl4pPr marL="1371600" indent="0">
+              <a:buFontTx/>
+              <a:buNone/>
+              <a:defRPr/>
+            </a:lvl4pPr>
+            <a:lvl5pPr marL="1828800" indent="0">
+              <a:buFontTx/>
+              <a:buNone/>
+              <a:defRPr/>
+            </a:lvl5pPr>
+          </a:lstStyle>
+          <a:p>
+            <a:pPr lvl="0"/>
+            <a:r>
+              <a:rPr lang="es-ES" smtClean="0"/>
+              <a:t>Editar el estilo de texto del patrón</a:t>
+            </a:r>
+          </a:p>
+        </p:txBody>
+      </p:sp>
+      <p:sp>
+        <p:nvSpPr>
+          <p:cNvPr id="3" name="Text Placeholder 2"/>
+          <p:cNvSpPr>
+            <a:spLocks noGrp="1"/>
+          </p:cNvSpPr>
+          <p:nvPr>
+            <p:ph type="body" idx="1"/>
+          </p:nvPr>
+        </p:nvSpPr>
+        <p:spPr>
+          <a:xfrm>
+            <a:off x="677335" y="4527448"/>
+            <a:ext cx="8596668" cy="1513914"/>
+          </a:xfrm>
+        </p:spPr>
+        <p:txBody>
+          <a:bodyPr anchor="t">
+            <a:normAutofit/>
+          </a:bodyPr>
+          <a:lstStyle>
+            <a:lvl1pPr marL="0" indent="0" algn="l">
+              <a:buNone/>
+              <a:defRPr sz="1800">
+                <a:solidFill>
+                  <a:schemeClr val="tx1">
+                    <a:lumMod val="50000"/>
+                    <a:lumOff val="50000"/>
+                  </a:schemeClr>
+                </a:solidFill>
+              </a:defRPr>
+            </a:lvl1pPr>
+            <a:lvl2pPr marL="457200" indent="0">
+              <a:buNone/>
+              <a:defRPr sz="1800">
+                <a:solidFill>
+                  <a:schemeClr val="tx1">
+                    <a:tint val="75000"/>
+                  </a:schemeClr>
+                </a:solidFill>
+              </a:defRPr>
+            </a:lvl2pPr>
+            <a:lvl3pPr marL="914400" indent="0">
+              <a:buNone/>
+              <a:defRPr sz="1600">
+                <a:solidFill>
+                  <a:schemeClr val="tx1">
+                    <a:tint val="75000"/>
+                  </a:schemeClr>
+                </a:solidFill>
+              </a:defRPr>
+            </a:lvl3pPr>
+            <a:lvl4pPr marL="1371600" indent="0">
+              <a:buNone/>
+              <a:defRPr sz="1400">
+                <a:solidFill>
+                  <a:schemeClr val="tx1">
+                    <a:tint val="75000"/>
+                  </a:schemeClr>
+                </a:solidFill>
+              </a:defRPr>
+            </a:lvl4pPr>
+            <a:lvl5pPr marL="1828800" indent="0">
+              <a:buNone/>
+              <a:defRPr sz="1400">
+                <a:solidFill>
+                  <a:schemeClr val="tx1">
+                    <a:tint val="75000"/>
+                  </a:schemeClr>
+                </a:solidFill>
+              </a:defRPr>
+            </a:lvl5pPr>
+            <a:lvl6pPr marL="2286000" indent="0">
+              <a:buNone/>
+              <a:defRPr sz="1400">
+                <a:solidFill>
+                  <a:schemeClr val="tx1">
+                    <a:tint val="75000"/>
+                  </a:schemeClr>
+                </a:solidFill>
+              </a:defRPr>
+            </a:lvl6pPr>
+            <a:lvl7pPr marL="2743200" indent="0">
+              <a:buNone/>
+              <a:defRPr sz="1400">
+                <a:solidFill>
+                  <a:schemeClr val="tx1">
+                    <a:tint val="75000"/>
+                  </a:schemeClr>
+                </a:solidFill>
+              </a:defRPr>
+            </a:lvl7pPr>
+            <a:lvl8pPr marL="3200400" indent="0">
+              <a:buNone/>
+              <a:defRPr sz="1400">
+                <a:solidFill>
+                  <a:schemeClr val="tx1">
+                    <a:tint val="75000"/>
+                  </a:schemeClr>
+                </a:solidFill>
+              </a:defRPr>
+            </a:lvl8pPr>
+            <a:lvl9pPr marL="3657600" indent="0">
+              <a:buNone/>
+              <a:defRPr sz="1400">
+                <a:solidFill>
+                  <a:schemeClr val="tx1">
+                    <a:tint val="75000"/>
+                  </a:schemeClr>
+                </a:solidFill>
+              </a:defRPr>
+            </a:lvl9pPr>
+          </a:lstStyle>
+          <a:p>
+            <a:pPr lvl="0"/>
+            <a:r>
+              <a:rPr lang="es-ES" smtClean="0"/>
+              <a:t>Editar el estilo de texto del patrón</a:t>
+            </a:r>
+          </a:p>
+        </p:txBody>
+      </p:sp>
+      <p:sp>
+        <p:nvSpPr>
+          <p:cNvPr id="4" name="Date Placeholder 3"/>
+          <p:cNvSpPr>
+            <a:spLocks noGrp="1"/>
+          </p:cNvSpPr>
+          <p:nvPr>
+            <p:ph type="dt" sz="half" idx="10"/>
+          </p:nvPr>
+        </p:nvSpPr>
+        <p:spPr/>
+        <p:txBody>
+          <a:bodyPr/>
+          <a:lstStyle/>
+          <a:p>
+            <a:fld id="{CEDB1C17-D926-4C99-BD13-2BEC5F6EF999}" type="datetimeFigureOut">
+              <a:rPr lang="es-ES" smtClean="0"/>
+              <a:t>13/10/2018</a:t>
+            </a:fld>
+            <a:endParaRPr lang="es-ES"/>
+          </a:p>
+        </p:txBody>
+      </p:sp>
+      <p:sp>
+        <p:nvSpPr>
+          <p:cNvPr id="5" name="Footer Placeholder 4"/>
+          <p:cNvSpPr>
+            <a:spLocks noGrp="1"/>
+          </p:cNvSpPr>
+          <p:nvPr>
+            <p:ph type="ftr" sz="quarter" idx="11"/>
+          </p:nvPr>
+        </p:nvSpPr>
+        <p:spPr/>
+        <p:txBody>
+          <a:bodyPr/>
+          <a:lstStyle/>
+          <a:p>
+            <a:endParaRPr lang="es-ES"/>
+          </a:p>
+        </p:txBody>
+      </p:sp>
+      <p:sp>
+        <p:nvSpPr>
+          <p:cNvPr id="6" name="Slide Number Placeholder 5"/>
+          <p:cNvSpPr>
+            <a:spLocks noGrp="1"/>
+          </p:cNvSpPr>
+          <p:nvPr>
+            <p:ph type="sldNum" sz="quarter" idx="12"/>
+          </p:nvPr>
+        </p:nvSpPr>
+        <p:spPr/>
+        <p:txBody>
+          <a:bodyPr/>
+          <a:lstStyle/>
+          <a:p>
+            <a:fld id="{379BC705-109E-4475-8227-FEAB721C9924}" type="slidenum">
+              <a:rPr lang="es-ES" smtClean="0"/>
+              <a:t>‹Nº›</a:t>
+            </a:fld>
+            <a:endParaRPr lang="es-ES"/>
+          </a:p>
+        </p:txBody>
+      </p:sp>
+      <p:sp>
+        <p:nvSpPr>
+          <p:cNvPr id="24" name="TextBox 23"/>
+          <p:cNvSpPr txBox="1"/>
+          <p:nvPr/>
+        </p:nvSpPr>
+        <p:spPr>
+          <a:xfrm>
+            <a:off x="541870" y="790378"/>
+            <a:ext cx="609600" cy="584776"/>
+          </a:xfrm>
+          <a:prstGeom prst="rect">
+            <a:avLst/>
+          </a:prstGeom>
+        </p:spPr>
+        <p:txBody>
+          <a:bodyPr vert="horz" lIns="91440" tIns="45720" rIns="91440" bIns="45720" rtlCol="0" anchor="ctr">
+            <a:noAutofit/>
+          </a:bodyPr>
+          <a:lstStyle/>
+          <a:p>
+            <a:pPr lvl="0"/>
+            <a:r>
+              <a:rPr lang="en-US" sz="8000" baseline="0" dirty="0">
+                <a:ln w="3175" cmpd="sng">
+                  <a:noFill/>
+                </a:ln>
+                <a:solidFill>
+                  <a:schemeClr val="accent1"/>
+                </a:solidFill>
+                <a:effectLst/>
+                <a:latin typeface="Arial"/>
+              </a:rPr>
+              <a:t>“</a:t>
+            </a:r>
+          </a:p>
+        </p:txBody>
+      </p:sp>
+      <p:sp>
+        <p:nvSpPr>
+          <p:cNvPr id="25" name="TextBox 24"/>
+          <p:cNvSpPr txBox="1"/>
+          <p:nvPr/>
+        </p:nvSpPr>
+        <p:spPr>
+          <a:xfrm>
+            <a:off x="8893011" y="2886556"/>
+            <a:ext cx="609600" cy="584776"/>
+          </a:xfrm>
+          <a:prstGeom prst="rect">
+            <a:avLst/>
+          </a:prstGeom>
+        </p:spPr>
+        <p:txBody>
+          <a:bodyPr vert="horz" lIns="91440" tIns="45720" rIns="91440" bIns="45720" rtlCol="0" anchor="ctr">
+            <a:noAutofit/>
+          </a:bodyPr>
+          <a:lstStyle/>
+          <a:p>
+            <a:pPr lvl="0"/>
+            <a:r>
+              <a:rPr lang="en-US" sz="8000" baseline="0" dirty="0">
+                <a:ln w="3175" cmpd="sng">
+                  <a:noFill/>
+                </a:ln>
+                <a:solidFill>
+                  <a:schemeClr val="accent1"/>
+                </a:solidFill>
+                <a:effectLst/>
+                <a:latin typeface="Arial"/>
+              </a:rPr>
+              <a:t>”</a:t>
+            </a:r>
+          </a:p>
+        </p:txBody>
+      </p:sp>
+    </p:spTree>
+    <p:extLst>
+      <p:ext uri="{BB962C8B-B14F-4D97-AF65-F5344CB8AC3E}">
+        <p14:creationId xmlns:p14="http://schemas.microsoft.com/office/powerpoint/2010/main" val="1673305566"/>
+      </p:ext>
+    </p:extLst>
+  </p:cSld>
+  <p:clrMapOvr>
+    <a:masterClrMapping/>
+  </p:clrMapOvr>
+</p:sldLayout>
+</file>
+
+<file path=ppt/slideLayouts/slideLayout14.xml><?xml version="1.0" encoding="utf-8"?>
+<p:sldLayout xmlns:a="http://schemas.openxmlformats.org/drawingml/2006/main" xmlns:r="http://schemas.openxmlformats.org/officeDocument/2006/relationships" xmlns:p="http://schemas.openxmlformats.org/presentationml/2006/main" preserve="1">
+  <p:cSld name="Verdadero o falso">
+    <p:spTree>
+      <p:nvGrpSpPr>
+        <p:cNvPr id="1" name=""/>
+        <p:cNvGrpSpPr/>
+        <p:nvPr/>
+      </p:nvGrpSpPr>
+      <p:grpSpPr>
+        <a:xfrm>
+          <a:off x="0" y="0"/>
+          <a:ext cx="0" cy="0"/>
+          <a:chOff x="0" y="0"/>
+          <a:chExt cx="0" cy="0"/>
+        </a:xfrm>
+      </p:grpSpPr>
+      <p:sp>
+        <p:nvSpPr>
+          <p:cNvPr id="2" name="Title 1"/>
+          <p:cNvSpPr>
+            <a:spLocks noGrp="1"/>
+          </p:cNvSpPr>
+          <p:nvPr>
+            <p:ph type="title"/>
+          </p:nvPr>
+        </p:nvSpPr>
+        <p:spPr>
+          <a:xfrm>
+            <a:off x="685799" y="609600"/>
+            <a:ext cx="8588203" cy="3022600"/>
+          </a:xfrm>
+        </p:spPr>
+        <p:txBody>
+          <a:bodyPr anchor="ctr">
+            <a:normAutofit/>
+          </a:bodyPr>
+          <a:lstStyle>
+            <a:lvl1pPr algn="l">
+              <a:defRPr sz="4400" b="0" cap="none"/>
+            </a:lvl1pPr>
+          </a:lstStyle>
+          <a:p>
+            <a:r>
+              <a:rPr lang="es-ES" smtClean="0"/>
+              <a:t>Haga clic para modificar el estilo de título del patrón</a:t>
+            </a:r>
+            <a:endParaRPr lang="en-US" dirty="0"/>
+          </a:p>
+        </p:txBody>
+      </p:sp>
+      <p:sp>
+        <p:nvSpPr>
+          <p:cNvPr id="23" name="Text Placeholder 9"/>
+          <p:cNvSpPr>
+            <a:spLocks noGrp="1"/>
+          </p:cNvSpPr>
+          <p:nvPr>
+            <p:ph type="body" sz="quarter" idx="13"/>
+          </p:nvPr>
+        </p:nvSpPr>
+        <p:spPr>
+          <a:xfrm>
+            <a:off x="677332" y="4013200"/>
+            <a:ext cx="8596669" cy="514248"/>
+          </a:xfrm>
+        </p:spPr>
+        <p:txBody>
+          <a:bodyPr anchor="b">
+            <a:noAutofit/>
+          </a:bodyPr>
+          <a:lstStyle>
+            <a:lvl1pPr marL="0" indent="0">
+              <a:buFontTx/>
+              <a:buNone/>
+              <a:defRPr sz="2400">
+                <a:solidFill>
+                  <a:schemeClr val="accent1"/>
+                </a:solidFill>
+              </a:defRPr>
+            </a:lvl1pPr>
+            <a:lvl2pPr marL="457200" indent="0">
+              <a:buFontTx/>
+              <a:buNone/>
+              <a:defRPr/>
+            </a:lvl2pPr>
+            <a:lvl3pPr marL="914400" indent="0">
+              <a:buFontTx/>
+              <a:buNone/>
+              <a:defRPr/>
+            </a:lvl3pPr>
+            <a:lvl4pPr marL="1371600" indent="0">
+              <a:buFontTx/>
+              <a:buNone/>
+              <a:defRPr/>
+            </a:lvl4pPr>
+            <a:lvl5pPr marL="1828800" indent="0">
+              <a:buFontTx/>
+              <a:buNone/>
+              <a:defRPr/>
+            </a:lvl5pPr>
+          </a:lstStyle>
+          <a:p>
+            <a:pPr lvl="0"/>
+            <a:r>
+              <a:rPr lang="es-ES" smtClean="0"/>
+              <a:t>Editar el estilo de texto del patrón</a:t>
+            </a:r>
+          </a:p>
+        </p:txBody>
+      </p:sp>
+      <p:sp>
+        <p:nvSpPr>
+          <p:cNvPr id="3" name="Text Placeholder 2"/>
+          <p:cNvSpPr>
+            <a:spLocks noGrp="1"/>
+          </p:cNvSpPr>
+          <p:nvPr>
+            <p:ph type="body" idx="1"/>
+          </p:nvPr>
+        </p:nvSpPr>
+        <p:spPr>
+          <a:xfrm>
+            <a:off x="677335" y="4527448"/>
+            <a:ext cx="8596668" cy="1513914"/>
+          </a:xfrm>
+        </p:spPr>
+        <p:txBody>
+          <a:bodyPr anchor="t">
+            <a:normAutofit/>
+          </a:bodyPr>
+          <a:lstStyle>
+            <a:lvl1pPr marL="0" indent="0" algn="l">
+              <a:buNone/>
+              <a:defRPr sz="1800">
+                <a:solidFill>
+                  <a:schemeClr val="tx1">
+                    <a:lumMod val="50000"/>
+                    <a:lumOff val="50000"/>
+                  </a:schemeClr>
+                </a:solidFill>
+              </a:defRPr>
+            </a:lvl1pPr>
+            <a:lvl2pPr marL="457200" indent="0">
+              <a:buNone/>
+              <a:defRPr sz="1800">
+                <a:solidFill>
+                  <a:schemeClr val="tx1">
+                    <a:tint val="75000"/>
+                  </a:schemeClr>
+                </a:solidFill>
+              </a:defRPr>
+            </a:lvl2pPr>
+            <a:lvl3pPr marL="914400" indent="0">
+              <a:buNone/>
+              <a:defRPr sz="1600">
+                <a:solidFill>
+                  <a:schemeClr val="tx1">
+                    <a:tint val="75000"/>
+                  </a:schemeClr>
+                </a:solidFill>
+              </a:defRPr>
+            </a:lvl3pPr>
+            <a:lvl4pPr marL="1371600" indent="0">
+              <a:buNone/>
+              <a:defRPr sz="1400">
+                <a:solidFill>
+                  <a:schemeClr val="tx1">
+                    <a:tint val="75000"/>
+                  </a:schemeClr>
+                </a:solidFill>
+              </a:defRPr>
+            </a:lvl4pPr>
+            <a:lvl5pPr marL="1828800" indent="0">
+              <a:buNone/>
+              <a:defRPr sz="1400">
+                <a:solidFill>
+                  <a:schemeClr val="tx1">
+                    <a:tint val="75000"/>
+                  </a:schemeClr>
+                </a:solidFill>
+              </a:defRPr>
+            </a:lvl5pPr>
+            <a:lvl6pPr marL="2286000" indent="0">
+              <a:buNone/>
+              <a:defRPr sz="1400">
+                <a:solidFill>
+                  <a:schemeClr val="tx1">
+                    <a:tint val="75000"/>
+                  </a:schemeClr>
+                </a:solidFill>
+              </a:defRPr>
+            </a:lvl6pPr>
+            <a:lvl7pPr marL="2743200" indent="0">
+              <a:buNone/>
+              <a:defRPr sz="1400">
+                <a:solidFill>
+                  <a:schemeClr val="tx1">
+                    <a:tint val="75000"/>
+                  </a:schemeClr>
+                </a:solidFill>
+              </a:defRPr>
+            </a:lvl7pPr>
+            <a:lvl8pPr marL="3200400" indent="0">
+              <a:buNone/>
+              <a:defRPr sz="1400">
+                <a:solidFill>
+                  <a:schemeClr val="tx1">
+                    <a:tint val="75000"/>
+                  </a:schemeClr>
+                </a:solidFill>
+              </a:defRPr>
+            </a:lvl8pPr>
+            <a:lvl9pPr marL="3657600" indent="0">
+              <a:buNone/>
+              <a:defRPr sz="1400">
+                <a:solidFill>
+                  <a:schemeClr val="tx1">
+                    <a:tint val="75000"/>
+                  </a:schemeClr>
+                </a:solidFill>
+              </a:defRPr>
+            </a:lvl9pPr>
+          </a:lstStyle>
+          <a:p>
+            <a:pPr lvl="0"/>
+            <a:r>
+              <a:rPr lang="es-ES" smtClean="0"/>
+              <a:t>Editar el estilo de texto del patrón</a:t>
+            </a:r>
+          </a:p>
+        </p:txBody>
+      </p:sp>
+      <p:sp>
+        <p:nvSpPr>
+          <p:cNvPr id="4" name="Date Placeholder 3"/>
+          <p:cNvSpPr>
+            <a:spLocks noGrp="1"/>
+          </p:cNvSpPr>
+          <p:nvPr>
+            <p:ph type="dt" sz="half" idx="10"/>
+          </p:nvPr>
+        </p:nvSpPr>
+        <p:spPr/>
+        <p:txBody>
+          <a:bodyPr/>
+          <a:lstStyle/>
+          <a:p>
+            <a:fld id="{CEDB1C17-D926-4C99-BD13-2BEC5F6EF999}" type="datetimeFigureOut">
+              <a:rPr lang="es-ES" smtClean="0"/>
+              <a:t>13/10/2018</a:t>
+            </a:fld>
+            <a:endParaRPr lang="es-ES"/>
+          </a:p>
+        </p:txBody>
+      </p:sp>
+      <p:sp>
+        <p:nvSpPr>
+          <p:cNvPr id="5" name="Footer Placeholder 4"/>
+          <p:cNvSpPr>
+            <a:spLocks noGrp="1"/>
+          </p:cNvSpPr>
+          <p:nvPr>
+            <p:ph type="ftr" sz="quarter" idx="11"/>
+          </p:nvPr>
+        </p:nvSpPr>
+        <p:spPr/>
+        <p:txBody>
+          <a:bodyPr/>
+          <a:lstStyle/>
+          <a:p>
+            <a:endParaRPr lang="es-ES"/>
+          </a:p>
+        </p:txBody>
+      </p:sp>
+      <p:sp>
+        <p:nvSpPr>
+          <p:cNvPr id="6" name="Slide Number Placeholder 5"/>
+          <p:cNvSpPr>
+            <a:spLocks noGrp="1"/>
+          </p:cNvSpPr>
+          <p:nvPr>
+            <p:ph type="sldNum" sz="quarter" idx="12"/>
+          </p:nvPr>
+        </p:nvSpPr>
+        <p:spPr/>
+        <p:txBody>
+          <a:bodyPr/>
+          <a:lstStyle/>
+          <a:p>
+            <a:fld id="{379BC705-109E-4475-8227-FEAB721C9924}" type="slidenum">
+              <a:rPr lang="es-ES" smtClean="0"/>
+              <a:t>‹Nº›</a:t>
+            </a:fld>
+            <a:endParaRPr lang="es-ES"/>
+          </a:p>
+        </p:txBody>
+      </p:sp>
+    </p:spTree>
+    <p:extLst>
+      <p:ext uri="{BB962C8B-B14F-4D97-AF65-F5344CB8AC3E}">
+        <p14:creationId xmlns:p14="http://schemas.microsoft.com/office/powerpoint/2010/main" val="1399073069"/>
+      </p:ext>
+    </p:extLst>
+  </p:cSld>
+  <p:clrMapOvr>
+    <a:masterClrMapping/>
+  </p:clrMapOvr>
+</p:sldLayout>
+</file>
+
+<file path=ppt/slideLayouts/slideLayout15.xml><?xml version="1.0" encoding="utf-8"?>
 <p:sldLayout xmlns:a="http://schemas.openxmlformats.org/drawingml/2006/main" xmlns:r="http://schemas.openxmlformats.org/officeDocument/2006/relationships" xmlns:p="http://schemas.openxmlformats.org/presentationml/2006/main" type="vertTx" preserve="1">
   <p:cSld name="Título y texto vertical">
     <p:spTree>
@@ -318,7 +2510,7 @@
       </p:grpSpPr>
       <p:sp>
         <p:nvSpPr>
-          <p:cNvPr id="2" name="Título 1"/>
+          <p:cNvPr id="2" name="Title 1"/>
           <p:cNvSpPr>
             <a:spLocks noGrp="1"/>
           </p:cNvSpPr>
@@ -335,13 +2527,13 @@
               <a:rPr lang="es-ES" smtClean="0"/>
               <a:t>Haga clic para modificar el estilo de título del patrón</a:t>
             </a:r>
-            <a:endParaRPr lang="es-ES"/>
-          </a:p>
-        </p:txBody>
-      </p:sp>
-      <p:sp>
-        <p:nvSpPr>
-          <p:cNvPr id="3" name="Marcador de texto vertical 2"/>
+            <a:endParaRPr lang="en-US" dirty="0"/>
+          </a:p>
+        </p:txBody>
+      </p:sp>
+      <p:sp>
+        <p:nvSpPr>
+          <p:cNvPr id="3" name="Vertical Text Placeholder 2"/>
           <p:cNvSpPr>
             <a:spLocks noGrp="1"/>
           </p:cNvSpPr>
@@ -387,13 +2579,13 @@
               <a:rPr lang="es-ES" smtClean="0"/>
               <a:t>Quinto nivel</a:t>
             </a:r>
-            <a:endParaRPr lang="es-ES"/>
-          </a:p>
-        </p:txBody>
-      </p:sp>
-      <p:sp>
-        <p:nvSpPr>
-          <p:cNvPr id="4" name="Marcador de fecha 3"/>
+            <a:endParaRPr lang="en-US" dirty="0"/>
+          </a:p>
+        </p:txBody>
+      </p:sp>
+      <p:sp>
+        <p:nvSpPr>
+          <p:cNvPr id="4" name="Date Placeholder 3"/>
           <p:cNvSpPr>
             <a:spLocks noGrp="1"/>
           </p:cNvSpPr>
@@ -416,7 +2608,7 @@
       </p:sp>
       <p:sp>
         <p:nvSpPr>
-          <p:cNvPr id="5" name="Marcador de pie de página 4"/>
+          <p:cNvPr id="5" name="Footer Placeholder 4"/>
           <p:cNvSpPr>
             <a:spLocks noGrp="1"/>
           </p:cNvSpPr>
@@ -435,7 +2627,7 @@
       </p:sp>
       <p:sp>
         <p:nvSpPr>
-          <p:cNvPr id="6" name="Marcador de número de diapositiva 5"/>
+          <p:cNvPr id="6" name="Slide Number Placeholder 5"/>
           <p:cNvSpPr>
             <a:spLocks noGrp="1"/>
           </p:cNvSpPr>
@@ -459,7 +2651,7 @@
     </p:spTree>
     <p:extLst>
       <p:ext uri="{BB962C8B-B14F-4D97-AF65-F5344CB8AC3E}">
-        <p14:creationId xmlns:p14="http://schemas.microsoft.com/office/powerpoint/2010/main" val="292332410"/>
+        <p14:creationId xmlns:p14="http://schemas.microsoft.com/office/powerpoint/2010/main" val="2708569937"/>
       </p:ext>
     </p:extLst>
   </p:cSld>
@@ -469,7 +2661,7 @@
 </p:sldLayout>
 </file>
 
-<file path=ppt/slideLayouts/slideLayout11.xml><?xml version="1.0" encoding="utf-8"?>
+<file path=ppt/slideLayouts/slideLayout16.xml><?xml version="1.0" encoding="utf-8"?>
 <p:sldLayout xmlns:a="http://schemas.openxmlformats.org/drawingml/2006/main" xmlns:r="http://schemas.openxmlformats.org/officeDocument/2006/relationships" xmlns:p="http://schemas.openxmlformats.org/presentationml/2006/main" type="vertTitleAndTx" preserve="1">
   <p:cSld name="Título vertical y texto">
     <p:spTree>
@@ -488,7 +2680,7 @@
       </p:grpSpPr>
       <p:sp>
         <p:nvSpPr>
-          <p:cNvPr id="2" name="Título vertical 1"/>
+          <p:cNvPr id="2" name="Vertical Title 1"/>
           <p:cNvSpPr>
             <a:spLocks noGrp="1"/>
           </p:cNvSpPr>
@@ -498,25 +2690,25 @@
         </p:nvSpPr>
         <p:spPr>
           <a:xfrm>
-            <a:off x="8724900" y="365125"/>
-            <a:ext cx="2628900" cy="5811838"/>
+            <a:off x="7967673" y="609599"/>
+            <a:ext cx="1304743" cy="5251451"/>
           </a:xfrm>
         </p:spPr>
         <p:txBody>
-          <a:bodyPr vert="eaVert"/>
+          <a:bodyPr vert="eaVert" anchor="ctr"/>
           <a:lstStyle/>
           <a:p>
             <a:r>
               <a:rPr lang="es-ES" smtClean="0"/>
               <a:t>Haga clic para modificar el estilo de título del patrón</a:t>
             </a:r>
-            <a:endParaRPr lang="es-ES"/>
-          </a:p>
-        </p:txBody>
-      </p:sp>
-      <p:sp>
-        <p:nvSpPr>
-          <p:cNvPr id="3" name="Marcador de texto vertical 2"/>
+            <a:endParaRPr lang="en-US" dirty="0"/>
+          </a:p>
+        </p:txBody>
+      </p:sp>
+      <p:sp>
+        <p:nvSpPr>
+          <p:cNvPr id="3" name="Vertical Text Placeholder 2"/>
           <p:cNvSpPr>
             <a:spLocks noGrp="1"/>
           </p:cNvSpPr>
@@ -526,8 +2718,8 @@
         </p:nvSpPr>
         <p:spPr>
           <a:xfrm>
-            <a:off x="838200" y="365125"/>
-            <a:ext cx="7734300" cy="5811838"/>
+            <a:off x="677335" y="609600"/>
+            <a:ext cx="7060150" cy="5251450"/>
           </a:xfrm>
         </p:spPr>
         <p:txBody>
@@ -567,13 +2759,13 @@
               <a:rPr lang="es-ES" smtClean="0"/>
               <a:t>Quinto nivel</a:t>
             </a:r>
-            <a:endParaRPr lang="es-ES"/>
-          </a:p>
-        </p:txBody>
-      </p:sp>
-      <p:sp>
-        <p:nvSpPr>
-          <p:cNvPr id="4" name="Marcador de fecha 3"/>
+            <a:endParaRPr lang="en-US" dirty="0"/>
+          </a:p>
+        </p:txBody>
+      </p:sp>
+      <p:sp>
+        <p:nvSpPr>
+          <p:cNvPr id="4" name="Date Placeholder 3"/>
           <p:cNvSpPr>
             <a:spLocks noGrp="1"/>
           </p:cNvSpPr>
@@ -596,7 +2788,7 @@
       </p:sp>
       <p:sp>
         <p:nvSpPr>
-          <p:cNvPr id="5" name="Marcador de pie de página 4"/>
+          <p:cNvPr id="5" name="Footer Placeholder 4"/>
           <p:cNvSpPr>
             <a:spLocks noGrp="1"/>
           </p:cNvSpPr>
@@ -615,7 +2807,7 @@
       </p:sp>
       <p:sp>
         <p:nvSpPr>
-          <p:cNvPr id="6" name="Marcador de número de diapositiva 5"/>
+          <p:cNvPr id="6" name="Slide Number Placeholder 5"/>
           <p:cNvSpPr>
             <a:spLocks noGrp="1"/>
           </p:cNvSpPr>
@@ -639,7 +2831,7 @@
     </p:spTree>
     <p:extLst>
       <p:ext uri="{BB962C8B-B14F-4D97-AF65-F5344CB8AC3E}">
-        <p14:creationId xmlns:p14="http://schemas.microsoft.com/office/powerpoint/2010/main" val="3280229872"/>
+        <p14:creationId xmlns:p14="http://schemas.microsoft.com/office/powerpoint/2010/main" val="1372088180"/>
       </p:ext>
     </p:extLst>
   </p:cSld>
@@ -668,7 +2860,7 @@
       </p:grpSpPr>
       <p:sp>
         <p:nvSpPr>
-          <p:cNvPr id="2" name="Título 1"/>
+          <p:cNvPr id="2" name="Title 1"/>
           <p:cNvSpPr>
             <a:spLocks noGrp="1"/>
           </p:cNvSpPr>
@@ -678,32 +2870,38 @@
         </p:nvSpPr>
         <p:spPr/>
         <p:txBody>
+          <a:bodyPr>
+            <a:normAutofit/>
+          </a:bodyPr>
+          <a:lstStyle>
+            <a:lvl1pPr>
+              <a:defRPr sz="3600"/>
+            </a:lvl1pPr>
+          </a:lstStyle>
+          <a:p>
+            <a:r>
+              <a:rPr lang="es-ES" smtClean="0"/>
+              <a:t>Haga clic para modificar el estilo de título del patrón</a:t>
+            </a:r>
+            <a:endParaRPr lang="en-US" dirty="0"/>
+          </a:p>
+        </p:txBody>
+      </p:sp>
+      <p:sp>
+        <p:nvSpPr>
+          <p:cNvPr id="3" name="Content Placeholder 2"/>
+          <p:cNvSpPr>
+            <a:spLocks noGrp="1"/>
+          </p:cNvSpPr>
+          <p:nvPr>
+            <p:ph idx="1"/>
+          </p:nvPr>
+        </p:nvSpPr>
+        <p:spPr/>
+        <p:txBody>
           <a:bodyPr/>
           <a:lstStyle/>
           <a:p>
-            <a:r>
-              <a:rPr lang="es-ES" smtClean="0"/>
-              <a:t>Haga clic para modificar el estilo de título del patrón</a:t>
-            </a:r>
-            <a:endParaRPr lang="es-ES"/>
-          </a:p>
-        </p:txBody>
-      </p:sp>
-      <p:sp>
-        <p:nvSpPr>
-          <p:cNvPr id="3" name="Marcador de contenido 2"/>
-          <p:cNvSpPr>
-            <a:spLocks noGrp="1"/>
-          </p:cNvSpPr>
-          <p:nvPr>
-            <p:ph idx="1"/>
-          </p:nvPr>
-        </p:nvSpPr>
-        <p:spPr/>
-        <p:txBody>
-          <a:bodyPr/>
-          <a:lstStyle/>
-          <a:p>
             <a:pPr lvl="0"/>
             <a:r>
               <a:rPr lang="es-ES" smtClean="0"/>
@@ -737,13 +2935,13 @@
               <a:rPr lang="es-ES" smtClean="0"/>
               <a:t>Quinto nivel</a:t>
             </a:r>
-            <a:endParaRPr lang="es-ES"/>
-          </a:p>
-        </p:txBody>
-      </p:sp>
-      <p:sp>
-        <p:nvSpPr>
-          <p:cNvPr id="4" name="Marcador de fecha 3"/>
+            <a:endParaRPr lang="en-US" dirty="0"/>
+          </a:p>
+        </p:txBody>
+      </p:sp>
+      <p:sp>
+        <p:nvSpPr>
+          <p:cNvPr id="4" name="Date Placeholder 3"/>
           <p:cNvSpPr>
             <a:spLocks noGrp="1"/>
           </p:cNvSpPr>
@@ -766,7 +2964,7 @@
       </p:sp>
       <p:sp>
         <p:nvSpPr>
-          <p:cNvPr id="5" name="Marcador de pie de página 4"/>
+          <p:cNvPr id="5" name="Footer Placeholder 4"/>
           <p:cNvSpPr>
             <a:spLocks noGrp="1"/>
           </p:cNvSpPr>
@@ -785,7 +2983,7 @@
       </p:sp>
       <p:sp>
         <p:nvSpPr>
-          <p:cNvPr id="6" name="Marcador de número de diapositiva 5"/>
+          <p:cNvPr id="6" name="Slide Number Placeholder 5"/>
           <p:cNvSpPr>
             <a:spLocks noGrp="1"/>
           </p:cNvSpPr>
@@ -809,7 +3007,7 @@
     </p:spTree>
     <p:extLst>
       <p:ext uri="{BB962C8B-B14F-4D97-AF65-F5344CB8AC3E}">
-        <p14:creationId xmlns:p14="http://schemas.microsoft.com/office/powerpoint/2010/main" val="2452672094"/>
+        <p14:creationId xmlns:p14="http://schemas.microsoft.com/office/powerpoint/2010/main" val="663011581"/>
       </p:ext>
     </p:extLst>
   </p:cSld>
@@ -838,7 +3036,7 @@
       </p:grpSpPr>
       <p:sp>
         <p:nvSpPr>
-          <p:cNvPr id="2" name="Título 1"/>
+          <p:cNvPr id="2" name="Title 1"/>
           <p:cNvSpPr>
             <a:spLocks noGrp="1"/>
           </p:cNvSpPr>
@@ -848,15 +3046,15 @@
         </p:nvSpPr>
         <p:spPr>
           <a:xfrm>
-            <a:off x="831850" y="1709738"/>
-            <a:ext cx="10515600" cy="2852737"/>
+            <a:off x="677335" y="2700867"/>
+            <a:ext cx="8596668" cy="1826581"/>
           </a:xfrm>
         </p:spPr>
         <p:txBody>
           <a:bodyPr anchor="b"/>
           <a:lstStyle>
-            <a:lvl1pPr>
-              <a:defRPr sz="6000"/>
+            <a:lvl1pPr algn="l">
+              <a:defRPr sz="4000" b="0" cap="none"/>
             </a:lvl1pPr>
           </a:lstStyle>
           <a:p>
@@ -864,13 +3062,13 @@
               <a:rPr lang="es-ES" smtClean="0"/>
               <a:t>Haga clic para modificar el estilo de título del patrón</a:t>
             </a:r>
-            <a:endParaRPr lang="es-ES"/>
-          </a:p>
-        </p:txBody>
-      </p:sp>
-      <p:sp>
-        <p:nvSpPr>
-          <p:cNvPr id="3" name="Marcador de texto 2"/>
+            <a:endParaRPr lang="en-US" dirty="0"/>
+          </a:p>
+        </p:txBody>
+      </p:sp>
+      <p:sp>
+        <p:nvSpPr>
+          <p:cNvPr id="3" name="Text Placeholder 2"/>
           <p:cNvSpPr>
             <a:spLocks noGrp="1"/>
           </p:cNvSpPr>
@@ -880,26 +3078,27 @@
         </p:nvSpPr>
         <p:spPr>
           <a:xfrm>
-            <a:off x="831850" y="4589463"/>
-            <a:ext cx="10515600" cy="1500187"/>
+            <a:off x="677335" y="4527448"/>
+            <a:ext cx="8596668" cy="860400"/>
           </a:xfrm>
         </p:spPr>
         <p:txBody>
-          <a:bodyPr/>
+          <a:bodyPr anchor="t"/>
           <a:lstStyle>
-            <a:lvl1pPr marL="0" indent="0">
-              <a:buNone/>
-              <a:defRPr sz="2400">
-                <a:solidFill>
-                  <a:schemeClr val="tx1">
-                    <a:tint val="75000"/>
+            <a:lvl1pPr marL="0" indent="0" algn="l">
+              <a:buNone/>
+              <a:defRPr sz="2000">
+                <a:solidFill>
+                  <a:schemeClr val="tx1">
+                    <a:lumMod val="50000"/>
+                    <a:lumOff val="50000"/>
                   </a:schemeClr>
                 </a:solidFill>
               </a:defRPr>
             </a:lvl1pPr>
             <a:lvl2pPr marL="457200" indent="0">
               <a:buNone/>
-              <a:defRPr sz="2000">
+              <a:defRPr sz="1800">
                 <a:solidFill>
                   <a:schemeClr val="tx1">
                     <a:tint val="75000"/>
@@ -909,7 +3108,7 @@
             </a:lvl2pPr>
             <a:lvl3pPr marL="914400" indent="0">
               <a:buNone/>
-              <a:defRPr sz="1800">
+              <a:defRPr sz="1600">
                 <a:solidFill>
                   <a:schemeClr val="tx1">
                     <a:tint val="75000"/>
@@ -919,7 +3118,7 @@
             </a:lvl3pPr>
             <a:lvl4pPr marL="1371600" indent="0">
               <a:buNone/>
-              <a:defRPr sz="1600">
+              <a:defRPr sz="1400">
                 <a:solidFill>
                   <a:schemeClr val="tx1">
                     <a:tint val="75000"/>
@@ -929,7 +3128,7 @@
             </a:lvl4pPr>
             <a:lvl5pPr marL="1828800" indent="0">
               <a:buNone/>
-              <a:defRPr sz="1600">
+              <a:defRPr sz="1400">
                 <a:solidFill>
                   <a:schemeClr val="tx1">
                     <a:tint val="75000"/>
@@ -939,7 +3138,7 @@
             </a:lvl5pPr>
             <a:lvl6pPr marL="2286000" indent="0">
               <a:buNone/>
-              <a:defRPr sz="1600">
+              <a:defRPr sz="1400">
                 <a:solidFill>
                   <a:schemeClr val="tx1">
                     <a:tint val="75000"/>
@@ -949,7 +3148,7 @@
             </a:lvl6pPr>
             <a:lvl7pPr marL="2743200" indent="0">
               <a:buNone/>
-              <a:defRPr sz="1600">
+              <a:defRPr sz="1400">
                 <a:solidFill>
                   <a:schemeClr val="tx1">
                     <a:tint val="75000"/>
@@ -959,7 +3158,7 @@
             </a:lvl7pPr>
             <a:lvl8pPr marL="3200400" indent="0">
               <a:buNone/>
-              <a:defRPr sz="1600">
+              <a:defRPr sz="1400">
                 <a:solidFill>
                   <a:schemeClr val="tx1">
                     <a:tint val="75000"/>
@@ -969,7 +3168,7 @@
             </a:lvl8pPr>
             <a:lvl9pPr marL="3657600" indent="0">
               <a:buNone/>
-              <a:defRPr sz="1600">
+              <a:defRPr sz="1400">
                 <a:solidFill>
                   <a:schemeClr val="tx1">
                     <a:tint val="75000"/>
@@ -989,7 +3188,7 @@
       </p:sp>
       <p:sp>
         <p:nvSpPr>
-          <p:cNvPr id="4" name="Marcador de fecha 3"/>
+          <p:cNvPr id="4" name="Date Placeholder 3"/>
           <p:cNvSpPr>
             <a:spLocks noGrp="1"/>
           </p:cNvSpPr>
@@ -1012,7 +3211,7 @@
       </p:sp>
       <p:sp>
         <p:nvSpPr>
-          <p:cNvPr id="5" name="Marcador de pie de página 4"/>
+          <p:cNvPr id="5" name="Footer Placeholder 4"/>
           <p:cNvSpPr>
             <a:spLocks noGrp="1"/>
           </p:cNvSpPr>
@@ -1031,7 +3230,7 @@
       </p:sp>
       <p:sp>
         <p:nvSpPr>
-          <p:cNvPr id="6" name="Marcador de número de diapositiva 5"/>
+          <p:cNvPr id="6" name="Slide Number Placeholder 5"/>
           <p:cNvSpPr>
             <a:spLocks noGrp="1"/>
           </p:cNvSpPr>
@@ -1055,7 +3254,7 @@
     </p:spTree>
     <p:extLst>
       <p:ext uri="{BB962C8B-B14F-4D97-AF65-F5344CB8AC3E}">
-        <p14:creationId xmlns:p14="http://schemas.microsoft.com/office/powerpoint/2010/main" val="3358227317"/>
+        <p14:creationId xmlns:p14="http://schemas.microsoft.com/office/powerpoint/2010/main" val="3726413317"/>
       </p:ext>
     </p:extLst>
   </p:cSld>
@@ -1084,7 +3283,7 @@
       </p:grpSpPr>
       <p:sp>
         <p:nvSpPr>
-          <p:cNvPr id="2" name="Título 1"/>
+          <p:cNvPr id="2" name="Title 1"/>
           <p:cNvSpPr>
             <a:spLocks noGrp="1"/>
           </p:cNvSpPr>
@@ -1101,13 +3300,13 @@
               <a:rPr lang="es-ES" smtClean="0"/>
               <a:t>Haga clic para modificar el estilo de título del patrón</a:t>
             </a:r>
-            <a:endParaRPr lang="es-ES"/>
-          </a:p>
-        </p:txBody>
-      </p:sp>
-      <p:sp>
-        <p:nvSpPr>
-          <p:cNvPr id="3" name="Marcador de contenido 2"/>
+            <a:endParaRPr lang="en-US" dirty="0"/>
+          </a:p>
+        </p:txBody>
+      </p:sp>
+      <p:sp>
+        <p:nvSpPr>
+          <p:cNvPr id="3" name="Content Placeholder 2"/>
           <p:cNvSpPr>
             <a:spLocks noGrp="1"/>
           </p:cNvSpPr>
@@ -1117,8 +3316,8 @@
         </p:nvSpPr>
         <p:spPr>
           <a:xfrm>
-            <a:off x="838200" y="1825625"/>
-            <a:ext cx="5181600" cy="4351338"/>
+            <a:off x="677334" y="2160589"/>
+            <a:ext cx="4184035" cy="3880772"/>
           </a:xfrm>
         </p:spPr>
         <p:txBody>
@@ -1158,13 +3357,13 @@
               <a:rPr lang="es-ES" smtClean="0"/>
               <a:t>Quinto nivel</a:t>
             </a:r>
-            <a:endParaRPr lang="es-ES"/>
-          </a:p>
-        </p:txBody>
-      </p:sp>
-      <p:sp>
-        <p:nvSpPr>
-          <p:cNvPr id="4" name="Marcador de contenido 3"/>
+            <a:endParaRPr lang="en-US" dirty="0"/>
+          </a:p>
+        </p:txBody>
+      </p:sp>
+      <p:sp>
+        <p:nvSpPr>
+          <p:cNvPr id="4" name="Content Placeholder 3"/>
           <p:cNvSpPr>
             <a:spLocks noGrp="1"/>
           </p:cNvSpPr>
@@ -1174,8 +3373,8 @@
         </p:nvSpPr>
         <p:spPr>
           <a:xfrm>
-            <a:off x="6172200" y="1825625"/>
-            <a:ext cx="5181600" cy="4351338"/>
+            <a:off x="5089970" y="2160589"/>
+            <a:ext cx="4184034" cy="3880773"/>
           </a:xfrm>
         </p:spPr>
         <p:txBody>
@@ -1215,13 +3414,13 @@
               <a:rPr lang="es-ES" smtClean="0"/>
               <a:t>Quinto nivel</a:t>
             </a:r>
-            <a:endParaRPr lang="es-ES"/>
-          </a:p>
-        </p:txBody>
-      </p:sp>
-      <p:sp>
-        <p:nvSpPr>
-          <p:cNvPr id="5" name="Marcador de fecha 4"/>
+            <a:endParaRPr lang="en-US" dirty="0"/>
+          </a:p>
+        </p:txBody>
+      </p:sp>
+      <p:sp>
+        <p:nvSpPr>
+          <p:cNvPr id="5" name="Date Placeholder 4"/>
           <p:cNvSpPr>
             <a:spLocks noGrp="1"/>
           </p:cNvSpPr>
@@ -1244,7 +3443,7 @@
       </p:sp>
       <p:sp>
         <p:nvSpPr>
-          <p:cNvPr id="6" name="Marcador de pie de página 5"/>
+          <p:cNvPr id="6" name="Footer Placeholder 5"/>
           <p:cNvSpPr>
             <a:spLocks noGrp="1"/>
           </p:cNvSpPr>
@@ -1263,7 +3462,7 @@
       </p:sp>
       <p:sp>
         <p:nvSpPr>
-          <p:cNvPr id="7" name="Marcador de número de diapositiva 6"/>
+          <p:cNvPr id="7" name="Slide Number Placeholder 6"/>
           <p:cNvSpPr>
             <a:spLocks noGrp="1"/>
           </p:cNvSpPr>
@@ -1287,7 +3486,7 @@
     </p:spTree>
     <p:extLst>
       <p:ext uri="{BB962C8B-B14F-4D97-AF65-F5344CB8AC3E}">
-        <p14:creationId xmlns:p14="http://schemas.microsoft.com/office/powerpoint/2010/main" val="2451211867"/>
+        <p14:creationId xmlns:p14="http://schemas.microsoft.com/office/powerpoint/2010/main" val="2565011579"/>
       </p:ext>
     </p:extLst>
   </p:cSld>
@@ -1316,54 +3515,55 @@
       </p:grpSpPr>
       <p:sp>
         <p:nvSpPr>
-          <p:cNvPr id="2" name="Título 1"/>
+          <p:cNvPr id="2" name="Title 1"/>
           <p:cNvSpPr>
             <a:spLocks noGrp="1"/>
           </p:cNvSpPr>
           <p:nvPr>
             <p:ph type="title"/>
+          </p:nvPr>
+        </p:nvSpPr>
+        <p:spPr/>
+        <p:txBody>
+          <a:bodyPr/>
+          <a:lstStyle>
+            <a:lvl1pPr>
+              <a:defRPr/>
+            </a:lvl1pPr>
+          </a:lstStyle>
+          <a:p>
+            <a:r>
+              <a:rPr lang="es-ES" smtClean="0"/>
+              <a:t>Haga clic para modificar el estilo de título del patrón</a:t>
+            </a:r>
+            <a:endParaRPr lang="en-US" dirty="0"/>
+          </a:p>
+        </p:txBody>
+      </p:sp>
+      <p:sp>
+        <p:nvSpPr>
+          <p:cNvPr id="3" name="Text Placeholder 2"/>
+          <p:cNvSpPr>
+            <a:spLocks noGrp="1"/>
+          </p:cNvSpPr>
+          <p:nvPr>
+            <p:ph type="body" idx="1"/>
           </p:nvPr>
         </p:nvSpPr>
         <p:spPr>
           <a:xfrm>
-            <a:off x="839788" y="365125"/>
-            <a:ext cx="10515600" cy="1325563"/>
+            <a:off x="675745" y="2160983"/>
+            <a:ext cx="4185623" cy="576262"/>
           </a:xfrm>
         </p:spPr>
         <p:txBody>
-          <a:bodyPr/>
-          <a:lstStyle/>
-          <a:p>
-            <a:r>
-              <a:rPr lang="es-ES" smtClean="0"/>
-              <a:t>Haga clic para modificar el estilo de título del patrón</a:t>
-            </a:r>
-            <a:endParaRPr lang="es-ES"/>
-          </a:p>
-        </p:txBody>
-      </p:sp>
-      <p:sp>
-        <p:nvSpPr>
-          <p:cNvPr id="3" name="Marcador de texto 2"/>
-          <p:cNvSpPr>
-            <a:spLocks noGrp="1"/>
-          </p:cNvSpPr>
-          <p:nvPr>
-            <p:ph type="body" idx="1"/>
-          </p:nvPr>
-        </p:nvSpPr>
-        <p:spPr>
-          <a:xfrm>
-            <a:off x="839788" y="1681163"/>
-            <a:ext cx="5157787" cy="823912"/>
-          </a:xfrm>
-        </p:spPr>
-        <p:txBody>
-          <a:bodyPr anchor="b"/>
+          <a:bodyPr anchor="b">
+            <a:noAutofit/>
+          </a:bodyPr>
           <a:lstStyle>
             <a:lvl1pPr marL="0" indent="0">
               <a:buNone/>
-              <a:defRPr sz="2400" b="1"/>
+              <a:defRPr sz="2400" b="0"/>
             </a:lvl1pPr>
             <a:lvl2pPr marL="457200" indent="0">
               <a:buNone/>
@@ -1409,7 +3609,7 @@
       </p:sp>
       <p:sp>
         <p:nvSpPr>
-          <p:cNvPr id="4" name="Marcador de contenido 3"/>
+          <p:cNvPr id="4" name="Content Placeholder 3"/>
           <p:cNvSpPr>
             <a:spLocks noGrp="1"/>
           </p:cNvSpPr>
@@ -1419,12 +3619,14 @@
         </p:nvSpPr>
         <p:spPr>
           <a:xfrm>
-            <a:off x="839788" y="2505075"/>
-            <a:ext cx="5157787" cy="3684588"/>
+            <a:off x="675745" y="2737245"/>
+            <a:ext cx="4185623" cy="3304117"/>
           </a:xfrm>
         </p:spPr>
         <p:txBody>
-          <a:bodyPr/>
+          <a:bodyPr>
+            <a:normAutofit/>
+          </a:bodyPr>
           <a:lstStyle/>
           <a:p>
             <a:pPr lvl="0"/>
@@ -1460,13 +3662,13 @@
               <a:rPr lang="es-ES" smtClean="0"/>
               <a:t>Quinto nivel</a:t>
             </a:r>
-            <a:endParaRPr lang="es-ES"/>
-          </a:p>
-        </p:txBody>
-      </p:sp>
-      <p:sp>
-        <p:nvSpPr>
-          <p:cNvPr id="5" name="Marcador de texto 4"/>
+            <a:endParaRPr lang="en-US" dirty="0"/>
+          </a:p>
+        </p:txBody>
+      </p:sp>
+      <p:sp>
+        <p:nvSpPr>
+          <p:cNvPr id="5" name="Text Placeholder 4"/>
           <p:cNvSpPr>
             <a:spLocks noGrp="1"/>
           </p:cNvSpPr>
@@ -1476,16 +3678,18 @@
         </p:nvSpPr>
         <p:spPr>
           <a:xfrm>
-            <a:off x="6172200" y="1681163"/>
-            <a:ext cx="5183188" cy="823912"/>
+            <a:off x="5088383" y="2160983"/>
+            <a:ext cx="4185618" cy="576262"/>
           </a:xfrm>
         </p:spPr>
         <p:txBody>
-          <a:bodyPr anchor="b"/>
+          <a:bodyPr anchor="b">
+            <a:noAutofit/>
+          </a:bodyPr>
           <a:lstStyle>
             <a:lvl1pPr marL="0" indent="0">
               <a:buNone/>
-              <a:defRPr sz="2400" b="1"/>
+              <a:defRPr sz="2400" b="0"/>
             </a:lvl1pPr>
             <a:lvl2pPr marL="457200" indent="0">
               <a:buNone/>
@@ -1531,7 +3735,7 @@
       </p:sp>
       <p:sp>
         <p:nvSpPr>
-          <p:cNvPr id="6" name="Marcador de contenido 5"/>
+          <p:cNvPr id="6" name="Content Placeholder 5"/>
           <p:cNvSpPr>
             <a:spLocks noGrp="1"/>
           </p:cNvSpPr>
@@ -1541,12 +3745,14 @@
         </p:nvSpPr>
         <p:spPr>
           <a:xfrm>
-            <a:off x="6172200" y="2505075"/>
-            <a:ext cx="5183188" cy="3684588"/>
+            <a:off x="5088384" y="2737245"/>
+            <a:ext cx="4185617" cy="3304117"/>
           </a:xfrm>
         </p:spPr>
         <p:txBody>
-          <a:bodyPr/>
+          <a:bodyPr>
+            <a:normAutofit/>
+          </a:bodyPr>
           <a:lstStyle/>
           <a:p>
             <a:pPr lvl="0"/>
@@ -1582,13 +3788,13 @@
               <a:rPr lang="es-ES" smtClean="0"/>
               <a:t>Quinto nivel</a:t>
             </a:r>
-            <a:endParaRPr lang="es-ES"/>
-          </a:p>
-        </p:txBody>
-      </p:sp>
-      <p:sp>
-        <p:nvSpPr>
-          <p:cNvPr id="7" name="Marcador de fecha 6"/>
+            <a:endParaRPr lang="en-US" dirty="0"/>
+          </a:p>
+        </p:txBody>
+      </p:sp>
+      <p:sp>
+        <p:nvSpPr>
+          <p:cNvPr id="7" name="Date Placeholder 6"/>
           <p:cNvSpPr>
             <a:spLocks noGrp="1"/>
           </p:cNvSpPr>
@@ -1611,7 +3817,7 @@
       </p:sp>
       <p:sp>
         <p:nvSpPr>
-          <p:cNvPr id="8" name="Marcador de pie de página 7"/>
+          <p:cNvPr id="8" name="Footer Placeholder 7"/>
           <p:cNvSpPr>
             <a:spLocks noGrp="1"/>
           </p:cNvSpPr>
@@ -1630,7 +3836,7 @@
       </p:sp>
       <p:sp>
         <p:nvSpPr>
-          <p:cNvPr id="9" name="Marcador de número de diapositiva 8"/>
+          <p:cNvPr id="9" name="Slide Number Placeholder 8"/>
           <p:cNvSpPr>
             <a:spLocks noGrp="1"/>
           </p:cNvSpPr>
@@ -1654,7 +3860,7 @@
     </p:spTree>
     <p:extLst>
       <p:ext uri="{BB962C8B-B14F-4D97-AF65-F5344CB8AC3E}">
-        <p14:creationId xmlns:p14="http://schemas.microsoft.com/office/powerpoint/2010/main" val="749365707"/>
+        <p14:creationId xmlns:p14="http://schemas.microsoft.com/office/powerpoint/2010/main" val="964122056"/>
       </p:ext>
     </p:extLst>
   </p:cSld>
@@ -1683,7 +3889,7 @@
       </p:grpSpPr>
       <p:sp>
         <p:nvSpPr>
-          <p:cNvPr id="2" name="Título 1"/>
+          <p:cNvPr id="2" name="Title 1"/>
           <p:cNvSpPr>
             <a:spLocks noGrp="1"/>
           </p:cNvSpPr>
@@ -1691,7 +3897,12 @@
             <p:ph type="title"/>
           </p:nvPr>
         </p:nvSpPr>
-        <p:spPr/>
+        <p:spPr>
+          <a:xfrm>
+            <a:off x="677334" y="609600"/>
+            <a:ext cx="8596668" cy="1320800"/>
+          </a:xfrm>
+        </p:spPr>
         <p:txBody>
           <a:bodyPr/>
           <a:lstStyle/>
@@ -1700,13 +3911,13 @@
               <a:rPr lang="es-ES" smtClean="0"/>
               <a:t>Haga clic para modificar el estilo de título del patrón</a:t>
             </a:r>
-            <a:endParaRPr lang="es-ES"/>
-          </a:p>
-        </p:txBody>
-      </p:sp>
-      <p:sp>
-        <p:nvSpPr>
-          <p:cNvPr id="3" name="Marcador de fecha 2"/>
+            <a:endParaRPr lang="en-US" dirty="0"/>
+          </a:p>
+        </p:txBody>
+      </p:sp>
+      <p:sp>
+        <p:nvSpPr>
+          <p:cNvPr id="3" name="Date Placeholder 2"/>
           <p:cNvSpPr>
             <a:spLocks noGrp="1"/>
           </p:cNvSpPr>
@@ -1729,7 +3940,7 @@
       </p:sp>
       <p:sp>
         <p:nvSpPr>
-          <p:cNvPr id="4" name="Marcador de pie de página 3"/>
+          <p:cNvPr id="4" name="Footer Placeholder 3"/>
           <p:cNvSpPr>
             <a:spLocks noGrp="1"/>
           </p:cNvSpPr>
@@ -1748,7 +3959,7 @@
       </p:sp>
       <p:sp>
         <p:nvSpPr>
-          <p:cNvPr id="5" name="Marcador de número de diapositiva 4"/>
+          <p:cNvPr id="5" name="Slide Number Placeholder 4"/>
           <p:cNvSpPr>
             <a:spLocks noGrp="1"/>
           </p:cNvSpPr>
@@ -1772,7 +3983,7 @@
     </p:spTree>
     <p:extLst>
       <p:ext uri="{BB962C8B-B14F-4D97-AF65-F5344CB8AC3E}">
-        <p14:creationId xmlns:p14="http://schemas.microsoft.com/office/powerpoint/2010/main" val="3227440975"/>
+        <p14:creationId xmlns:p14="http://schemas.microsoft.com/office/powerpoint/2010/main" val="693167122"/>
       </p:ext>
     </p:extLst>
   </p:cSld>
@@ -1801,7 +4012,7 @@
       </p:grpSpPr>
       <p:sp>
         <p:nvSpPr>
-          <p:cNvPr id="2" name="Marcador de fecha 1"/>
+          <p:cNvPr id="2" name="Date Placeholder 1"/>
           <p:cNvSpPr>
             <a:spLocks noGrp="1"/>
           </p:cNvSpPr>
@@ -1824,7 +4035,7 @@
       </p:sp>
       <p:sp>
         <p:nvSpPr>
-          <p:cNvPr id="3" name="Marcador de pie de página 2"/>
+          <p:cNvPr id="3" name="Footer Placeholder 2"/>
           <p:cNvSpPr>
             <a:spLocks noGrp="1"/>
           </p:cNvSpPr>
@@ -1843,7 +4054,7 @@
       </p:sp>
       <p:sp>
         <p:nvSpPr>
-          <p:cNvPr id="4" name="Marcador de número de diapositiva 3"/>
+          <p:cNvPr id="4" name="Slide Number Placeholder 3"/>
           <p:cNvSpPr>
             <a:spLocks noGrp="1"/>
           </p:cNvSpPr>
@@ -1867,7 +4078,7 @@
     </p:spTree>
     <p:extLst>
       <p:ext uri="{BB962C8B-B14F-4D97-AF65-F5344CB8AC3E}">
-        <p14:creationId xmlns:p14="http://schemas.microsoft.com/office/powerpoint/2010/main" val="4170105911"/>
+        <p14:creationId xmlns:p14="http://schemas.microsoft.com/office/powerpoint/2010/main" val="1059647573"/>
       </p:ext>
     </p:extLst>
   </p:cSld>
@@ -1896,7 +4107,7 @@
       </p:grpSpPr>
       <p:sp>
         <p:nvSpPr>
-          <p:cNvPr id="2" name="Título 1"/>
+          <p:cNvPr id="2" name="Title 1"/>
           <p:cNvSpPr>
             <a:spLocks noGrp="1"/>
           </p:cNvSpPr>
@@ -1906,15 +4117,17 @@
         </p:nvSpPr>
         <p:spPr>
           <a:xfrm>
-            <a:off x="839788" y="457200"/>
-            <a:ext cx="3932237" cy="1600200"/>
+            <a:off x="677334" y="1498604"/>
+            <a:ext cx="3854528" cy="1278466"/>
           </a:xfrm>
         </p:spPr>
         <p:txBody>
-          <a:bodyPr anchor="b"/>
+          <a:bodyPr anchor="b">
+            <a:normAutofit/>
+          </a:bodyPr>
           <a:lstStyle>
             <a:lvl1pPr>
-              <a:defRPr sz="3200"/>
+              <a:defRPr sz="2000"/>
             </a:lvl1pPr>
           </a:lstStyle>
           <a:p>
@@ -1922,13 +4135,13 @@
               <a:rPr lang="es-ES" smtClean="0"/>
               <a:t>Haga clic para modificar el estilo de título del patrón</a:t>
             </a:r>
-            <a:endParaRPr lang="es-ES"/>
-          </a:p>
-        </p:txBody>
-      </p:sp>
-      <p:sp>
-        <p:nvSpPr>
-          <p:cNvPr id="3" name="Marcador de contenido 2"/>
+            <a:endParaRPr lang="en-US" dirty="0"/>
+          </a:p>
+        </p:txBody>
+      </p:sp>
+      <p:sp>
+        <p:nvSpPr>
+          <p:cNvPr id="3" name="Content Placeholder 2"/>
           <p:cNvSpPr>
             <a:spLocks noGrp="1"/>
           </p:cNvSpPr>
@@ -1938,41 +4151,15 @@
         </p:nvSpPr>
         <p:spPr>
           <a:xfrm>
-            <a:off x="5183188" y="987425"/>
-            <a:ext cx="6172200" cy="4873625"/>
+            <a:off x="4760461" y="514924"/>
+            <a:ext cx="4513541" cy="5526437"/>
           </a:xfrm>
         </p:spPr>
         <p:txBody>
-          <a:bodyPr/>
-          <a:lstStyle>
-            <a:lvl1pPr>
-              <a:defRPr sz="3200"/>
-            </a:lvl1pPr>
-            <a:lvl2pPr>
-              <a:defRPr sz="2800"/>
-            </a:lvl2pPr>
-            <a:lvl3pPr>
-              <a:defRPr sz="2400"/>
-            </a:lvl3pPr>
-            <a:lvl4pPr>
-              <a:defRPr sz="2000"/>
-            </a:lvl4pPr>
-            <a:lvl5pPr>
-              <a:defRPr sz="2000"/>
-            </a:lvl5pPr>
-            <a:lvl6pPr>
-              <a:defRPr sz="2000"/>
-            </a:lvl6pPr>
-            <a:lvl7pPr>
-              <a:defRPr sz="2000"/>
-            </a:lvl7pPr>
-            <a:lvl8pPr>
-              <a:defRPr sz="2000"/>
-            </a:lvl8pPr>
-            <a:lvl9pPr>
-              <a:defRPr sz="2000"/>
-            </a:lvl9pPr>
-          </a:lstStyle>
+          <a:bodyPr>
+            <a:normAutofit/>
+          </a:bodyPr>
+          <a:lstStyle/>
           <a:p>
             <a:pPr lvl="0"/>
             <a:r>
@@ -2007,13 +4194,13 @@
               <a:rPr lang="es-ES" smtClean="0"/>
               <a:t>Quinto nivel</a:t>
             </a:r>
-            <a:endParaRPr lang="es-ES"/>
-          </a:p>
-        </p:txBody>
-      </p:sp>
-      <p:sp>
-        <p:nvSpPr>
-          <p:cNvPr id="4" name="Marcador de texto 3"/>
+            <a:endParaRPr lang="en-US" dirty="0"/>
+          </a:p>
+        </p:txBody>
+      </p:sp>
+      <p:sp>
+        <p:nvSpPr>
+          <p:cNvPr id="4" name="Text Placeholder 3"/>
           <p:cNvSpPr>
             <a:spLocks noGrp="1"/>
           </p:cNvSpPr>
@@ -2023,46 +4210,48 @@
         </p:nvSpPr>
         <p:spPr>
           <a:xfrm>
-            <a:off x="839788" y="2057400"/>
-            <a:ext cx="3932237" cy="3811588"/>
+            <a:off x="677334" y="2777069"/>
+            <a:ext cx="3854528" cy="2584449"/>
           </a:xfrm>
         </p:spPr>
         <p:txBody>
-          <a:bodyPr/>
+          <a:bodyPr>
+            <a:normAutofit/>
+          </a:bodyPr>
           <a:lstStyle>
             <a:lvl1pPr marL="0" indent="0">
               <a:buNone/>
-              <a:defRPr sz="1600"/>
+              <a:defRPr sz="1400"/>
             </a:lvl1pPr>
-            <a:lvl2pPr marL="457200" indent="0">
+            <a:lvl2pPr marL="457063" indent="0">
               <a:buNone/>
               <a:defRPr sz="1400"/>
             </a:lvl2pPr>
-            <a:lvl3pPr marL="914400" indent="0">
+            <a:lvl3pPr marL="914126" indent="0">
               <a:buNone/>
               <a:defRPr sz="1200"/>
             </a:lvl3pPr>
-            <a:lvl4pPr marL="1371600" indent="0">
+            <a:lvl4pPr marL="1371189" indent="0">
               <a:buNone/>
               <a:defRPr sz="1000"/>
             </a:lvl4pPr>
-            <a:lvl5pPr marL="1828800" indent="0">
+            <a:lvl5pPr marL="1828251" indent="0">
               <a:buNone/>
               <a:defRPr sz="1000"/>
             </a:lvl5pPr>
-            <a:lvl6pPr marL="2286000" indent="0">
+            <a:lvl6pPr marL="2285314" indent="0">
               <a:buNone/>
               <a:defRPr sz="1000"/>
             </a:lvl6pPr>
-            <a:lvl7pPr marL="2743200" indent="0">
+            <a:lvl7pPr marL="2742377" indent="0">
               <a:buNone/>
               <a:defRPr sz="1000"/>
             </a:lvl7pPr>
-            <a:lvl8pPr marL="3200400" indent="0">
+            <a:lvl8pPr marL="3199440" indent="0">
               <a:buNone/>
               <a:defRPr sz="1000"/>
             </a:lvl8pPr>
-            <a:lvl9pPr marL="3657600" indent="0">
+            <a:lvl9pPr marL="3656503" indent="0">
               <a:buNone/>
               <a:defRPr sz="1000"/>
             </a:lvl9pPr>
@@ -2078,7 +4267,7 @@
       </p:sp>
       <p:sp>
         <p:nvSpPr>
-          <p:cNvPr id="5" name="Marcador de fecha 4"/>
+          <p:cNvPr id="5" name="Date Placeholder 4"/>
           <p:cNvSpPr>
             <a:spLocks noGrp="1"/>
           </p:cNvSpPr>
@@ -2101,7 +4290,7 @@
       </p:sp>
       <p:sp>
         <p:nvSpPr>
-          <p:cNvPr id="6" name="Marcador de pie de página 5"/>
+          <p:cNvPr id="6" name="Footer Placeholder 5"/>
           <p:cNvSpPr>
             <a:spLocks noGrp="1"/>
           </p:cNvSpPr>
@@ -2120,7 +4309,7 @@
       </p:sp>
       <p:sp>
         <p:nvSpPr>
-          <p:cNvPr id="7" name="Marcador de número de diapositiva 6"/>
+          <p:cNvPr id="7" name="Slide Number Placeholder 6"/>
           <p:cNvSpPr>
             <a:spLocks noGrp="1"/>
           </p:cNvSpPr>
@@ -2144,7 +4333,7 @@
     </p:spTree>
     <p:extLst>
       <p:ext uri="{BB962C8B-B14F-4D97-AF65-F5344CB8AC3E}">
-        <p14:creationId xmlns:p14="http://schemas.microsoft.com/office/powerpoint/2010/main" val="2828185629"/>
+        <p14:creationId xmlns:p14="http://schemas.microsoft.com/office/powerpoint/2010/main" val="4071130385"/>
       </p:ext>
     </p:extLst>
   </p:cSld>
@@ -2173,7 +4362,7 @@
       </p:grpSpPr>
       <p:sp>
         <p:nvSpPr>
-          <p:cNvPr id="2" name="Título 1"/>
+          <p:cNvPr id="2" name="Title 1"/>
           <p:cNvSpPr>
             <a:spLocks noGrp="1"/>
           </p:cNvSpPr>
@@ -2183,15 +4372,17 @@
         </p:nvSpPr>
         <p:spPr>
           <a:xfrm>
-            <a:off x="839788" y="457200"/>
-            <a:ext cx="3932237" cy="1600200"/>
+            <a:off x="677334" y="4800600"/>
+            <a:ext cx="8596667" cy="566738"/>
           </a:xfrm>
         </p:spPr>
         <p:txBody>
-          <a:bodyPr anchor="b"/>
+          <a:bodyPr anchor="b">
+            <a:normAutofit/>
+          </a:bodyPr>
           <a:lstStyle>
-            <a:lvl1pPr>
-              <a:defRPr sz="3200"/>
+            <a:lvl1pPr algn="l">
+              <a:defRPr sz="2400" b="0"/>
             </a:lvl1pPr>
           </a:lstStyle>
           <a:p>
@@ -2199,15 +4390,15 @@
               <a:rPr lang="es-ES" smtClean="0"/>
               <a:t>Haga clic para modificar el estilo de título del patrón</a:t>
             </a:r>
-            <a:endParaRPr lang="es-ES"/>
-          </a:p>
-        </p:txBody>
-      </p:sp>
-      <p:sp>
-        <p:nvSpPr>
-          <p:cNvPr id="3" name="Marcador de posición de imagen 2"/>
-          <p:cNvSpPr>
-            <a:spLocks noGrp="1"/>
+            <a:endParaRPr lang="en-US" dirty="0"/>
+          </a:p>
+        </p:txBody>
+      </p:sp>
+      <p:sp>
+        <p:nvSpPr>
+          <p:cNvPr id="3" name="Picture Placeholder 2"/>
+          <p:cNvSpPr>
+            <a:spLocks noGrp="1" noChangeAspect="1"/>
           </p:cNvSpPr>
           <p:nvPr>
             <p:ph type="pic" idx="1"/>
@@ -2215,112 +4406,120 @@
         </p:nvSpPr>
         <p:spPr>
           <a:xfrm>
-            <a:off x="5183188" y="987425"/>
-            <a:ext cx="6172200" cy="4873625"/>
+            <a:off x="677334" y="609600"/>
+            <a:ext cx="8596668" cy="3845718"/>
           </a:xfrm>
         </p:spPr>
         <p:txBody>
-          <a:bodyPr/>
+          <a:bodyPr anchor="t">
+            <a:normAutofit/>
+          </a:bodyPr>
           <a:lstStyle>
-            <a:lvl1pPr marL="0" indent="0">
-              <a:buNone/>
-              <a:defRPr sz="3200"/>
-            </a:lvl1pPr>
-            <a:lvl2pPr marL="457200" indent="0">
-              <a:buNone/>
-              <a:defRPr sz="2800"/>
-            </a:lvl2pPr>
-            <a:lvl3pPr marL="914400" indent="0">
-              <a:buNone/>
-              <a:defRPr sz="2400"/>
-            </a:lvl3pPr>
-            <a:lvl4pPr marL="1371600" indent="0">
-              <a:buNone/>
-              <a:defRPr sz="2000"/>
-            </a:lvl4pPr>
-            <a:lvl5pPr marL="1828800" indent="0">
-              <a:buNone/>
-              <a:defRPr sz="2000"/>
-            </a:lvl5pPr>
-            <a:lvl6pPr marL="2286000" indent="0">
-              <a:buNone/>
-              <a:defRPr sz="2000"/>
-            </a:lvl6pPr>
-            <a:lvl7pPr marL="2743200" indent="0">
-              <a:buNone/>
-              <a:defRPr sz="2000"/>
-            </a:lvl7pPr>
-            <a:lvl8pPr marL="3200400" indent="0">
-              <a:buNone/>
-              <a:defRPr sz="2000"/>
-            </a:lvl8pPr>
-            <a:lvl9pPr marL="3657600" indent="0">
-              <a:buNone/>
-              <a:defRPr sz="2000"/>
-            </a:lvl9pPr>
-          </a:lstStyle>
-          <a:p>
-            <a:endParaRPr lang="es-ES"/>
-          </a:p>
-        </p:txBody>
-      </p:sp>
-      <p:sp>
-        <p:nvSpPr>
-          <p:cNvPr id="4" name="Marcador de texto 3"/>
-          <p:cNvSpPr>
-            <a:spLocks noGrp="1"/>
-          </p:cNvSpPr>
-          <p:nvPr>
-            <p:ph type="body" sz="half" idx="2"/>
-          </p:nvPr>
-        </p:nvSpPr>
-        <p:spPr>
-          <a:xfrm>
-            <a:off x="839788" y="2057400"/>
-            <a:ext cx="3932237" cy="3811588"/>
-          </a:xfrm>
-        </p:spPr>
-        <p:txBody>
-          <a:bodyPr/>
-          <a:lstStyle>
-            <a:lvl1pPr marL="0" indent="0">
+            <a:lvl1pPr marL="0" indent="0" algn="ctr">
               <a:buNone/>
               <a:defRPr sz="1600"/>
             </a:lvl1pPr>
             <a:lvl2pPr marL="457200" indent="0">
               <a:buNone/>
-              <a:defRPr sz="1400"/>
+              <a:defRPr sz="1600"/>
             </a:lvl2pPr>
             <a:lvl3pPr marL="914400" indent="0">
               <a:buNone/>
-              <a:defRPr sz="1200"/>
+              <a:defRPr sz="1600"/>
             </a:lvl3pPr>
             <a:lvl4pPr marL="1371600" indent="0">
               <a:buNone/>
-              <a:defRPr sz="1000"/>
+              <a:defRPr sz="1600"/>
             </a:lvl4pPr>
             <a:lvl5pPr marL="1828800" indent="0">
               <a:buNone/>
-              <a:defRPr sz="1000"/>
+              <a:defRPr sz="1600"/>
             </a:lvl5pPr>
             <a:lvl6pPr marL="2286000" indent="0">
               <a:buNone/>
-              <a:defRPr sz="1000"/>
+              <a:defRPr sz="1600"/>
             </a:lvl6pPr>
             <a:lvl7pPr marL="2743200" indent="0">
               <a:buNone/>
-              <a:defRPr sz="1000"/>
+              <a:defRPr sz="1600"/>
             </a:lvl7pPr>
             <a:lvl8pPr marL="3200400" indent="0">
               <a:buNone/>
-              <a:defRPr sz="1000"/>
+              <a:defRPr sz="1600"/>
             </a:lvl8pPr>
             <a:lvl9pPr marL="3657600" indent="0">
               <a:buNone/>
-              <a:defRPr sz="1000"/>
+              <a:defRPr sz="1600"/>
             </a:lvl9pPr>
           </a:lstStyle>
           <a:p>
+            <a:r>
+              <a:rPr lang="es-ES" smtClean="0"/>
+              <a:t>Haga clic en el icono para agregar una imagen</a:t>
+            </a:r>
+            <a:endParaRPr lang="en-US" dirty="0"/>
+          </a:p>
+        </p:txBody>
+      </p:sp>
+      <p:sp>
+        <p:nvSpPr>
+          <p:cNvPr id="4" name="Text Placeholder 3"/>
+          <p:cNvSpPr>
+            <a:spLocks noGrp="1"/>
+          </p:cNvSpPr>
+          <p:nvPr>
+            <p:ph type="body" sz="half" idx="2"/>
+          </p:nvPr>
+        </p:nvSpPr>
+        <p:spPr>
+          <a:xfrm>
+            <a:off x="677334" y="5367338"/>
+            <a:ext cx="8596667" cy="674024"/>
+          </a:xfrm>
+        </p:spPr>
+        <p:txBody>
+          <a:bodyPr>
+            <a:normAutofit/>
+          </a:bodyPr>
+          <a:lstStyle>
+            <a:lvl1pPr marL="0" indent="0">
+              <a:buNone/>
+              <a:defRPr sz="1200"/>
+            </a:lvl1pPr>
+            <a:lvl2pPr marL="457200" indent="0">
+              <a:buNone/>
+              <a:defRPr sz="1200"/>
+            </a:lvl2pPr>
+            <a:lvl3pPr marL="914400" indent="0">
+              <a:buNone/>
+              <a:defRPr sz="1000"/>
+            </a:lvl3pPr>
+            <a:lvl4pPr marL="1371600" indent="0">
+              <a:buNone/>
+              <a:defRPr sz="900"/>
+            </a:lvl4pPr>
+            <a:lvl5pPr marL="1828800" indent="0">
+              <a:buNone/>
+              <a:defRPr sz="900"/>
+            </a:lvl5pPr>
+            <a:lvl6pPr marL="2286000" indent="0">
+              <a:buNone/>
+              <a:defRPr sz="900"/>
+            </a:lvl6pPr>
+            <a:lvl7pPr marL="2743200" indent="0">
+              <a:buNone/>
+              <a:defRPr sz="900"/>
+            </a:lvl7pPr>
+            <a:lvl8pPr marL="3200400" indent="0">
+              <a:buNone/>
+              <a:defRPr sz="900"/>
+            </a:lvl8pPr>
+            <a:lvl9pPr marL="3657600" indent="0">
+              <a:buNone/>
+              <a:defRPr sz="900"/>
+            </a:lvl9pPr>
+          </a:lstStyle>
+          <a:p>
             <a:pPr lvl="0"/>
             <a:r>
               <a:rPr lang="es-ES" smtClean="0"/>
@@ -2331,7 +4530,7 @@
       </p:sp>
       <p:sp>
         <p:nvSpPr>
-          <p:cNvPr id="5" name="Marcador de fecha 4"/>
+          <p:cNvPr id="5" name="Date Placeholder 4"/>
           <p:cNvSpPr>
             <a:spLocks noGrp="1"/>
           </p:cNvSpPr>
@@ -2354,7 +4553,7 @@
       </p:sp>
       <p:sp>
         <p:nvSpPr>
-          <p:cNvPr id="6" name="Marcador de pie de página 5"/>
+          <p:cNvPr id="6" name="Footer Placeholder 5"/>
           <p:cNvSpPr>
             <a:spLocks noGrp="1"/>
           </p:cNvSpPr>
@@ -2373,7 +4572,7 @@
       </p:sp>
       <p:sp>
         <p:nvSpPr>
-          <p:cNvPr id="7" name="Marcador de número de diapositiva 6"/>
+          <p:cNvPr id="7" name="Slide Number Placeholder 6"/>
           <p:cNvSpPr>
             <a:spLocks noGrp="1"/>
           </p:cNvSpPr>
@@ -2397,7 +4596,7 @@
     </p:spTree>
     <p:extLst>
       <p:ext uri="{BB962C8B-B14F-4D97-AF65-F5344CB8AC3E}">
-        <p14:creationId xmlns:p14="http://schemas.microsoft.com/office/powerpoint/2010/main" val="3626369000"/>
+        <p14:creationId xmlns:p14="http://schemas.microsoft.com/office/powerpoint/2010/main" val="993101091"/>
       </p:ext>
     </p:extLst>
   </p:cSld>
@@ -2412,7 +4611,7 @@
   <p:cSld>
     <p:bg>
       <p:bgRef idx="1001">
-        <a:schemeClr val="bg1"/>
+        <a:schemeClr val="bg2"/>
       </p:bgRef>
     </p:bg>
     <p:spTree>
@@ -2429,9 +4628,541 @@
           <a:chExt cx="0" cy="0"/>
         </a:xfrm>
       </p:grpSpPr>
-      <p:sp>
-        <p:nvSpPr>
-          <p:cNvPr id="2" name="Marcador de título 1"/>
+      <p:grpSp>
+        <p:nvGrpSpPr>
+          <p:cNvPr id="8" name="Group 7"/>
+          <p:cNvGrpSpPr/>
+          <p:nvPr/>
+        </p:nvGrpSpPr>
+        <p:grpSpPr>
+          <a:xfrm>
+            <a:off x="0" y="-8467"/>
+            <a:ext cx="12192000" cy="6866467"/>
+            <a:chOff x="0" y="-8467"/>
+            <a:chExt cx="12192000" cy="6866467"/>
+          </a:xfrm>
+        </p:grpSpPr>
+        <p:cxnSp>
+          <p:nvCxnSpPr>
+            <p:cNvPr id="20" name="Straight Connector 19"/>
+            <p:cNvCxnSpPr/>
+            <p:nvPr/>
+          </p:nvCxnSpPr>
+          <p:spPr>
+            <a:xfrm>
+              <a:off x="9371012" y="0"/>
+              <a:ext cx="1219200" cy="6858000"/>
+            </a:xfrm>
+            <a:prstGeom prst="line">
+              <a:avLst/>
+            </a:prstGeom>
+            <a:ln w="9525">
+              <a:solidFill>
+                <a:schemeClr val="bg1">
+                  <a:lumMod val="85000"/>
+                  <a:lumOff val="15000"/>
+                </a:schemeClr>
+              </a:solidFill>
+            </a:ln>
+          </p:spPr>
+          <p:style>
+            <a:lnRef idx="2">
+              <a:schemeClr val="accent1"/>
+            </a:lnRef>
+            <a:fillRef idx="0">
+              <a:schemeClr val="accent1"/>
+            </a:fillRef>
+            <a:effectRef idx="1">
+              <a:schemeClr val="accent1"/>
+            </a:effectRef>
+            <a:fontRef idx="minor">
+              <a:schemeClr val="tx1"/>
+            </a:fontRef>
+          </p:style>
+        </p:cxnSp>
+        <p:cxnSp>
+          <p:nvCxnSpPr>
+            <p:cNvPr id="21" name="Straight Connector 20"/>
+            <p:cNvCxnSpPr/>
+            <p:nvPr/>
+          </p:nvCxnSpPr>
+          <p:spPr>
+            <a:xfrm flipH="1">
+              <a:off x="7425267" y="3681413"/>
+              <a:ext cx="4763558" cy="3176587"/>
+            </a:xfrm>
+            <a:prstGeom prst="line">
+              <a:avLst/>
+            </a:prstGeom>
+            <a:ln w="9525">
+              <a:solidFill>
+                <a:schemeClr val="bg1">
+                  <a:lumMod val="85000"/>
+                  <a:lumOff val="15000"/>
+                </a:schemeClr>
+              </a:solidFill>
+            </a:ln>
+          </p:spPr>
+          <p:style>
+            <a:lnRef idx="2">
+              <a:schemeClr val="accent1"/>
+            </a:lnRef>
+            <a:fillRef idx="0">
+              <a:schemeClr val="accent1"/>
+            </a:fillRef>
+            <a:effectRef idx="1">
+              <a:schemeClr val="accent1"/>
+            </a:effectRef>
+            <a:fontRef idx="minor">
+              <a:schemeClr val="tx1"/>
+            </a:fontRef>
+          </p:style>
+        </p:cxnSp>
+        <p:sp>
+          <p:nvSpPr>
+            <p:cNvPr id="22" name="Rectangle 23"/>
+            <p:cNvSpPr/>
+            <p:nvPr/>
+          </p:nvSpPr>
+          <p:spPr>
+            <a:xfrm>
+              <a:off x="9181476" y="-8467"/>
+              <a:ext cx="3007349" cy="6866467"/>
+            </a:xfrm>
+            <a:custGeom>
+              <a:avLst/>
+              <a:gdLst/>
+              <a:ahLst/>
+              <a:cxnLst/>
+              <a:rect l="l" t="t" r="r" b="b"/>
+              <a:pathLst>
+                <a:path w="3007349" h="6866467">
+                  <a:moveTo>
+                    <a:pt x="2045532" y="0"/>
+                  </a:moveTo>
+                  <a:lnTo>
+                    <a:pt x="3007349" y="0"/>
+                  </a:lnTo>
+                  <a:lnTo>
+                    <a:pt x="3007349" y="6866467"/>
+                  </a:lnTo>
+                  <a:lnTo>
+                    <a:pt x="0" y="6866467"/>
+                  </a:lnTo>
+                  <a:lnTo>
+                    <a:pt x="2045532" y="0"/>
+                  </a:lnTo>
+                  <a:close/>
+                </a:path>
+              </a:pathLst>
+            </a:custGeom>
+            <a:solidFill>
+              <a:schemeClr val="accent1">
+                <a:alpha val="30000"/>
+              </a:schemeClr>
+            </a:solidFill>
+            <a:ln>
+              <a:noFill/>
+            </a:ln>
+            <a:effectLst/>
+          </p:spPr>
+          <p:style>
+            <a:lnRef idx="1">
+              <a:schemeClr val="accent1"/>
+            </a:lnRef>
+            <a:fillRef idx="3">
+              <a:schemeClr val="accent1"/>
+            </a:fillRef>
+            <a:effectRef idx="2">
+              <a:schemeClr val="accent1"/>
+            </a:effectRef>
+            <a:fontRef idx="minor">
+              <a:schemeClr val="lt1"/>
+            </a:fontRef>
+          </p:style>
+        </p:sp>
+        <p:sp>
+          <p:nvSpPr>
+            <p:cNvPr id="23" name="Rectangle 25"/>
+            <p:cNvSpPr/>
+            <p:nvPr/>
+          </p:nvSpPr>
+          <p:spPr>
+            <a:xfrm>
+              <a:off x="9603442" y="-8467"/>
+              <a:ext cx="2588558" cy="6866467"/>
+            </a:xfrm>
+            <a:custGeom>
+              <a:avLst/>
+              <a:gdLst/>
+              <a:ahLst/>
+              <a:cxnLst/>
+              <a:rect l="l" t="t" r="r" b="b"/>
+              <a:pathLst>
+                <a:path w="2573311" h="6866467">
+                  <a:moveTo>
+                    <a:pt x="0" y="0"/>
+                  </a:moveTo>
+                  <a:lnTo>
+                    <a:pt x="2573311" y="0"/>
+                  </a:lnTo>
+                  <a:lnTo>
+                    <a:pt x="2573311" y="6866467"/>
+                  </a:lnTo>
+                  <a:lnTo>
+                    <a:pt x="1202336" y="6866467"/>
+                  </a:lnTo>
+                  <a:lnTo>
+                    <a:pt x="0" y="0"/>
+                  </a:lnTo>
+                  <a:close/>
+                </a:path>
+              </a:pathLst>
+            </a:custGeom>
+            <a:solidFill>
+              <a:schemeClr val="accent1">
+                <a:alpha val="20000"/>
+              </a:schemeClr>
+            </a:solidFill>
+            <a:ln>
+              <a:noFill/>
+            </a:ln>
+            <a:effectLst/>
+          </p:spPr>
+          <p:style>
+            <a:lnRef idx="1">
+              <a:schemeClr val="accent1"/>
+            </a:lnRef>
+            <a:fillRef idx="3">
+              <a:schemeClr val="accent1"/>
+            </a:fillRef>
+            <a:effectRef idx="2">
+              <a:schemeClr val="accent1"/>
+            </a:effectRef>
+            <a:fontRef idx="minor">
+              <a:schemeClr val="lt1"/>
+            </a:fontRef>
+          </p:style>
+        </p:sp>
+        <p:sp>
+          <p:nvSpPr>
+            <p:cNvPr id="24" name="Isosceles Triangle 23"/>
+            <p:cNvSpPr/>
+            <p:nvPr/>
+          </p:nvSpPr>
+          <p:spPr>
+            <a:xfrm>
+              <a:off x="8932333" y="3048000"/>
+              <a:ext cx="3259667" cy="3810000"/>
+            </a:xfrm>
+            <a:prstGeom prst="triangle">
+              <a:avLst>
+                <a:gd name="adj" fmla="val 100000"/>
+              </a:avLst>
+            </a:prstGeom>
+            <a:solidFill>
+              <a:schemeClr val="accent2">
+                <a:alpha val="72000"/>
+              </a:schemeClr>
+            </a:solidFill>
+            <a:ln>
+              <a:noFill/>
+            </a:ln>
+            <a:effectLst/>
+          </p:spPr>
+          <p:style>
+            <a:lnRef idx="1">
+              <a:schemeClr val="accent1"/>
+            </a:lnRef>
+            <a:fillRef idx="3">
+              <a:schemeClr val="accent1"/>
+            </a:fillRef>
+            <a:effectRef idx="2">
+              <a:schemeClr val="accent1"/>
+            </a:effectRef>
+            <a:fontRef idx="minor">
+              <a:schemeClr val="lt1"/>
+            </a:fontRef>
+          </p:style>
+        </p:sp>
+        <p:sp>
+          <p:nvSpPr>
+            <p:cNvPr id="25" name="Rectangle 27"/>
+            <p:cNvSpPr/>
+            <p:nvPr/>
+          </p:nvSpPr>
+          <p:spPr>
+            <a:xfrm>
+              <a:off x="9334500" y="-8467"/>
+              <a:ext cx="2854326" cy="6866467"/>
+            </a:xfrm>
+            <a:custGeom>
+              <a:avLst/>
+              <a:gdLst/>
+              <a:ahLst/>
+              <a:cxnLst/>
+              <a:rect l="l" t="t" r="r" b="b"/>
+              <a:pathLst>
+                <a:path w="2858013" h="6866467">
+                  <a:moveTo>
+                    <a:pt x="0" y="0"/>
+                  </a:moveTo>
+                  <a:lnTo>
+                    <a:pt x="2858013" y="0"/>
+                  </a:lnTo>
+                  <a:lnTo>
+                    <a:pt x="2858013" y="6866467"/>
+                  </a:lnTo>
+                  <a:lnTo>
+                    <a:pt x="2473942" y="6866467"/>
+                  </a:lnTo>
+                  <a:lnTo>
+                    <a:pt x="0" y="0"/>
+                  </a:lnTo>
+                  <a:close/>
+                </a:path>
+              </a:pathLst>
+            </a:custGeom>
+            <a:solidFill>
+              <a:schemeClr val="accent2">
+                <a:lumMod val="75000"/>
+                <a:alpha val="70000"/>
+              </a:schemeClr>
+            </a:solidFill>
+            <a:ln>
+              <a:noFill/>
+            </a:ln>
+            <a:effectLst/>
+          </p:spPr>
+          <p:style>
+            <a:lnRef idx="1">
+              <a:schemeClr val="accent1"/>
+            </a:lnRef>
+            <a:fillRef idx="3">
+              <a:schemeClr val="accent1"/>
+            </a:fillRef>
+            <a:effectRef idx="2">
+              <a:schemeClr val="accent1"/>
+            </a:effectRef>
+            <a:fontRef idx="minor">
+              <a:schemeClr val="lt1"/>
+            </a:fontRef>
+          </p:style>
+        </p:sp>
+        <p:sp>
+          <p:nvSpPr>
+            <p:cNvPr id="26" name="Rectangle 28"/>
+            <p:cNvSpPr/>
+            <p:nvPr/>
+          </p:nvSpPr>
+          <p:spPr>
+            <a:xfrm>
+              <a:off x="10898730" y="-8467"/>
+              <a:ext cx="1290094" cy="6866467"/>
+            </a:xfrm>
+            <a:custGeom>
+              <a:avLst/>
+              <a:gdLst/>
+              <a:ahLst/>
+              <a:cxnLst/>
+              <a:rect l="l" t="t" r="r" b="b"/>
+              <a:pathLst>
+                <a:path w="1290094" h="6858000">
+                  <a:moveTo>
+                    <a:pt x="1019735" y="0"/>
+                  </a:moveTo>
+                  <a:lnTo>
+                    <a:pt x="1290094" y="0"/>
+                  </a:lnTo>
+                  <a:lnTo>
+                    <a:pt x="1290094" y="6858000"/>
+                  </a:lnTo>
+                  <a:lnTo>
+                    <a:pt x="0" y="6858000"/>
+                  </a:lnTo>
+                  <a:lnTo>
+                    <a:pt x="1019735" y="0"/>
+                  </a:lnTo>
+                  <a:close/>
+                </a:path>
+              </a:pathLst>
+            </a:custGeom>
+            <a:solidFill>
+              <a:schemeClr val="accent1">
+                <a:lumMod val="60000"/>
+                <a:lumOff val="40000"/>
+                <a:alpha val="70000"/>
+              </a:schemeClr>
+            </a:solidFill>
+            <a:ln>
+              <a:noFill/>
+            </a:ln>
+            <a:effectLst/>
+          </p:spPr>
+          <p:style>
+            <a:lnRef idx="1">
+              <a:schemeClr val="accent1"/>
+            </a:lnRef>
+            <a:fillRef idx="3">
+              <a:schemeClr val="accent1"/>
+            </a:fillRef>
+            <a:effectRef idx="2">
+              <a:schemeClr val="accent1"/>
+            </a:effectRef>
+            <a:fontRef idx="minor">
+              <a:schemeClr val="lt1"/>
+            </a:fontRef>
+          </p:style>
+        </p:sp>
+        <p:sp>
+          <p:nvSpPr>
+            <p:cNvPr id="27" name="Rectangle 29"/>
+            <p:cNvSpPr/>
+            <p:nvPr/>
+          </p:nvSpPr>
+          <p:spPr>
+            <a:xfrm>
+              <a:off x="10938999" y="-8467"/>
+              <a:ext cx="1249825" cy="6866467"/>
+            </a:xfrm>
+            <a:custGeom>
+              <a:avLst/>
+              <a:gdLst/>
+              <a:ahLst/>
+              <a:cxnLst/>
+              <a:rect l="l" t="t" r="r" b="b"/>
+              <a:pathLst>
+                <a:path w="1249825" h="6858000">
+                  <a:moveTo>
+                    <a:pt x="0" y="0"/>
+                  </a:moveTo>
+                  <a:lnTo>
+                    <a:pt x="1249825" y="0"/>
+                  </a:lnTo>
+                  <a:lnTo>
+                    <a:pt x="1249825" y="6858000"/>
+                  </a:lnTo>
+                  <a:lnTo>
+                    <a:pt x="1109382" y="6858000"/>
+                  </a:lnTo>
+                  <a:lnTo>
+                    <a:pt x="0" y="0"/>
+                  </a:lnTo>
+                  <a:close/>
+                </a:path>
+              </a:pathLst>
+            </a:custGeom>
+            <a:solidFill>
+              <a:schemeClr val="accent1">
+                <a:alpha val="65000"/>
+              </a:schemeClr>
+            </a:solidFill>
+            <a:ln>
+              <a:noFill/>
+            </a:ln>
+            <a:effectLst/>
+          </p:spPr>
+          <p:style>
+            <a:lnRef idx="1">
+              <a:schemeClr val="accent1"/>
+            </a:lnRef>
+            <a:fillRef idx="3">
+              <a:schemeClr val="accent1"/>
+            </a:fillRef>
+            <a:effectRef idx="2">
+              <a:schemeClr val="accent1"/>
+            </a:effectRef>
+            <a:fontRef idx="minor">
+              <a:schemeClr val="lt1"/>
+            </a:fontRef>
+          </p:style>
+        </p:sp>
+        <p:sp>
+          <p:nvSpPr>
+            <p:cNvPr id="28" name="Isosceles Triangle 27"/>
+            <p:cNvSpPr/>
+            <p:nvPr/>
+          </p:nvSpPr>
+          <p:spPr>
+            <a:xfrm>
+              <a:off x="10371666" y="3589867"/>
+              <a:ext cx="1817159" cy="3268133"/>
+            </a:xfrm>
+            <a:prstGeom prst="triangle">
+              <a:avLst>
+                <a:gd name="adj" fmla="val 100000"/>
+              </a:avLst>
+            </a:prstGeom>
+            <a:solidFill>
+              <a:schemeClr val="accent1">
+                <a:alpha val="80000"/>
+              </a:schemeClr>
+            </a:solidFill>
+            <a:ln>
+              <a:noFill/>
+            </a:ln>
+            <a:effectLst/>
+          </p:spPr>
+          <p:style>
+            <a:lnRef idx="1">
+              <a:schemeClr val="accent1"/>
+            </a:lnRef>
+            <a:fillRef idx="3">
+              <a:schemeClr val="accent1"/>
+            </a:fillRef>
+            <a:effectRef idx="2">
+              <a:schemeClr val="accent1"/>
+            </a:effectRef>
+            <a:fontRef idx="minor">
+              <a:schemeClr val="lt1"/>
+            </a:fontRef>
+          </p:style>
+        </p:sp>
+        <p:sp>
+          <p:nvSpPr>
+            <p:cNvPr id="29" name="Isosceles Triangle 28"/>
+            <p:cNvSpPr/>
+            <p:nvPr/>
+          </p:nvSpPr>
+          <p:spPr>
+            <a:xfrm>
+              <a:off x="0" y="4013200"/>
+              <a:ext cx="448733" cy="2844800"/>
+            </a:xfrm>
+            <a:prstGeom prst="triangle">
+              <a:avLst>
+                <a:gd name="adj" fmla="val 0"/>
+              </a:avLst>
+            </a:prstGeom>
+            <a:solidFill>
+              <a:schemeClr val="accent1">
+                <a:alpha val="85000"/>
+              </a:schemeClr>
+            </a:solidFill>
+            <a:ln>
+              <a:noFill/>
+            </a:ln>
+            <a:effectLst/>
+          </p:spPr>
+          <p:style>
+            <a:lnRef idx="1">
+              <a:schemeClr val="accent1"/>
+            </a:lnRef>
+            <a:fillRef idx="3">
+              <a:schemeClr val="accent1"/>
+            </a:fillRef>
+            <a:effectRef idx="2">
+              <a:schemeClr val="accent1"/>
+            </a:effectRef>
+            <a:fontRef idx="minor">
+              <a:schemeClr val="lt1"/>
+            </a:fontRef>
+          </p:style>
+        </p:sp>
+      </p:grpSp>
+      <p:sp>
+        <p:nvSpPr>
+          <p:cNvPr id="2" name="Title Placeholder 1"/>
           <p:cNvSpPr>
             <a:spLocks noGrp="1"/>
           </p:cNvSpPr>
@@ -2441,15 +5172,15 @@
         </p:nvSpPr>
         <p:spPr>
           <a:xfrm>
-            <a:off x="838200" y="365125"/>
-            <a:ext cx="10515600" cy="1325563"/>
+            <a:off x="677334" y="609600"/>
+            <a:ext cx="8596668" cy="1320800"/>
           </a:xfrm>
           <a:prstGeom prst="rect">
             <a:avLst/>
           </a:prstGeom>
         </p:spPr>
         <p:txBody>
-          <a:bodyPr vert="horz" lIns="91440" tIns="45720" rIns="91440" bIns="45720" rtlCol="0" anchor="ctr">
+          <a:bodyPr vert="horz" lIns="91440" tIns="45720" rIns="91440" bIns="45720" rtlCol="0" anchor="t">
             <a:normAutofit/>
           </a:bodyPr>
           <a:lstStyle/>
@@ -2458,13 +5189,13 @@
               <a:rPr lang="es-ES" smtClean="0"/>
               <a:t>Haga clic para modificar el estilo de título del patrón</a:t>
             </a:r>
-            <a:endParaRPr lang="es-ES"/>
-          </a:p>
-        </p:txBody>
-      </p:sp>
-      <p:sp>
-        <p:nvSpPr>
-          <p:cNvPr id="3" name="Marcador de texto 2"/>
+            <a:endParaRPr lang="en-US" dirty="0"/>
+          </a:p>
+        </p:txBody>
+      </p:sp>
+      <p:sp>
+        <p:nvSpPr>
+          <p:cNvPr id="3" name="Text Placeholder 2"/>
           <p:cNvSpPr>
             <a:spLocks noGrp="1"/>
           </p:cNvSpPr>
@@ -2474,8 +5205,8 @@
         </p:nvSpPr>
         <p:spPr>
           <a:xfrm>
-            <a:off x="838200" y="1825625"/>
-            <a:ext cx="10515600" cy="4351338"/>
+            <a:off x="677334" y="2160589"/>
+            <a:ext cx="8596668" cy="3880773"/>
           </a:xfrm>
           <a:prstGeom prst="rect">
             <a:avLst/>
@@ -2520,13 +5251,13 @@
               <a:rPr lang="es-ES" smtClean="0"/>
               <a:t>Quinto nivel</a:t>
             </a:r>
-            <a:endParaRPr lang="es-ES"/>
-          </a:p>
-        </p:txBody>
-      </p:sp>
-      <p:sp>
-        <p:nvSpPr>
-          <p:cNvPr id="4" name="Marcador de fecha 3"/>
+            <a:endParaRPr lang="en-US" dirty="0"/>
+          </a:p>
+        </p:txBody>
+      </p:sp>
+      <p:sp>
+        <p:nvSpPr>
+          <p:cNvPr id="4" name="Date Placeholder 3"/>
           <p:cNvSpPr>
             <a:spLocks noGrp="1"/>
           </p:cNvSpPr>
@@ -2536,8 +5267,8 @@
         </p:nvSpPr>
         <p:spPr>
           <a:xfrm>
-            <a:off x="838200" y="6356350"/>
-            <a:ext cx="2743200" cy="365125"/>
+            <a:off x="7205133" y="6041362"/>
+            <a:ext cx="911939" cy="365125"/>
           </a:xfrm>
           <a:prstGeom prst="rect">
             <a:avLst/>
@@ -2546,8 +5277,8 @@
         <p:txBody>
           <a:bodyPr vert="horz" lIns="91440" tIns="45720" rIns="91440" bIns="45720" rtlCol="0" anchor="ctr"/>
           <a:lstStyle>
-            <a:lvl1pPr algn="l">
-              <a:defRPr sz="1200">
+            <a:lvl1pPr algn="r">
+              <a:defRPr sz="900">
                 <a:solidFill>
                   <a:schemeClr val="tx1">
                     <a:tint val="75000"/>
@@ -2567,7 +5298,7 @@
       </p:sp>
       <p:sp>
         <p:nvSpPr>
-          <p:cNvPr id="5" name="Marcador de pie de página 4"/>
+          <p:cNvPr id="5" name="Footer Placeholder 4"/>
           <p:cNvSpPr>
             <a:spLocks noGrp="1"/>
           </p:cNvSpPr>
@@ -2577,8 +5308,8 @@
         </p:nvSpPr>
         <p:spPr>
           <a:xfrm>
-            <a:off x="4038600" y="6356350"/>
-            <a:ext cx="4114800" cy="365125"/>
+            <a:off x="677334" y="6041362"/>
+            <a:ext cx="6297612" cy="365125"/>
           </a:xfrm>
           <a:prstGeom prst="rect">
             <a:avLst/>
@@ -2587,8 +5318,8 @@
         <p:txBody>
           <a:bodyPr vert="horz" lIns="91440" tIns="45720" rIns="91440" bIns="45720" rtlCol="0" anchor="ctr"/>
           <a:lstStyle>
-            <a:lvl1pPr algn="ctr">
-              <a:defRPr sz="1200">
+            <a:lvl1pPr algn="l">
+              <a:defRPr sz="900">
                 <a:solidFill>
                   <a:schemeClr val="tx1">
                     <a:tint val="75000"/>
@@ -2604,7 +5335,7 @@
       </p:sp>
       <p:sp>
         <p:nvSpPr>
-          <p:cNvPr id="6" name="Marcador de número de diapositiva 5"/>
+          <p:cNvPr id="6" name="Slide Number Placeholder 5"/>
           <p:cNvSpPr>
             <a:spLocks noGrp="1"/>
           </p:cNvSpPr>
@@ -2614,8 +5345,8 @@
         </p:nvSpPr>
         <p:spPr>
           <a:xfrm>
-            <a:off x="8610600" y="6356350"/>
-            <a:ext cx="2743200" cy="365125"/>
+            <a:off x="8590663" y="6041362"/>
+            <a:ext cx="683339" cy="365125"/>
           </a:xfrm>
           <a:prstGeom prst="rect">
             <a:avLst/>
@@ -2625,11 +5356,9 @@
           <a:bodyPr vert="horz" lIns="91440" tIns="45720" rIns="91440" bIns="45720" rtlCol="0" anchor="ctr"/>
           <a:lstStyle>
             <a:lvl1pPr algn="r">
-              <a:defRPr sz="1200">
-                <a:solidFill>
-                  <a:schemeClr val="tx1">
-                    <a:tint val="75000"/>
-                  </a:schemeClr>
+              <a:defRPr sz="900">
+                <a:solidFill>
+                  <a:schemeClr val="accent1"/>
                 </a:solidFill>
               </a:defRPr>
             </a:lvl1pPr>
@@ -2646,55 +5375,335 @@
     </p:spTree>
     <p:extLst>
       <p:ext uri="{BB962C8B-B14F-4D97-AF65-F5344CB8AC3E}">
-        <p14:creationId xmlns:p14="http://schemas.microsoft.com/office/powerpoint/2010/main" val="3105166566"/>
+        <p14:creationId xmlns:p14="http://schemas.microsoft.com/office/powerpoint/2010/main" val="737370154"/>
       </p:ext>
     </p:extLst>
   </p:cSld>
-  <p:clrMap bg1="lt1" tx1="dk1" bg2="lt2" tx2="dk2" accent1="accent1" accent2="accent2" accent3="accent3" accent4="accent4" accent5="accent5" accent6="accent6" hlink="hlink" folHlink="folHlink"/>
+  <p:clrMap bg1="dk1" tx1="lt1" bg2="dk2" tx2="lt2" accent1="accent1" accent2="accent2" accent3="accent3" accent4="accent4" accent5="accent5" accent6="accent6" hlink="hlink" folHlink="folHlink"/>
   <p:sldLayoutIdLst>
-    <p:sldLayoutId id="2147483649" r:id="rId1"/>
-    <p:sldLayoutId id="2147483650" r:id="rId2"/>
-    <p:sldLayoutId id="2147483651" r:id="rId3"/>
-    <p:sldLayoutId id="2147483652" r:id="rId4"/>
-    <p:sldLayoutId id="2147483653" r:id="rId5"/>
-    <p:sldLayoutId id="2147483654" r:id="rId6"/>
-    <p:sldLayoutId id="2147483655" r:id="rId7"/>
-    <p:sldLayoutId id="2147483656" r:id="rId8"/>
-    <p:sldLayoutId id="2147483657" r:id="rId9"/>
-    <p:sldLayoutId id="2147483658" r:id="rId10"/>
-    <p:sldLayoutId id="2147483659" r:id="rId11"/>
+    <p:sldLayoutId id="2147483695" r:id="rId1"/>
+    <p:sldLayoutId id="2147483696" r:id="rId2"/>
+    <p:sldLayoutId id="2147483697" r:id="rId3"/>
+    <p:sldLayoutId id="2147483698" r:id="rId4"/>
+    <p:sldLayoutId id="2147483699" r:id="rId5"/>
+    <p:sldLayoutId id="2147483700" r:id="rId6"/>
+    <p:sldLayoutId id="2147483701" r:id="rId7"/>
+    <p:sldLayoutId id="2147483702" r:id="rId8"/>
+    <p:sldLayoutId id="2147483703" r:id="rId9"/>
+    <p:sldLayoutId id="2147483704" r:id="rId10"/>
+    <p:sldLayoutId id="2147483705" r:id="rId11"/>
+    <p:sldLayoutId id="2147483706" r:id="rId12"/>
+    <p:sldLayoutId id="2147483707" r:id="rId13"/>
+    <p:sldLayoutId id="2147483708" r:id="rId14"/>
+    <p:sldLayoutId id="2147483709" r:id="rId15"/>
+    <p:sldLayoutId id="2147483710" r:id="rId16"/>
   </p:sldLayoutIdLst>
   <p:txStyles>
     <p:titleStyle>
-      <a:lvl1pPr algn="l" defTabSz="914400" rtl="0" eaLnBrk="1" latinLnBrk="0" hangingPunct="1">
-        <a:lnSpc>
-          <a:spcPct val="90000"/>
-        </a:lnSpc>
+      <a:lvl1pPr algn="l" defTabSz="457200" rtl="0" eaLnBrk="1" latinLnBrk="0" hangingPunct="1">
         <a:spcBef>
           <a:spcPct val="0"/>
         </a:spcBef>
         <a:buNone/>
-        <a:defRPr sz="4400" kern="1200">
+        <a:defRPr sz="3600" kern="1200">
           <a:solidFill>
-            <a:schemeClr val="tx1"/>
+            <a:schemeClr val="accent1"/>
           </a:solidFill>
           <a:latin typeface="+mj-lt"/>
           <a:ea typeface="+mj-ea"/>
           <a:cs typeface="+mj-cs"/>
         </a:defRPr>
       </a:lvl1pPr>
+      <a:lvl2pPr eaLnBrk="1" hangingPunct="1">
+        <a:defRPr>
+          <a:solidFill>
+            <a:schemeClr val="tx2"/>
+          </a:solidFill>
+        </a:defRPr>
+      </a:lvl2pPr>
+      <a:lvl3pPr eaLnBrk="1" hangingPunct="1">
+        <a:defRPr>
+          <a:solidFill>
+            <a:schemeClr val="tx2"/>
+          </a:solidFill>
+        </a:defRPr>
+      </a:lvl3pPr>
+      <a:lvl4pPr eaLnBrk="1" hangingPunct="1">
+        <a:defRPr>
+          <a:solidFill>
+            <a:schemeClr val="tx2"/>
+          </a:solidFill>
+        </a:defRPr>
+      </a:lvl4pPr>
+      <a:lvl5pPr eaLnBrk="1" hangingPunct="1">
+        <a:defRPr>
+          <a:solidFill>
+            <a:schemeClr val="tx2"/>
+          </a:solidFill>
+        </a:defRPr>
+      </a:lvl5pPr>
+      <a:lvl6pPr eaLnBrk="1" hangingPunct="1">
+        <a:defRPr>
+          <a:solidFill>
+            <a:schemeClr val="tx2"/>
+          </a:solidFill>
+        </a:defRPr>
+      </a:lvl6pPr>
+      <a:lvl7pPr eaLnBrk="1" hangingPunct="1">
+        <a:defRPr>
+          <a:solidFill>
+            <a:schemeClr val="tx2"/>
+          </a:solidFill>
+        </a:defRPr>
+      </a:lvl7pPr>
+      <a:lvl8pPr eaLnBrk="1" hangingPunct="1">
+        <a:defRPr>
+          <a:solidFill>
+            <a:schemeClr val="tx2"/>
+          </a:solidFill>
+        </a:defRPr>
+      </a:lvl8pPr>
+      <a:lvl9pPr eaLnBrk="1" hangingPunct="1">
+        <a:defRPr>
+          <a:solidFill>
+            <a:schemeClr val="tx2"/>
+          </a:solidFill>
+        </a:defRPr>
+      </a:lvl9pPr>
     </p:titleStyle>
     <p:bodyStyle>
-      <a:lvl1pPr marL="228600" indent="-228600" algn="l" defTabSz="914400" rtl="0" eaLnBrk="1" latinLnBrk="0" hangingPunct="1">
-        <a:lnSpc>
-          <a:spcPct val="90000"/>
-        </a:lnSpc>
+      <a:lvl1pPr marL="342900" indent="-342900" algn="l" defTabSz="457200" rtl="0" eaLnBrk="1" latinLnBrk="0" hangingPunct="1">
         <a:spcBef>
           <a:spcPts val="1000"/>
         </a:spcBef>
-        <a:buFont typeface="Arial" panose="020B0604020202020204" pitchFamily="34" charset="0"/>
-        <a:buChar char="•"/>
-        <a:defRPr sz="2800" kern="1200">
+        <a:spcAft>
+          <a:spcPts val="0"/>
+        </a:spcAft>
+        <a:buClr>
+          <a:schemeClr val="accent1"/>
+        </a:buClr>
+        <a:buSzPct val="80000"/>
+        <a:buFont typeface="Wingdings 3" charset="2"/>
+        <a:buChar char=""/>
+        <a:defRPr sz="1800" kern="1200">
+          <a:solidFill>
+            <a:schemeClr val="tx1">
+              <a:lumMod val="75000"/>
+              <a:lumOff val="25000"/>
+            </a:schemeClr>
+          </a:solidFill>
+          <a:latin typeface="+mn-lt"/>
+          <a:ea typeface="+mn-ea"/>
+          <a:cs typeface="+mn-cs"/>
+        </a:defRPr>
+      </a:lvl1pPr>
+      <a:lvl2pPr marL="742950" indent="-285750" algn="l" defTabSz="457200" rtl="0" eaLnBrk="1" latinLnBrk="0" hangingPunct="1">
+        <a:spcBef>
+          <a:spcPts val="1000"/>
+        </a:spcBef>
+        <a:spcAft>
+          <a:spcPts val="0"/>
+        </a:spcAft>
+        <a:buClr>
+          <a:schemeClr val="accent1"/>
+        </a:buClr>
+        <a:buSzPct val="80000"/>
+        <a:buFont typeface="Wingdings 3" charset="2"/>
+        <a:buChar char=""/>
+        <a:defRPr sz="1600" kern="1200">
+          <a:solidFill>
+            <a:schemeClr val="tx1">
+              <a:lumMod val="75000"/>
+              <a:lumOff val="25000"/>
+            </a:schemeClr>
+          </a:solidFill>
+          <a:latin typeface="+mn-lt"/>
+          <a:ea typeface="+mn-ea"/>
+          <a:cs typeface="+mn-cs"/>
+        </a:defRPr>
+      </a:lvl2pPr>
+      <a:lvl3pPr marL="1143000" indent="-228600" algn="l" defTabSz="457200" rtl="0" eaLnBrk="1" latinLnBrk="0" hangingPunct="1">
+        <a:spcBef>
+          <a:spcPts val="1000"/>
+        </a:spcBef>
+        <a:spcAft>
+          <a:spcPts val="0"/>
+        </a:spcAft>
+        <a:buClr>
+          <a:schemeClr val="accent1"/>
+        </a:buClr>
+        <a:buSzPct val="80000"/>
+        <a:buFont typeface="Wingdings 3" charset="2"/>
+        <a:buChar char=""/>
+        <a:defRPr sz="1400" kern="1200">
+          <a:solidFill>
+            <a:schemeClr val="tx1">
+              <a:lumMod val="75000"/>
+              <a:lumOff val="25000"/>
+            </a:schemeClr>
+          </a:solidFill>
+          <a:latin typeface="+mn-lt"/>
+          <a:ea typeface="+mn-ea"/>
+          <a:cs typeface="+mn-cs"/>
+        </a:defRPr>
+      </a:lvl3pPr>
+      <a:lvl4pPr marL="1600200" indent="-228600" algn="l" defTabSz="457200" rtl="0" eaLnBrk="1" latinLnBrk="0" hangingPunct="1">
+        <a:spcBef>
+          <a:spcPts val="1000"/>
+        </a:spcBef>
+        <a:spcAft>
+          <a:spcPts val="0"/>
+        </a:spcAft>
+        <a:buClr>
+          <a:schemeClr val="accent1"/>
+        </a:buClr>
+        <a:buSzPct val="80000"/>
+        <a:buFont typeface="Wingdings 3" charset="2"/>
+        <a:buChar char=""/>
+        <a:defRPr sz="1200" kern="1200">
+          <a:solidFill>
+            <a:schemeClr val="tx1">
+              <a:lumMod val="75000"/>
+              <a:lumOff val="25000"/>
+            </a:schemeClr>
+          </a:solidFill>
+          <a:latin typeface="+mn-lt"/>
+          <a:ea typeface="+mn-ea"/>
+          <a:cs typeface="+mn-cs"/>
+        </a:defRPr>
+      </a:lvl4pPr>
+      <a:lvl5pPr marL="2057400" indent="-228600" algn="l" defTabSz="457200" rtl="0" eaLnBrk="1" latinLnBrk="0" hangingPunct="1">
+        <a:spcBef>
+          <a:spcPts val="1000"/>
+        </a:spcBef>
+        <a:spcAft>
+          <a:spcPts val="0"/>
+        </a:spcAft>
+        <a:buClr>
+          <a:schemeClr val="accent1"/>
+        </a:buClr>
+        <a:buSzPct val="80000"/>
+        <a:buFont typeface="Wingdings 3" charset="2"/>
+        <a:buChar char=""/>
+        <a:defRPr sz="1200" kern="1200">
+          <a:solidFill>
+            <a:schemeClr val="tx1">
+              <a:lumMod val="75000"/>
+              <a:lumOff val="25000"/>
+            </a:schemeClr>
+          </a:solidFill>
+          <a:latin typeface="+mn-lt"/>
+          <a:ea typeface="+mn-ea"/>
+          <a:cs typeface="+mn-cs"/>
+        </a:defRPr>
+      </a:lvl5pPr>
+      <a:lvl6pPr marL="2514600" indent="-228600" algn="l" defTabSz="457200" rtl="0" eaLnBrk="1" latinLnBrk="0" hangingPunct="1">
+        <a:spcBef>
+          <a:spcPts val="1000"/>
+        </a:spcBef>
+        <a:spcAft>
+          <a:spcPts val="0"/>
+        </a:spcAft>
+        <a:buClr>
+          <a:schemeClr val="accent1"/>
+        </a:buClr>
+        <a:buSzPct val="80000"/>
+        <a:buFont typeface="Wingdings 3" charset="2"/>
+        <a:buChar char=""/>
+        <a:defRPr sz="1200" kern="1200">
+          <a:solidFill>
+            <a:schemeClr val="tx1">
+              <a:lumMod val="75000"/>
+              <a:lumOff val="25000"/>
+            </a:schemeClr>
+          </a:solidFill>
+          <a:latin typeface="+mn-lt"/>
+          <a:ea typeface="+mn-ea"/>
+          <a:cs typeface="+mn-cs"/>
+        </a:defRPr>
+      </a:lvl6pPr>
+      <a:lvl7pPr marL="2971800" indent="-228600" algn="l" defTabSz="457200" rtl="0" eaLnBrk="1" latinLnBrk="0" hangingPunct="1">
+        <a:spcBef>
+          <a:spcPts val="1000"/>
+        </a:spcBef>
+        <a:spcAft>
+          <a:spcPts val="0"/>
+        </a:spcAft>
+        <a:buClr>
+          <a:schemeClr val="accent1"/>
+        </a:buClr>
+        <a:buSzPct val="80000"/>
+        <a:buFont typeface="Wingdings 3" charset="2"/>
+        <a:buChar char=""/>
+        <a:defRPr sz="1200" kern="1200">
+          <a:solidFill>
+            <a:schemeClr val="tx1">
+              <a:lumMod val="75000"/>
+              <a:lumOff val="25000"/>
+            </a:schemeClr>
+          </a:solidFill>
+          <a:latin typeface="+mn-lt"/>
+          <a:ea typeface="+mn-ea"/>
+          <a:cs typeface="+mn-cs"/>
+        </a:defRPr>
+      </a:lvl7pPr>
+      <a:lvl8pPr marL="3429000" indent="-228600" algn="l" defTabSz="457200" rtl="0" eaLnBrk="1" latinLnBrk="0" hangingPunct="1">
+        <a:spcBef>
+          <a:spcPts val="1000"/>
+        </a:spcBef>
+        <a:spcAft>
+          <a:spcPts val="0"/>
+        </a:spcAft>
+        <a:buClr>
+          <a:schemeClr val="accent1"/>
+        </a:buClr>
+        <a:buSzPct val="80000"/>
+        <a:buFont typeface="Wingdings 3" charset="2"/>
+        <a:buChar char=""/>
+        <a:defRPr sz="1200" kern="1200">
+          <a:solidFill>
+            <a:schemeClr val="tx1">
+              <a:lumMod val="75000"/>
+              <a:lumOff val="25000"/>
+            </a:schemeClr>
+          </a:solidFill>
+          <a:latin typeface="+mn-lt"/>
+          <a:ea typeface="+mn-ea"/>
+          <a:cs typeface="+mn-cs"/>
+        </a:defRPr>
+      </a:lvl8pPr>
+      <a:lvl9pPr marL="3886200" indent="-228600" algn="l" defTabSz="457200" rtl="0" eaLnBrk="1" latinLnBrk="0" hangingPunct="1">
+        <a:spcBef>
+          <a:spcPts val="1000"/>
+        </a:spcBef>
+        <a:spcAft>
+          <a:spcPts val="0"/>
+        </a:spcAft>
+        <a:buClr>
+          <a:schemeClr val="accent1"/>
+        </a:buClr>
+        <a:buSzPct val="80000"/>
+        <a:buFont typeface="Wingdings 3" charset="2"/>
+        <a:buChar char=""/>
+        <a:defRPr sz="1200" kern="1200">
+          <a:solidFill>
+            <a:schemeClr val="tx1">
+              <a:lumMod val="75000"/>
+              <a:lumOff val="25000"/>
+            </a:schemeClr>
+          </a:solidFill>
+          <a:latin typeface="+mn-lt"/>
+          <a:ea typeface="+mn-ea"/>
+          <a:cs typeface="+mn-cs"/>
+        </a:defRPr>
+      </a:lvl9pPr>
+    </p:bodyStyle>
+    <p:otherStyle>
+      <a:defPPr>
+        <a:defRPr lang="en-US"/>
+      </a:defPPr>
+      <a:lvl1pPr marL="0" algn="l" defTabSz="457200" rtl="0" eaLnBrk="1" latinLnBrk="0" hangingPunct="1">
+        <a:defRPr sz="1800" kern="1200">
           <a:solidFill>
             <a:schemeClr val="tx1"/>
           </a:solidFill>
@@ -2703,16 +5712,8 @@
           <a:cs typeface="+mn-cs"/>
         </a:defRPr>
       </a:lvl1pPr>
-      <a:lvl2pPr marL="685800" indent="-228600" algn="l" defTabSz="914400" rtl="0" eaLnBrk="1" latinLnBrk="0" hangingPunct="1">
-        <a:lnSpc>
-          <a:spcPct val="90000"/>
-        </a:lnSpc>
-        <a:spcBef>
-          <a:spcPts val="500"/>
-        </a:spcBef>
-        <a:buFont typeface="Arial" panose="020B0604020202020204" pitchFamily="34" charset="0"/>
-        <a:buChar char="•"/>
-        <a:defRPr sz="2400" kern="1200">
+      <a:lvl2pPr marL="457200" algn="l" defTabSz="457200" rtl="0" eaLnBrk="1" latinLnBrk="0" hangingPunct="1">
+        <a:defRPr sz="1800" kern="1200">
           <a:solidFill>
             <a:schemeClr val="tx1"/>
           </a:solidFill>
@@ -2721,16 +5722,8 @@
           <a:cs typeface="+mn-cs"/>
         </a:defRPr>
       </a:lvl2pPr>
-      <a:lvl3pPr marL="1143000" indent="-228600" algn="l" defTabSz="914400" rtl="0" eaLnBrk="1" latinLnBrk="0" hangingPunct="1">
-        <a:lnSpc>
-          <a:spcPct val="90000"/>
-        </a:lnSpc>
-        <a:spcBef>
-          <a:spcPts val="500"/>
-        </a:spcBef>
-        <a:buFont typeface="Arial" panose="020B0604020202020204" pitchFamily="34" charset="0"/>
-        <a:buChar char="•"/>
-        <a:defRPr sz="2000" kern="1200">
+      <a:lvl3pPr marL="914400" algn="l" defTabSz="457200" rtl="0" eaLnBrk="1" latinLnBrk="0" hangingPunct="1">
+        <a:defRPr sz="1800" kern="1200">
           <a:solidFill>
             <a:schemeClr val="tx1"/>
           </a:solidFill>
@@ -2739,15 +5732,7 @@
           <a:cs typeface="+mn-cs"/>
         </a:defRPr>
       </a:lvl3pPr>
-      <a:lvl4pPr marL="1600200" indent="-228600" algn="l" defTabSz="914400" rtl="0" eaLnBrk="1" latinLnBrk="0" hangingPunct="1">
-        <a:lnSpc>
-          <a:spcPct val="90000"/>
-        </a:lnSpc>
-        <a:spcBef>
-          <a:spcPts val="500"/>
-        </a:spcBef>
-        <a:buFont typeface="Arial" panose="020B0604020202020204" pitchFamily="34" charset="0"/>
-        <a:buChar char="•"/>
+      <a:lvl4pPr marL="1371600" algn="l" defTabSz="457200" rtl="0" eaLnBrk="1" latinLnBrk="0" hangingPunct="1">
         <a:defRPr sz="1800" kern="1200">
           <a:solidFill>
             <a:schemeClr val="tx1"/>
@@ -2757,15 +5742,7 @@
           <a:cs typeface="+mn-cs"/>
         </a:defRPr>
       </a:lvl4pPr>
-      <a:lvl5pPr marL="2057400" indent="-228600" algn="l" defTabSz="914400" rtl="0" eaLnBrk="1" latinLnBrk="0" hangingPunct="1">
-        <a:lnSpc>
-          <a:spcPct val="90000"/>
-        </a:lnSpc>
-        <a:spcBef>
-          <a:spcPts val="500"/>
-        </a:spcBef>
-        <a:buFont typeface="Arial" panose="020B0604020202020204" pitchFamily="34" charset="0"/>
-        <a:buChar char="•"/>
+      <a:lvl5pPr marL="1828800" algn="l" defTabSz="457200" rtl="0" eaLnBrk="1" latinLnBrk="0" hangingPunct="1">
         <a:defRPr sz="1800" kern="1200">
           <a:solidFill>
             <a:schemeClr val="tx1"/>
@@ -2775,15 +5752,7 @@
           <a:cs typeface="+mn-cs"/>
         </a:defRPr>
       </a:lvl5pPr>
-      <a:lvl6pPr marL="2514600" indent="-228600" algn="l" defTabSz="914400" rtl="0" eaLnBrk="1" latinLnBrk="0" hangingPunct="1">
-        <a:lnSpc>
-          <a:spcPct val="90000"/>
-        </a:lnSpc>
-        <a:spcBef>
-          <a:spcPts val="500"/>
-        </a:spcBef>
-        <a:buFont typeface="Arial" panose="020B0604020202020204" pitchFamily="34" charset="0"/>
-        <a:buChar char="•"/>
+      <a:lvl6pPr marL="2286000" algn="l" defTabSz="457200" rtl="0" eaLnBrk="1" latinLnBrk="0" hangingPunct="1">
         <a:defRPr sz="1800" kern="1200">
           <a:solidFill>
             <a:schemeClr val="tx1"/>
@@ -2793,15 +5762,7 @@
           <a:cs typeface="+mn-cs"/>
         </a:defRPr>
       </a:lvl6pPr>
-      <a:lvl7pPr marL="2971800" indent="-228600" algn="l" defTabSz="914400" rtl="0" eaLnBrk="1" latinLnBrk="0" hangingPunct="1">
-        <a:lnSpc>
-          <a:spcPct val="90000"/>
-        </a:lnSpc>
-        <a:spcBef>
-          <a:spcPts val="500"/>
-        </a:spcBef>
-        <a:buFont typeface="Arial" panose="020B0604020202020204" pitchFamily="34" charset="0"/>
-        <a:buChar char="•"/>
+      <a:lvl7pPr marL="2743200" algn="l" defTabSz="457200" rtl="0" eaLnBrk="1" latinLnBrk="0" hangingPunct="1">
         <a:defRPr sz="1800" kern="1200">
           <a:solidFill>
             <a:schemeClr val="tx1"/>
@@ -2811,15 +5772,7 @@
           <a:cs typeface="+mn-cs"/>
         </a:defRPr>
       </a:lvl7pPr>
-      <a:lvl8pPr marL="3429000" indent="-228600" algn="l" defTabSz="914400" rtl="0" eaLnBrk="1" latinLnBrk="0" hangingPunct="1">
-        <a:lnSpc>
-          <a:spcPct val="90000"/>
-        </a:lnSpc>
-        <a:spcBef>
-          <a:spcPts val="500"/>
-        </a:spcBef>
-        <a:buFont typeface="Arial" panose="020B0604020202020204" pitchFamily="34" charset="0"/>
-        <a:buChar char="•"/>
+      <a:lvl8pPr marL="3200400" algn="l" defTabSz="457200" rtl="0" eaLnBrk="1" latinLnBrk="0" hangingPunct="1">
         <a:defRPr sz="1800" kern="1200">
           <a:solidFill>
             <a:schemeClr val="tx1"/>
@@ -2829,110 +5782,7 @@
           <a:cs typeface="+mn-cs"/>
         </a:defRPr>
       </a:lvl8pPr>
-      <a:lvl9pPr marL="3886200" indent="-228600" algn="l" defTabSz="914400" rtl="0" eaLnBrk="1" latinLnBrk="0" hangingPunct="1">
-        <a:lnSpc>
-          <a:spcPct val="90000"/>
-        </a:lnSpc>
-        <a:spcBef>
-          <a:spcPts val="500"/>
-        </a:spcBef>
-        <a:buFont typeface="Arial" panose="020B0604020202020204" pitchFamily="34" charset="0"/>
-        <a:buChar char="•"/>
-        <a:defRPr sz="1800" kern="1200">
-          <a:solidFill>
-            <a:schemeClr val="tx1"/>
-          </a:solidFill>
-          <a:latin typeface="+mn-lt"/>
-          <a:ea typeface="+mn-ea"/>
-          <a:cs typeface="+mn-cs"/>
-        </a:defRPr>
-      </a:lvl9pPr>
-    </p:bodyStyle>
-    <p:otherStyle>
-      <a:defPPr>
-        <a:defRPr lang="es-ES"/>
-      </a:defPPr>
-      <a:lvl1pPr marL="0" algn="l" defTabSz="914400" rtl="0" eaLnBrk="1" latinLnBrk="0" hangingPunct="1">
-        <a:defRPr sz="1800" kern="1200">
-          <a:solidFill>
-            <a:schemeClr val="tx1"/>
-          </a:solidFill>
-          <a:latin typeface="+mn-lt"/>
-          <a:ea typeface="+mn-ea"/>
-          <a:cs typeface="+mn-cs"/>
-        </a:defRPr>
-      </a:lvl1pPr>
-      <a:lvl2pPr marL="457200" algn="l" defTabSz="914400" rtl="0" eaLnBrk="1" latinLnBrk="0" hangingPunct="1">
-        <a:defRPr sz="1800" kern="1200">
-          <a:solidFill>
-            <a:schemeClr val="tx1"/>
-          </a:solidFill>
-          <a:latin typeface="+mn-lt"/>
-          <a:ea typeface="+mn-ea"/>
-          <a:cs typeface="+mn-cs"/>
-        </a:defRPr>
-      </a:lvl2pPr>
-      <a:lvl3pPr marL="914400" algn="l" defTabSz="914400" rtl="0" eaLnBrk="1" latinLnBrk="0" hangingPunct="1">
-        <a:defRPr sz="1800" kern="1200">
-          <a:solidFill>
-            <a:schemeClr val="tx1"/>
-          </a:solidFill>
-          <a:latin typeface="+mn-lt"/>
-          <a:ea typeface="+mn-ea"/>
-          <a:cs typeface="+mn-cs"/>
-        </a:defRPr>
-      </a:lvl3pPr>
-      <a:lvl4pPr marL="1371600" algn="l" defTabSz="914400" rtl="0" eaLnBrk="1" latinLnBrk="0" hangingPunct="1">
-        <a:defRPr sz="1800" kern="1200">
-          <a:solidFill>
-            <a:schemeClr val="tx1"/>
-          </a:solidFill>
-          <a:latin typeface="+mn-lt"/>
-          <a:ea typeface="+mn-ea"/>
-          <a:cs typeface="+mn-cs"/>
-        </a:defRPr>
-      </a:lvl4pPr>
-      <a:lvl5pPr marL="1828800" algn="l" defTabSz="914400" rtl="0" eaLnBrk="1" latinLnBrk="0" hangingPunct="1">
-        <a:defRPr sz="1800" kern="1200">
-          <a:solidFill>
-            <a:schemeClr val="tx1"/>
-          </a:solidFill>
-          <a:latin typeface="+mn-lt"/>
-          <a:ea typeface="+mn-ea"/>
-          <a:cs typeface="+mn-cs"/>
-        </a:defRPr>
-      </a:lvl5pPr>
-      <a:lvl6pPr marL="2286000" algn="l" defTabSz="914400" rtl="0" eaLnBrk="1" latinLnBrk="0" hangingPunct="1">
-        <a:defRPr sz="1800" kern="1200">
-          <a:solidFill>
-            <a:schemeClr val="tx1"/>
-          </a:solidFill>
-          <a:latin typeface="+mn-lt"/>
-          <a:ea typeface="+mn-ea"/>
-          <a:cs typeface="+mn-cs"/>
-        </a:defRPr>
-      </a:lvl6pPr>
-      <a:lvl7pPr marL="2743200" algn="l" defTabSz="914400" rtl="0" eaLnBrk="1" latinLnBrk="0" hangingPunct="1">
-        <a:defRPr sz="1800" kern="1200">
-          <a:solidFill>
-            <a:schemeClr val="tx1"/>
-          </a:solidFill>
-          <a:latin typeface="+mn-lt"/>
-          <a:ea typeface="+mn-ea"/>
-          <a:cs typeface="+mn-cs"/>
-        </a:defRPr>
-      </a:lvl7pPr>
-      <a:lvl8pPr marL="3200400" algn="l" defTabSz="914400" rtl="0" eaLnBrk="1" latinLnBrk="0" hangingPunct="1">
-        <a:defRPr sz="1800" kern="1200">
-          <a:solidFill>
-            <a:schemeClr val="tx1"/>
-          </a:solidFill>
-          <a:latin typeface="+mn-lt"/>
-          <a:ea typeface="+mn-ea"/>
-          <a:cs typeface="+mn-cs"/>
-        </a:defRPr>
-      </a:lvl8pPr>
-      <a:lvl9pPr marL="3657600" algn="l" defTabSz="914400" rtl="0" eaLnBrk="1" latinLnBrk="0" hangingPunct="1">
+      <a:lvl9pPr marL="3657600" algn="l" defTabSz="457200" rtl="0" eaLnBrk="1" latinLnBrk="0" hangingPunct="1">
         <a:defRPr sz="1800" kern="1200">
           <a:solidFill>
             <a:schemeClr val="tx1"/>
@@ -3072,10 +5922,123 @@
 </p:sld>
 </file>
 
+<file path=ppt/slides/slide2.xml><?xml version="1.0" encoding="utf-8"?>
+<p:sld xmlns:a="http://schemas.openxmlformats.org/drawingml/2006/main" xmlns:r="http://schemas.openxmlformats.org/officeDocument/2006/relationships" xmlns:p="http://schemas.openxmlformats.org/presentationml/2006/main">
+  <p:cSld>
+    <p:spTree>
+      <p:nvGrpSpPr>
+        <p:cNvPr id="1" name=""/>
+        <p:cNvGrpSpPr/>
+        <p:nvPr/>
+      </p:nvGrpSpPr>
+      <p:grpSpPr>
+        <a:xfrm>
+          <a:off x="0" y="0"/>
+          <a:ext cx="0" cy="0"/>
+          <a:chOff x="0" y="0"/>
+          <a:chExt cx="0" cy="0"/>
+        </a:xfrm>
+      </p:grpSpPr>
+      <p:sp>
+        <p:nvSpPr>
+          <p:cNvPr id="4" name="CuadroTexto 3"/>
+          <p:cNvSpPr txBox="1"/>
+          <p:nvPr/>
+        </p:nvSpPr>
+        <p:spPr>
+          <a:xfrm>
+            <a:off x="1841157" y="864974"/>
+            <a:ext cx="8328454" cy="4524315"/>
+          </a:xfrm>
+          <a:prstGeom prst="rect">
+            <a:avLst/>
+          </a:prstGeom>
+          <a:noFill/>
+        </p:spPr>
+        <p:txBody>
+          <a:bodyPr wrap="square" rtlCol="0">
+            <a:spAutoFit/>
+          </a:bodyPr>
+          <a:lstStyle/>
+          <a:p>
+            <a:pPr lvl="0" algn="ctr"/>
+            <a:r>
+              <a:rPr lang="es-ES" sz="3600" dirty="0" smtClean="0"/>
+              <a:t>2. GIT </a:t>
+            </a:r>
+            <a:r>
+              <a:rPr lang="es-ES" sz="3600" dirty="0"/>
+              <a:t>ADD</a:t>
+            </a:r>
+          </a:p>
+          <a:p>
+            <a:r>
+              <a:rPr lang="es-ES" sz="3600" dirty="0"/>
+              <a:t>Este comando puede ser usado para </a:t>
+            </a:r>
+            <a:r>
+              <a:rPr lang="es-ES" sz="3600" dirty="0" err="1"/>
+              <a:t>agrefar</a:t>
+            </a:r>
+            <a:r>
+              <a:rPr lang="es-ES" sz="3600" dirty="0"/>
+              <a:t> archivos al </a:t>
+            </a:r>
+            <a:r>
+              <a:rPr lang="es-ES" sz="3600" dirty="0" err="1"/>
+              <a:t>index</a:t>
+            </a:r>
+            <a:r>
+              <a:rPr lang="es-ES" sz="3600" dirty="0"/>
+              <a:t> como por ejemplo el archivo que se uso la vez pasada prueba.txt</a:t>
+            </a:r>
+          </a:p>
+          <a:p>
+            <a:r>
+              <a:rPr lang="es-ES" sz="3600" dirty="0"/>
+              <a:t>Ejemplo:</a:t>
+            </a:r>
+          </a:p>
+          <a:p>
+            <a:r>
+              <a:rPr lang="es-ES" sz="3600" dirty="0" err="1"/>
+              <a:t>Git</a:t>
+            </a:r>
+            <a:r>
+              <a:rPr lang="es-ES" sz="3600" dirty="0"/>
+              <a:t> </a:t>
+            </a:r>
+            <a:r>
+              <a:rPr lang="es-ES" sz="3600" dirty="0" err="1"/>
+              <a:t>add</a:t>
+            </a:r>
+            <a:r>
+              <a:rPr lang="es-ES" sz="3600" dirty="0"/>
+              <a:t> prueba.txt</a:t>
+            </a:r>
+          </a:p>
+          <a:p>
+            <a:endParaRPr lang="es-ES" sz="3600" dirty="0"/>
+          </a:p>
+        </p:txBody>
+      </p:sp>
+    </p:spTree>
+    <p:extLst>
+      <p:ext uri="{BB962C8B-B14F-4D97-AF65-F5344CB8AC3E}">
+        <p14:creationId xmlns:p14="http://schemas.microsoft.com/office/powerpoint/2010/main" val="2817897979"/>
+      </p:ext>
+    </p:extLst>
+  </p:cSld>
+  <p:clrMapOvr>
+    <a:masterClrMapping/>
+  </p:clrMapOvr>
+</p:sld>
+</file>
+
 <file path=ppt/theme/theme1.xml><?xml version="1.0" encoding="utf-8"?>
-<a:theme xmlns:a="http://schemas.openxmlformats.org/drawingml/2006/main" name="Tema de Office">
+<a:theme xmlns:a="http://schemas.openxmlformats.org/drawingml/2006/main" name="Faceta">
   <a:themeElements>
-    <a:clrScheme name="Office">
+    <a:clrScheme name="Faceta">
       <a:dk1>
         <a:sysClr val="windowText" lastClr="000000"/>
       </a:dk1>
@@ -3083,52 +6046,52 @@
         <a:sysClr val="window" lastClr="FFFFFF"/>
       </a:lt1>
       <a:dk2>
-        <a:srgbClr val="44546A"/>
+        <a:srgbClr val="2C3C43"/>
       </a:dk2>
       <a:lt2>
-        <a:srgbClr val="E7E6E6"/>
+        <a:srgbClr val="EBEBEB"/>
       </a:lt2>
       <a:accent1>
-        <a:srgbClr val="5B9BD5"/>
+        <a:srgbClr val="90C226"/>
       </a:accent1>
       <a:accent2>
-        <a:srgbClr val="ED7D31"/>
+        <a:srgbClr val="54A021"/>
       </a:accent2>
       <a:accent3>
-        <a:srgbClr val="A5A5A5"/>
+        <a:srgbClr val="E6B91E"/>
       </a:accent3>
       <a:accent4>
-        <a:srgbClr val="FFC000"/>
+        <a:srgbClr val="E76618"/>
       </a:accent4>
       <a:accent5>
-        <a:srgbClr val="4472C4"/>
+        <a:srgbClr val="C42F1A"/>
       </a:accent5>
       <a:accent6>
-        <a:srgbClr val="70AD47"/>
+        <a:srgbClr val="918655"/>
       </a:accent6>
       <a:hlink>
-        <a:srgbClr val="0563C1"/>
+        <a:srgbClr val="99CA3C"/>
       </a:hlink>
       <a:folHlink>
-        <a:srgbClr val="954F72"/>
+        <a:srgbClr val="B9D181"/>
       </a:folHlink>
     </a:clrScheme>
-    <a:fontScheme name="Office">
+    <a:fontScheme name="Faceta">
       <a:majorFont>
-        <a:latin typeface="Calibri Light" panose="020F0302020204030204"/>
+        <a:latin typeface="Trebuchet MS" panose="020B0603020202020204"/>
         <a:ea typeface=""/>
         <a:cs typeface=""/>
-        <a:font script="Jpan" typeface="游ゴシック Light"/>
+        <a:font script="Jpan" typeface="メイリオ"/>
         <a:font script="Hang" typeface="맑은 고딕"/>
-        <a:font script="Hans" typeface="等线 Light"/>
-        <a:font script="Hant" typeface="新細明體"/>
-        <a:font script="Arab" typeface="Times New Roman"/>
-        <a:font script="Hebr" typeface="Times New Roman"/>
-        <a:font script="Thai" typeface="Angsana New"/>
+        <a:font script="Hans" typeface="方正姚体"/>
+        <a:font script="Hant" typeface="微軟正黑體"/>
+        <a:font script="Arab" typeface="Tahoma"/>
+        <a:font script="Hebr" typeface="Arial"/>
+        <a:font script="Thai" typeface="Cordia New"/>
         <a:font script="Ethi" typeface="Nyala"/>
         <a:font script="Beng" typeface="Vrinda"/>
         <a:font script="Gujr" typeface="Shruti"/>
-        <a:font script="Khmr" typeface="MoolBoran"/>
+        <a:font script="Khmr" typeface="DaunPenh"/>
         <a:font script="Knda" typeface="Tunga"/>
         <a:font script="Guru" typeface="Raavi"/>
         <a:font script="Cans" typeface="Euphemia"/>
@@ -3145,21 +6108,21 @@
         <a:font script="Laoo" typeface="DokChampa"/>
         <a:font script="Sinh" typeface="Iskoola Pota"/>
         <a:font script="Mong" typeface="Mongolian Baiti"/>
-        <a:font script="Viet" typeface="Times New Roman"/>
+        <a:font script="Viet" typeface="Tahoma"/>
         <a:font script="Uigh" typeface="Microsoft Uighur"/>
         <a:font script="Geor" typeface="Sylfaen"/>
       </a:majorFont>
       <a:minorFont>
-        <a:latin typeface="Calibri" panose="020F0502020204030204"/>
+        <a:latin typeface="Trebuchet MS" panose="020B0603020202020204"/>
         <a:ea typeface=""/>
         <a:cs typeface=""/>
-        <a:font script="Jpan" typeface="游ゴシック"/>
-        <a:font script="Hang" typeface="맑은 고딕"/>
-        <a:font script="Hans" typeface="等线"/>
-        <a:font script="Hant" typeface="新細明體"/>
-        <a:font script="Arab" typeface="Arial"/>
-        <a:font script="Hebr" typeface="Arial"/>
-        <a:font script="Thai" typeface="Cordia New"/>
+        <a:font script="Jpan" typeface="メイリオ"/>
+        <a:font script="Hang" typeface="HY그래픽M"/>
+        <a:font script="Hans" typeface="华文新魏"/>
+        <a:font script="Hant" typeface="微軟正黑體"/>
+        <a:font script="Arab" typeface="Tahoma"/>
+        <a:font script="Hebr" typeface="Gisha"/>
+        <a:font script="Thai" typeface="IrisUPC"/>
         <a:font script="Ethi" typeface="Nyala"/>
         <a:font script="Beng" typeface="Vrinda"/>
         <a:font script="Gujr" typeface="Shruti"/>
@@ -3185,7 +6148,7 @@
         <a:font script="Geor" typeface="Sylfaen"/>
       </a:minorFont>
     </a:fontScheme>
-    <a:fmtScheme name="Office">
+    <a:fmtScheme name="Faceta">
       <a:fillStyleLst>
         <a:solidFill>
           <a:schemeClr val="phClr"/>
@@ -3194,23 +6157,13 @@
           <a:gsLst>
             <a:gs pos="0">
               <a:schemeClr val="phClr">
+                <a:tint val="65000"/>
                 <a:lumMod val="110000"/>
-                <a:satMod val="105000"/>
-                <a:tint val="67000"/>
               </a:schemeClr>
             </a:gs>
-            <a:gs pos="50000">
+            <a:gs pos="88000">
               <a:schemeClr val="phClr">
-                <a:lumMod val="105000"/>
-                <a:satMod val="103000"/>
-                <a:tint val="73000"/>
-              </a:schemeClr>
-            </a:gs>
-            <a:gs pos="100000">
-              <a:schemeClr val="phClr">
-                <a:lumMod val="105000"/>
-                <a:satMod val="109000"/>
-                <a:tint val="81000"/>
+                <a:tint val="90000"/>
               </a:schemeClr>
             </a:gs>
           </a:gsLst>
@@ -3220,23 +6173,14 @@
           <a:gsLst>
             <a:gs pos="0">
               <a:schemeClr val="phClr">
-                <a:satMod val="103000"/>
-                <a:lumMod val="102000"/>
-                <a:tint val="94000"/>
+                <a:tint val="96000"/>
+                <a:lumMod val="100000"/>
               </a:schemeClr>
             </a:gs>
-            <a:gs pos="50000">
+            <a:gs pos="78000">
               <a:schemeClr val="phClr">
-                <a:satMod val="110000"/>
-                <a:lumMod val="100000"/>
-                <a:shade val="100000"/>
-              </a:schemeClr>
-            </a:gs>
-            <a:gs pos="100000">
-              <a:schemeClr val="phClr">
-                <a:lumMod val="99000"/>
-                <a:satMod val="120000"/>
-                <a:shade val="78000"/>
+                <a:shade val="94000"/>
+                <a:lumMod val="94000"/>
               </a:schemeClr>
             </a:gs>
           </a:gsLst>
@@ -3244,26 +6188,23 @@
         </a:gradFill>
       </a:fillStyleLst>
       <a:lnStyleLst>
-        <a:ln w="6350" cap="flat" cmpd="sng" algn="ctr">
+        <a:ln w="12700" cap="rnd" cmpd="sng" algn="ctr">
           <a:solidFill>
             <a:schemeClr val="phClr"/>
           </a:solidFill>
           <a:prstDash val="solid"/>
-          <a:miter lim="800000"/>
         </a:ln>
-        <a:ln w="12700" cap="flat" cmpd="sng" algn="ctr">
+        <a:ln w="19050" cap="rnd" cmpd="sng" algn="ctr">
           <a:solidFill>
             <a:schemeClr val="phClr"/>
           </a:solidFill>
           <a:prstDash val="solid"/>
-          <a:miter lim="800000"/>
         </a:ln>
-        <a:ln w="19050" cap="flat" cmpd="sng" algn="ctr">
+        <a:ln w="25400" cap="rnd" cmpd="sng" algn="ctr">
           <a:solidFill>
             <a:schemeClr val="phClr"/>
           </a:solidFill>
           <a:prstDash val="solid"/>
-          <a:miter lim="800000"/>
         </a:ln>
       </a:lnStyleLst>
       <a:effectStyleLst>
@@ -3271,54 +6212,72 @@
           <a:effectLst/>
         </a:effectStyle>
         <a:effectStyle>
-          <a:effectLst/>
+          <a:effectLst>
+            <a:outerShdw blurRad="38100" dist="25400" dir="5400000" rotWithShape="0">
+              <a:srgbClr val="000000">
+                <a:alpha val="35000"/>
+              </a:srgbClr>
+            </a:outerShdw>
+          </a:effectLst>
         </a:effectStyle>
         <a:effectStyle>
           <a:effectLst>
-            <a:outerShdw blurRad="57150" dist="19050" dir="5400000" algn="ctr" rotWithShape="0">
+            <a:outerShdw blurRad="50800" dist="38100" dir="5400000" rotWithShape="0">
               <a:srgbClr val="000000">
-                <a:alpha val="63000"/>
+                <a:alpha val="35000"/>
               </a:srgbClr>
             </a:outerShdw>
           </a:effectLst>
+          <a:scene3d>
+            <a:camera prst="orthographicFront">
+              <a:rot lat="0" lon="0" rev="0"/>
+            </a:camera>
+            <a:lightRig rig="threePt" dir="tl"/>
+          </a:scene3d>
+          <a:sp3d prstMaterial="plastic">
+            <a:bevelT w="0" h="0"/>
+          </a:sp3d>
         </a:effectStyle>
       </a:effectStyleLst>
       <a:bgFillStyleLst>
         <a:solidFill>
           <a:schemeClr val="phClr"/>
         </a:solidFill>
-        <a:solidFill>
-          <a:schemeClr val="phClr">
-            <a:tint val="95000"/>
-            <a:satMod val="170000"/>
-          </a:schemeClr>
-        </a:solidFill>
         <a:gradFill rotWithShape="1">
           <a:gsLst>
             <a:gs pos="0">
               <a:schemeClr val="phClr">
-                <a:tint val="93000"/>
-                <a:satMod val="150000"/>
-                <a:shade val="98000"/>
-                <a:lumMod val="102000"/>
+                <a:tint val="90000"/>
+                <a:lumMod val="104000"/>
               </a:schemeClr>
             </a:gs>
-            <a:gs pos="50000">
+            <a:gs pos="94000">
               <a:schemeClr val="phClr">
-                <a:tint val="98000"/>
-                <a:satMod val="130000"/>
-                <a:shade val="90000"/>
-                <a:lumMod val="103000"/>
+                <a:shade val="96000"/>
+                <a:lumMod val="82000"/>
+              </a:schemeClr>
+            </a:gs>
+          </a:gsLst>
+          <a:lin ang="5400000" scaled="0"/>
+        </a:gradFill>
+        <a:gradFill rotWithShape="1">
+          <a:gsLst>
+            <a:gs pos="0">
+              <a:schemeClr val="phClr">
+                <a:tint val="90000"/>
+                <a:lumMod val="110000"/>
               </a:schemeClr>
             </a:gs>
             <a:gs pos="100000">
               <a:schemeClr val="phClr">
-                <a:shade val="63000"/>
-                <a:satMod val="120000"/>
+                <a:shade val="94000"/>
+                <a:lumMod val="96000"/>
               </a:schemeClr>
             </a:gs>
           </a:gsLst>
-          <a:lin ang="5400000" scaled="0"/>
+          <a:path path="circle">
+            <a:fillToRect l="50000" t="50000" r="100000" b="100000"/>
+          </a:path>
         </a:gradFill>
       </a:bgFillStyleLst>
     </a:fmtScheme>
@@ -3327,7 +6286,7 @@
   <a:extraClrSchemeLst/>
   <a:extLst>
     <a:ext uri="{05A4C25C-085E-4340-85A3-A5531E510DB2}">
-      <thm15:themeFamily xmlns:thm15="http://schemas.microsoft.com/office/thememl/2012/main" name="Office Theme" id="{62F939B6-93AF-4DB8-9C6B-D6C7DFDC589F}" vid="{4A3C46E8-61CC-4603-A589-7422A47A8E4A}"/>
+      <thm15:themeFamily xmlns:thm15="http://schemas.microsoft.com/office/thememl/2012/main" name="Facet" id="{C0C680CD-088A-49FC-A102-D699147F32B2}" vid="{8C59B386-999D-4CB6-B907-9F3997C027CC}"/>
     </a:ext>
   </a:extLst>
 </a:theme>

--- a/tarea.pptx
+++ b/tarea.pptx
@@ -7,6 +7,7 @@
   <p:sldIdLst>
     <p:sldId id="256" r:id="rId2"/>
     <p:sldId id="257" r:id="rId3"/>
+    <p:sldId id="258" r:id="rId4"/>
   </p:sldIdLst>
   <p:sldSz cx="12192000" cy="6858000"/>
   <p:notesSz cx="6858000" cy="9144000"/>
@@ -6035,6 +6036,96 @@
 </p:sld>
 </file>
 
+<file path=ppt/slides/slide3.xml><?xml version="1.0" encoding="utf-8"?>
+<p:sld xmlns:a="http://schemas.openxmlformats.org/drawingml/2006/main" xmlns:r="http://schemas.openxmlformats.org/officeDocument/2006/relationships" xmlns:p="http://schemas.openxmlformats.org/presentationml/2006/main">
+  <p:cSld>
+    <p:spTree>
+      <p:nvGrpSpPr>
+        <p:cNvPr id="1" name=""/>
+        <p:cNvGrpSpPr/>
+        <p:nvPr/>
+      </p:nvGrpSpPr>
+      <p:grpSpPr>
+        <a:xfrm>
+          <a:off x="0" y="0"/>
+          <a:ext cx="0" cy="0"/>
+          <a:chOff x="0" y="0"/>
+          <a:chExt cx="0" cy="0"/>
+        </a:xfrm>
+      </p:grpSpPr>
+      <p:sp>
+        <p:nvSpPr>
+          <p:cNvPr id="3" name="Marcador de contenido 2"/>
+          <p:cNvSpPr>
+            <a:spLocks noGrp="1"/>
+          </p:cNvSpPr>
+          <p:nvPr>
+            <p:ph idx="1"/>
+          </p:nvPr>
+        </p:nvSpPr>
+        <p:spPr>
+          <a:xfrm>
+            <a:off x="1085107" y="1382113"/>
+            <a:ext cx="8596668" cy="3880773"/>
+          </a:xfrm>
+        </p:spPr>
+        <p:txBody>
+          <a:bodyPr>
+            <a:noAutofit/>
+          </a:bodyPr>
+          <a:lstStyle/>
+          <a:p>
+            <a:pPr lvl="0" algn="ctr"/>
+            <a:r>
+              <a:rPr lang="es-ES" sz="4000" dirty="0"/>
+              <a:t>GIT COMMIT</a:t>
+            </a:r>
+          </a:p>
+          <a:p>
+            <a:r>
+              <a:rPr lang="es-ES" sz="4000" dirty="0"/>
+              <a:t>este comando se usa para cambiar la cabecera.</a:t>
+            </a:r>
+          </a:p>
+          <a:p>
+            <a:r>
+              <a:rPr lang="es-ES" sz="4000" dirty="0"/>
+              <a:t>Ejemplo:</a:t>
+            </a:r>
+          </a:p>
+          <a:p>
+            <a:r>
+              <a:rPr lang="es-ES" sz="4000" dirty="0" err="1"/>
+              <a:t>Git</a:t>
+            </a:r>
+            <a:r>
+              <a:rPr lang="es-ES" sz="4000" dirty="0"/>
+              <a:t> </a:t>
+            </a:r>
+            <a:r>
+              <a:rPr lang="es-ES" sz="4000" dirty="0" err="1"/>
+              <a:t>commit</a:t>
+            </a:r>
+            <a:r>
+              <a:rPr lang="es-ES" sz="4000" dirty="0"/>
+              <a:t> –m “es un mensaje de prueba”</a:t>
+            </a:r>
+          </a:p>
+        </p:txBody>
+      </p:sp>
+    </p:spTree>
+    <p:extLst>
+      <p:ext uri="{BB962C8B-B14F-4D97-AF65-F5344CB8AC3E}">
+        <p14:creationId xmlns:p14="http://schemas.microsoft.com/office/powerpoint/2010/main" val="2919408995"/>
+      </p:ext>
+    </p:extLst>
+  </p:cSld>
+  <p:clrMapOvr>
+    <a:masterClrMapping/>
+  </p:clrMapOvr>
+</p:sld>
+</file>
+
 <file path=ppt/theme/theme1.xml><?xml version="1.0" encoding="utf-8"?>
 <a:theme xmlns:a="http://schemas.openxmlformats.org/drawingml/2006/main" name="Faceta">
   <a:themeElements>

--- a/tarea.pptx
+++ b/tarea.pptx
@@ -8,6 +8,7 @@
     <p:sldId id="256" r:id="rId2"/>
     <p:sldId id="257" r:id="rId3"/>
     <p:sldId id="258" r:id="rId4"/>
+    <p:sldId id="259" r:id="rId5"/>
   </p:sldIdLst>
   <p:sldSz cx="12192000" cy="6858000"/>
   <p:notesSz cx="6858000" cy="9144000"/>
@@ -6077,8 +6078,12 @@
           <a:p>
             <a:pPr lvl="0" algn="ctr"/>
             <a:r>
+              <a:rPr lang="es-ES" sz="4000" dirty="0" smtClean="0"/>
+              <a:t>3. GIT </a:t>
+            </a:r>
+            <a:r>
               <a:rPr lang="es-ES" sz="4000" dirty="0"/>
-              <a:t>GIT COMMIT</a:t>
+              <a:t>COMMIT</a:t>
             </a:r>
           </a:p>
           <a:p>
@@ -6117,6 +6122,95 @@
     <p:extLst>
       <p:ext uri="{BB962C8B-B14F-4D97-AF65-F5344CB8AC3E}">
         <p14:creationId xmlns:p14="http://schemas.microsoft.com/office/powerpoint/2010/main" val="2919408995"/>
+      </p:ext>
+    </p:extLst>
+  </p:cSld>
+  <p:clrMapOvr>
+    <a:masterClrMapping/>
+  </p:clrMapOvr>
+</p:sld>
+</file>
+
+<file path=ppt/slides/slide4.xml><?xml version="1.0" encoding="utf-8"?>
+<p:sld xmlns:a="http://schemas.openxmlformats.org/drawingml/2006/main" xmlns:r="http://schemas.openxmlformats.org/officeDocument/2006/relationships" xmlns:p="http://schemas.openxmlformats.org/presentationml/2006/main">
+  <p:cSld>
+    <p:spTree>
+      <p:nvGrpSpPr>
+        <p:cNvPr id="1" name=""/>
+        <p:cNvGrpSpPr/>
+        <p:nvPr/>
+      </p:nvGrpSpPr>
+      <p:grpSpPr>
+        <a:xfrm>
+          <a:off x="0" y="0"/>
+          <a:ext cx="0" cy="0"/>
+          <a:chOff x="0" y="0"/>
+          <a:chExt cx="0" cy="0"/>
+        </a:xfrm>
+      </p:grpSpPr>
+      <p:sp>
+        <p:nvSpPr>
+          <p:cNvPr id="3" name="Marcador de contenido 2"/>
+          <p:cNvSpPr>
+            <a:spLocks noGrp="1"/>
+          </p:cNvSpPr>
+          <p:nvPr>
+            <p:ph idx="1"/>
+          </p:nvPr>
+        </p:nvSpPr>
+        <p:spPr>
+          <a:xfrm>
+            <a:off x="1455810" y="1369757"/>
+            <a:ext cx="8596668" cy="3880773"/>
+          </a:xfrm>
+        </p:spPr>
+        <p:txBody>
+          <a:bodyPr>
+            <a:normAutofit/>
+          </a:bodyPr>
+          <a:lstStyle/>
+          <a:p>
+            <a:pPr lvl="0" algn="ctr"/>
+            <a:r>
+              <a:rPr lang="es-ES" sz="3600" dirty="0" smtClean="0"/>
+              <a:t>4. GIT </a:t>
+            </a:r>
+            <a:r>
+              <a:rPr lang="es-ES" sz="3600" dirty="0"/>
+              <a:t>STATUS</a:t>
+            </a:r>
+          </a:p>
+          <a:p>
+            <a:r>
+              <a:rPr lang="es-ES" sz="3600" dirty="0"/>
+              <a:t>Este comando sirve para saber la lista de los archivos que se han cambiado a lo largo de un tiempo.</a:t>
+            </a:r>
+          </a:p>
+          <a:p>
+            <a:r>
+              <a:rPr lang="es-ES" sz="3600" dirty="0"/>
+              <a:t>Ejemplo :</a:t>
+            </a:r>
+          </a:p>
+          <a:p>
+            <a:r>
+              <a:rPr lang="es-ES" sz="3600" dirty="0" err="1"/>
+              <a:t>Git</a:t>
+            </a:r>
+            <a:r>
+              <a:rPr lang="es-ES" sz="3600" dirty="0"/>
+              <a:t> status</a:t>
+            </a:r>
+          </a:p>
+          <a:p>
+            <a:endParaRPr lang="es-ES" sz="3600" dirty="0"/>
+          </a:p>
+        </p:txBody>
+      </p:sp>
+    </p:spTree>
+    <p:extLst>
+      <p:ext uri="{BB962C8B-B14F-4D97-AF65-F5344CB8AC3E}">
+        <p14:creationId xmlns:p14="http://schemas.microsoft.com/office/powerpoint/2010/main" val="1828916664"/>
       </p:ext>
     </p:extLst>
   </p:cSld>

--- a/tarea.pptx
+++ b/tarea.pptx
@@ -5,10 +5,12 @@
     <p:sldMasterId id="2147483694" r:id="rId1"/>
   </p:sldMasterIdLst>
   <p:sldIdLst>
-    <p:sldId id="256" r:id="rId2"/>
-    <p:sldId id="257" r:id="rId3"/>
-    <p:sldId id="258" r:id="rId4"/>
-    <p:sldId id="259" r:id="rId5"/>
+    <p:sldId id="261" r:id="rId2"/>
+    <p:sldId id="256" r:id="rId3"/>
+    <p:sldId id="257" r:id="rId4"/>
+    <p:sldId id="258" r:id="rId5"/>
+    <p:sldId id="259" r:id="rId6"/>
+    <p:sldId id="260" r:id="rId7"/>
   </p:sldIdLst>
   <p:sldSz cx="12192000" cy="6858000"/>
   <p:notesSz cx="6858000" cy="9144000"/>
@@ -5818,103 +5820,88 @@
       </p:grpSpPr>
       <p:sp>
         <p:nvSpPr>
-          <p:cNvPr id="4" name="CuadroTexto 3"/>
-          <p:cNvSpPr txBox="1"/>
-          <p:nvPr/>
-        </p:nvSpPr>
-        <p:spPr>
-          <a:xfrm>
-            <a:off x="1638300" y="495300"/>
-            <a:ext cx="9296400" cy="5878532"/>
-          </a:xfrm>
-          <a:prstGeom prst="rect">
-            <a:avLst/>
-          </a:prstGeom>
-          <a:noFill/>
-        </p:spPr>
-        <p:txBody>
-          <a:bodyPr wrap="square" rtlCol="0">
-            <a:spAutoFit/>
-          </a:bodyPr>
-          <a:lstStyle/>
-          <a:p>
-            <a:pPr algn="ctr"/>
-            <a:r>
-              <a:rPr lang="es-ES" sz="4400" b="1" dirty="0" smtClean="0"/>
-              <a:t>Sentencias de </a:t>
-            </a:r>
-            <a:r>
-              <a:rPr lang="es-ES" sz="4400" b="1" dirty="0" err="1" smtClean="0"/>
-              <a:t>git</a:t>
-            </a:r>
-            <a:endParaRPr lang="es-ES" sz="4400" b="1" dirty="0" smtClean="0"/>
-          </a:p>
-          <a:p>
-            <a:pPr algn="ctr"/>
-            <a:endParaRPr lang="es-ES" sz="4400" b="1" dirty="0"/>
-          </a:p>
-          <a:p>
-            <a:pPr lvl="0" algn="just"/>
-            <a:r>
-              <a:rPr lang="es-ES" sz="3600" b="1" dirty="0" smtClean="0"/>
-              <a:t>1. GIT </a:t>
-            </a:r>
-            <a:r>
-              <a:rPr lang="es-ES" sz="3600" b="1" dirty="0"/>
-              <a:t>CONFIG</a:t>
-            </a:r>
-          </a:p>
-          <a:p>
-            <a:pPr algn="just"/>
-            <a:r>
-              <a:rPr lang="es-ES" sz="3600" dirty="0"/>
-              <a:t>Este comando se usa para para establecer una configuración especifica de usuario como por ejemplo el caso del Email.</a:t>
-            </a:r>
-          </a:p>
-          <a:p>
-            <a:pPr algn="just"/>
-            <a:r>
-              <a:rPr lang="es-ES" sz="3600" u="sng" dirty="0"/>
-              <a:t>Ejemplo:</a:t>
-            </a:r>
-          </a:p>
-          <a:p>
-            <a:r>
-              <a:rPr lang="en-US" sz="3600" dirty="0" err="1"/>
-              <a:t>Git</a:t>
-            </a:r>
-            <a:r>
-              <a:rPr lang="en-US" sz="3600" dirty="0"/>
-              <a:t> </a:t>
-            </a:r>
-            <a:r>
-              <a:rPr lang="en-US" sz="3600" dirty="0" err="1"/>
-              <a:t>config</a:t>
-            </a:r>
-            <a:r>
-              <a:rPr lang="en-US" sz="3600" dirty="0"/>
-              <a:t> –global </a:t>
-            </a:r>
-            <a:r>
-              <a:rPr lang="en-US" sz="3600" dirty="0" err="1"/>
-              <a:t>user.email</a:t>
-            </a:r>
-            <a:r>
-              <a:rPr lang="en-US" sz="3600" dirty="0"/>
-              <a:t> wocinco@gmail.com</a:t>
-            </a:r>
-            <a:endParaRPr lang="es-ES" sz="3600" dirty="0"/>
-          </a:p>
-          <a:p>
-            <a:pPr algn="just"/>
-            <a:endParaRPr lang="es-ES" sz="3600" dirty="0"/>
+          <p:cNvPr id="2" name="Título 1"/>
+          <p:cNvSpPr>
+            <a:spLocks noGrp="1"/>
+          </p:cNvSpPr>
+          <p:nvPr>
+            <p:ph type="title"/>
+          </p:nvPr>
+        </p:nvSpPr>
+        <p:spPr/>
+        <p:txBody>
+          <a:bodyPr/>
+          <a:lstStyle/>
+          <a:p>
+            <a:r>
+              <a:rPr lang="es-ES" dirty="0" smtClean="0"/>
+              <a:t>UMG</a:t>
+            </a:r>
+            <a:br>
+              <a:rPr lang="es-ES" dirty="0" smtClean="0"/>
+            </a:br>
+            <a:r>
+              <a:rPr lang="es-ES" dirty="0" smtClean="0"/>
+              <a:t>ANALISIS 2</a:t>
+            </a:r>
+            <a:endParaRPr lang="es-ES" dirty="0"/>
+          </a:p>
+        </p:txBody>
+      </p:sp>
+      <p:sp>
+        <p:nvSpPr>
+          <p:cNvPr id="3" name="Marcador de contenido 2"/>
+          <p:cNvSpPr>
+            <a:spLocks noGrp="1"/>
+          </p:cNvSpPr>
+          <p:nvPr>
+            <p:ph idx="1"/>
+          </p:nvPr>
+        </p:nvSpPr>
+        <p:spPr/>
+        <p:txBody>
+          <a:bodyPr/>
+          <a:lstStyle/>
+          <a:p>
+            <a:r>
+              <a:rPr lang="es-ES" dirty="0" smtClean="0"/>
+              <a:t>PRUEBA DE VERSIONAMIENTO</a:t>
+            </a:r>
+          </a:p>
+          <a:p>
+            <a:endParaRPr lang="es-ES" dirty="0"/>
+          </a:p>
+          <a:p>
+            <a:endParaRPr lang="es-ES" dirty="0" smtClean="0"/>
+          </a:p>
+          <a:p>
+            <a:endParaRPr lang="es-ES" dirty="0"/>
+          </a:p>
+          <a:p>
+            <a:endParaRPr lang="es-ES" dirty="0" smtClean="0"/>
+          </a:p>
+          <a:p>
+            <a:endParaRPr lang="es-ES" dirty="0"/>
+          </a:p>
+          <a:p>
+            <a:r>
+              <a:rPr lang="es-ES" dirty="0" smtClean="0"/>
+              <a:t>MARCO TULIO WOCINCO</a:t>
+            </a:r>
+          </a:p>
+          <a:p>
+            <a:r>
+              <a:rPr lang="es-ES" smtClean="0"/>
+              <a:t>0907-15-7071</a:t>
+            </a:r>
+            <a:endParaRPr lang="es-ES" dirty="0"/>
           </a:p>
         </p:txBody>
       </p:sp>
     </p:spTree>
     <p:extLst>
       <p:ext uri="{BB962C8B-B14F-4D97-AF65-F5344CB8AC3E}">
-        <p14:creationId xmlns:p14="http://schemas.microsoft.com/office/powerpoint/2010/main" val="1122091495"/>
+        <p14:creationId xmlns:p14="http://schemas.microsoft.com/office/powerpoint/2010/main" val="945240070"/>
       </p:ext>
     </p:extLst>
   </p:cSld>
@@ -5949,8 +5936,8 @@
         </p:nvSpPr>
         <p:spPr>
           <a:xfrm>
-            <a:off x="1841157" y="864974"/>
-            <a:ext cx="8328454" cy="4524315"/>
+            <a:off x="1638300" y="495300"/>
+            <a:ext cx="9296400" cy="5878532"/>
           </a:xfrm>
           <a:prstGeom prst="rect">
             <a:avLst/>
@@ -5963,63 +5950,75 @@
           </a:bodyPr>
           <a:lstStyle/>
           <a:p>
-            <a:pPr lvl="0" algn="ctr"/>
-            <a:r>
-              <a:rPr lang="es-ES" sz="3600" dirty="0" smtClean="0"/>
-              <a:t>2. GIT </a:t>
-            </a:r>
+            <a:pPr algn="ctr"/>
+            <a:r>
+              <a:rPr lang="es-ES" sz="4400" b="1" dirty="0" smtClean="0"/>
+              <a:t>Sentencias de </a:t>
+            </a:r>
+            <a:r>
+              <a:rPr lang="es-ES" sz="4400" b="1" dirty="0" err="1" smtClean="0"/>
+              <a:t>git</a:t>
+            </a:r>
+            <a:endParaRPr lang="es-ES" sz="4400" b="1" dirty="0" smtClean="0"/>
+          </a:p>
+          <a:p>
+            <a:pPr algn="ctr"/>
+            <a:endParaRPr lang="es-ES" sz="4400" b="1" dirty="0"/>
+          </a:p>
+          <a:p>
+            <a:pPr lvl="0" algn="just"/>
+            <a:r>
+              <a:rPr lang="es-ES" sz="3600" b="1" dirty="0" smtClean="0"/>
+              <a:t>1. GIT </a:t>
+            </a:r>
+            <a:r>
+              <a:rPr lang="es-ES" sz="3600" b="1" dirty="0"/>
+              <a:t>CONFIG</a:t>
+            </a:r>
+          </a:p>
+          <a:p>
+            <a:pPr algn="just"/>
             <a:r>
               <a:rPr lang="es-ES" sz="3600" dirty="0"/>
-              <a:t>ADD</a:t>
-            </a:r>
-          </a:p>
-          <a:p>
-            <a:r>
-              <a:rPr lang="es-ES" sz="3600" dirty="0"/>
-              <a:t>Este comando puede ser usado para </a:t>
-            </a:r>
-            <a:r>
-              <a:rPr lang="es-ES" sz="3600" dirty="0" err="1"/>
-              <a:t>agrefar</a:t>
-            </a:r>
-            <a:r>
-              <a:rPr lang="es-ES" sz="3600" dirty="0"/>
-              <a:t> archivos al </a:t>
-            </a:r>
-            <a:r>
-              <a:rPr lang="es-ES" sz="3600" dirty="0" err="1"/>
-              <a:t>index</a:t>
-            </a:r>
-            <a:r>
-              <a:rPr lang="es-ES" sz="3600" dirty="0"/>
-              <a:t> como por ejemplo el archivo que se uso la vez pasada prueba.txt</a:t>
-            </a:r>
-          </a:p>
-          <a:p>
-            <a:r>
-              <a:rPr lang="es-ES" sz="3600" dirty="0"/>
+              <a:t>Este comando se usa para para establecer una configuración especifica de usuario como por ejemplo el caso del Email.</a:t>
+            </a:r>
+          </a:p>
+          <a:p>
+            <a:pPr algn="just"/>
+            <a:r>
+              <a:rPr lang="es-ES" sz="3600" u="sng" dirty="0"/>
               <a:t>Ejemplo:</a:t>
             </a:r>
           </a:p>
           <a:p>
             <a:r>
-              <a:rPr lang="es-ES" sz="3600" dirty="0" err="1"/>
+              <a:rPr lang="en-US" sz="3600" dirty="0" err="1"/>
               <a:t>Git</a:t>
             </a:r>
             <a:r>
-              <a:rPr lang="es-ES" sz="3600" dirty="0"/>
+              <a:rPr lang="en-US" sz="3600" dirty="0"/>
               <a:t> </a:t>
             </a:r>
             <a:r>
-              <a:rPr lang="es-ES" sz="3600" dirty="0" err="1"/>
-              <a:t>add</a:t>
-            </a:r>
-            <a:r>
-              <a:rPr lang="es-ES" sz="3600" dirty="0"/>
-              <a:t> prueba.txt</a:t>
-            </a:r>
-          </a:p>
-          <a:p>
+              <a:rPr lang="en-US" sz="3600" dirty="0" err="1"/>
+              <a:t>config</a:t>
+            </a:r>
+            <a:r>
+              <a:rPr lang="en-US" sz="3600" dirty="0"/>
+              <a:t> –global </a:t>
+            </a:r>
+            <a:r>
+              <a:rPr lang="en-US" sz="3600" dirty="0" err="1"/>
+              <a:t>user.email</a:t>
+            </a:r>
+            <a:r>
+              <a:rPr lang="en-US" sz="3600" dirty="0"/>
+              <a:t> wocinco@gmail.com</a:t>
+            </a:r>
+            <a:endParaRPr lang="es-ES" sz="3600" dirty="0"/>
+          </a:p>
+          <a:p>
+            <a:pPr algn="just"/>
             <a:endParaRPr lang="es-ES" sz="3600" dirty="0"/>
           </a:p>
         </p:txBody>
@@ -6027,7 +6026,7 @@
     </p:spTree>
     <p:extLst>
       <p:ext uri="{BB962C8B-B14F-4D97-AF65-F5344CB8AC3E}">
-        <p14:creationId xmlns:p14="http://schemas.microsoft.com/office/powerpoint/2010/main" val="2817897979"/>
+        <p14:creationId xmlns:p14="http://schemas.microsoft.com/office/powerpoint/2010/main" val="1122091495"/>
       </p:ext>
     </p:extLst>
   </p:cSld>
@@ -6056,72 +6055,91 @@
       </p:grpSpPr>
       <p:sp>
         <p:nvSpPr>
-          <p:cNvPr id="3" name="Marcador de contenido 2"/>
-          <p:cNvSpPr>
-            <a:spLocks noGrp="1"/>
-          </p:cNvSpPr>
-          <p:nvPr>
-            <p:ph idx="1"/>
-          </p:nvPr>
+          <p:cNvPr id="4" name="CuadroTexto 3"/>
+          <p:cNvSpPr txBox="1"/>
+          <p:nvPr/>
         </p:nvSpPr>
         <p:spPr>
           <a:xfrm>
-            <a:off x="1085107" y="1382113"/>
-            <a:ext cx="8596668" cy="3880773"/>
+            <a:off x="1841157" y="864974"/>
+            <a:ext cx="8328454" cy="4524315"/>
           </a:xfrm>
+          <a:prstGeom prst="rect">
+            <a:avLst/>
+          </a:prstGeom>
+          <a:noFill/>
         </p:spPr>
         <p:txBody>
-          <a:bodyPr>
-            <a:noAutofit/>
+          <a:bodyPr wrap="square" rtlCol="0">
+            <a:spAutoFit/>
           </a:bodyPr>
           <a:lstStyle/>
           <a:p>
             <a:pPr lvl="0" algn="ctr"/>
             <a:r>
-              <a:rPr lang="es-ES" sz="4000" dirty="0" smtClean="0"/>
-              <a:t>3. GIT </a:t>
-            </a:r>
-            <a:r>
-              <a:rPr lang="es-ES" sz="4000" dirty="0"/>
-              <a:t>COMMIT</a:t>
-            </a:r>
-          </a:p>
-          <a:p>
-            <a:r>
-              <a:rPr lang="es-ES" sz="4000" dirty="0"/>
-              <a:t>este comando se usa para cambiar la cabecera.</a:t>
-            </a:r>
-          </a:p>
-          <a:p>
-            <a:r>
-              <a:rPr lang="es-ES" sz="4000" dirty="0"/>
+              <a:rPr lang="es-ES" sz="3600" dirty="0" smtClean="0"/>
+              <a:t>2. GIT </a:t>
+            </a:r>
+            <a:r>
+              <a:rPr lang="es-ES" sz="3600" dirty="0"/>
+              <a:t>ADD</a:t>
+            </a:r>
+          </a:p>
+          <a:p>
+            <a:r>
+              <a:rPr lang="es-ES" sz="3600" dirty="0"/>
+              <a:t>Este comando puede ser usado para </a:t>
+            </a:r>
+            <a:r>
+              <a:rPr lang="es-ES" sz="3600" dirty="0" err="1"/>
+              <a:t>agrefar</a:t>
+            </a:r>
+            <a:r>
+              <a:rPr lang="es-ES" sz="3600" dirty="0"/>
+              <a:t> archivos al </a:t>
+            </a:r>
+            <a:r>
+              <a:rPr lang="es-ES" sz="3600" dirty="0" err="1"/>
+              <a:t>index</a:t>
+            </a:r>
+            <a:r>
+              <a:rPr lang="es-ES" sz="3600" dirty="0"/>
+              <a:t> como por ejemplo el archivo que se uso la vez pasada prueba.txt</a:t>
+            </a:r>
+          </a:p>
+          <a:p>
+            <a:r>
+              <a:rPr lang="es-ES" sz="3600" dirty="0"/>
               <a:t>Ejemplo:</a:t>
             </a:r>
           </a:p>
           <a:p>
             <a:r>
-              <a:rPr lang="es-ES" sz="4000" dirty="0" err="1"/>
+              <a:rPr lang="es-ES" sz="3600" dirty="0" err="1"/>
               <a:t>Git</a:t>
             </a:r>
             <a:r>
-              <a:rPr lang="es-ES" sz="4000" dirty="0"/>
+              <a:rPr lang="es-ES" sz="3600" dirty="0"/>
               <a:t> </a:t>
             </a:r>
             <a:r>
-              <a:rPr lang="es-ES" sz="4000" dirty="0" err="1"/>
-              <a:t>commit</a:t>
-            </a:r>
-            <a:r>
-              <a:rPr lang="es-ES" sz="4000" dirty="0"/>
-              <a:t> –m “es un mensaje de prueba”</a:t>
-            </a:r>
+              <a:rPr lang="es-ES" sz="3600" dirty="0" err="1"/>
+              <a:t>add</a:t>
+            </a:r>
+            <a:r>
+              <a:rPr lang="es-ES" sz="3600" dirty="0"/>
+              <a:t> prueba.txt</a:t>
+            </a:r>
+          </a:p>
+          <a:p>
+            <a:endParaRPr lang="es-ES" sz="3600" dirty="0"/>
           </a:p>
         </p:txBody>
       </p:sp>
     </p:spTree>
     <p:extLst>
       <p:ext uri="{BB962C8B-B14F-4D97-AF65-F5344CB8AC3E}">
-        <p14:creationId xmlns:p14="http://schemas.microsoft.com/office/powerpoint/2010/main" val="2919408995"/>
+        <p14:creationId xmlns:p14="http://schemas.microsoft.com/office/powerpoint/2010/main" val="2817897979"/>
       </p:ext>
     </p:extLst>
   </p:cSld>
@@ -6160,6 +6178,100 @@
         </p:nvSpPr>
         <p:spPr>
           <a:xfrm>
+            <a:off x="1085107" y="1382113"/>
+            <a:ext cx="8596668" cy="3880773"/>
+          </a:xfrm>
+        </p:spPr>
+        <p:txBody>
+          <a:bodyPr>
+            <a:noAutofit/>
+          </a:bodyPr>
+          <a:lstStyle/>
+          <a:p>
+            <a:pPr lvl="0" algn="ctr"/>
+            <a:r>
+              <a:rPr lang="es-ES" sz="4000" dirty="0" smtClean="0"/>
+              <a:t>3. GIT </a:t>
+            </a:r>
+            <a:r>
+              <a:rPr lang="es-ES" sz="4000" dirty="0"/>
+              <a:t>COMMIT</a:t>
+            </a:r>
+          </a:p>
+          <a:p>
+            <a:r>
+              <a:rPr lang="es-ES" sz="4000" dirty="0"/>
+              <a:t>este comando se usa para cambiar la cabecera.</a:t>
+            </a:r>
+          </a:p>
+          <a:p>
+            <a:r>
+              <a:rPr lang="es-ES" sz="4000" dirty="0"/>
+              <a:t>Ejemplo:</a:t>
+            </a:r>
+          </a:p>
+          <a:p>
+            <a:r>
+              <a:rPr lang="es-ES" sz="4000" dirty="0" err="1"/>
+              <a:t>Git</a:t>
+            </a:r>
+            <a:r>
+              <a:rPr lang="es-ES" sz="4000" dirty="0"/>
+              <a:t> </a:t>
+            </a:r>
+            <a:r>
+              <a:rPr lang="es-ES" sz="4000" dirty="0" err="1"/>
+              <a:t>commit</a:t>
+            </a:r>
+            <a:r>
+              <a:rPr lang="es-ES" sz="4000" dirty="0"/>
+              <a:t> –m “es un mensaje de prueba”</a:t>
+            </a:r>
+          </a:p>
+        </p:txBody>
+      </p:sp>
+    </p:spTree>
+    <p:extLst>
+      <p:ext uri="{BB962C8B-B14F-4D97-AF65-F5344CB8AC3E}">
+        <p14:creationId xmlns:p14="http://schemas.microsoft.com/office/powerpoint/2010/main" val="2919408995"/>
+      </p:ext>
+    </p:extLst>
+  </p:cSld>
+  <p:clrMapOvr>
+    <a:masterClrMapping/>
+  </p:clrMapOvr>
+</p:sld>
+</file>
+
+<file path=ppt/slides/slide5.xml><?xml version="1.0" encoding="utf-8"?>
+<p:sld xmlns:a="http://schemas.openxmlformats.org/drawingml/2006/main" xmlns:r="http://schemas.openxmlformats.org/officeDocument/2006/relationships" xmlns:p="http://schemas.openxmlformats.org/presentationml/2006/main">
+  <p:cSld>
+    <p:spTree>
+      <p:nvGrpSpPr>
+        <p:cNvPr id="1" name=""/>
+        <p:cNvGrpSpPr/>
+        <p:nvPr/>
+      </p:nvGrpSpPr>
+      <p:grpSpPr>
+        <a:xfrm>
+          <a:off x="0" y="0"/>
+          <a:ext cx="0" cy="0"/>
+          <a:chOff x="0" y="0"/>
+          <a:chExt cx="0" cy="0"/>
+        </a:xfrm>
+      </p:grpSpPr>
+      <p:sp>
+        <p:nvSpPr>
+          <p:cNvPr id="3" name="Marcador de contenido 2"/>
+          <p:cNvSpPr>
+            <a:spLocks noGrp="1"/>
+          </p:cNvSpPr>
+          <p:nvPr>
+            <p:ph idx="1"/>
+          </p:nvPr>
+        </p:nvSpPr>
+        <p:spPr>
+          <a:xfrm>
             <a:off x="1455810" y="1369757"/>
             <a:ext cx="8596668" cy="3880773"/>
           </a:xfrm>
@@ -6211,6 +6323,105 @@
     <p:extLst>
       <p:ext uri="{BB962C8B-B14F-4D97-AF65-F5344CB8AC3E}">
         <p14:creationId xmlns:p14="http://schemas.microsoft.com/office/powerpoint/2010/main" val="1828916664"/>
+      </p:ext>
+    </p:extLst>
+  </p:cSld>
+  <p:clrMapOvr>
+    <a:masterClrMapping/>
+  </p:clrMapOvr>
+</p:sld>
+</file>
+
+<file path=ppt/slides/slide6.xml><?xml version="1.0" encoding="utf-8"?>
+<p:sld xmlns:a="http://schemas.openxmlformats.org/drawingml/2006/main" xmlns:r="http://schemas.openxmlformats.org/officeDocument/2006/relationships" xmlns:p="http://schemas.openxmlformats.org/presentationml/2006/main">
+  <p:cSld>
+    <p:spTree>
+      <p:nvGrpSpPr>
+        <p:cNvPr id="1" name=""/>
+        <p:cNvGrpSpPr/>
+        <p:nvPr/>
+      </p:nvGrpSpPr>
+      <p:grpSpPr>
+        <a:xfrm>
+          <a:off x="0" y="0"/>
+          <a:ext cx="0" cy="0"/>
+          <a:chOff x="0" y="0"/>
+          <a:chExt cx="0" cy="0"/>
+        </a:xfrm>
+      </p:grpSpPr>
+      <p:sp>
+        <p:nvSpPr>
+          <p:cNvPr id="3" name="Marcador de contenido 2"/>
+          <p:cNvSpPr>
+            <a:spLocks noGrp="1"/>
+          </p:cNvSpPr>
+          <p:nvPr>
+            <p:ph idx="1"/>
+          </p:nvPr>
+        </p:nvSpPr>
+        <p:spPr>
+          <a:xfrm>
+            <a:off x="1344599" y="1394471"/>
+            <a:ext cx="8596668" cy="3880773"/>
+          </a:xfrm>
+        </p:spPr>
+        <p:txBody>
+          <a:bodyPr>
+            <a:noAutofit/>
+          </a:bodyPr>
+          <a:lstStyle/>
+          <a:p>
+            <a:pPr lvl="0" algn="ctr"/>
+            <a:r>
+              <a:rPr lang="es-ES" sz="4000" dirty="0" smtClean="0"/>
+              <a:t>5. GIT </a:t>
+            </a:r>
+            <a:r>
+              <a:rPr lang="es-ES" sz="4000" dirty="0"/>
+              <a:t>CHECKOUT</a:t>
+            </a:r>
+          </a:p>
+          <a:p>
+            <a:r>
+              <a:rPr lang="es-ES" sz="4000" dirty="0"/>
+              <a:t>Este comando se puede usar para crear ramas o cambiar entre ellas.</a:t>
+            </a:r>
+          </a:p>
+          <a:p>
+            <a:r>
+              <a:rPr lang="en-US" sz="4000" dirty="0" err="1"/>
+              <a:t>Ejemplo</a:t>
+            </a:r>
+            <a:r>
+              <a:rPr lang="en-US" sz="4000" dirty="0"/>
+              <a:t>:</a:t>
+            </a:r>
+            <a:endParaRPr lang="es-ES" sz="4000" dirty="0"/>
+          </a:p>
+          <a:p>
+            <a:r>
+              <a:rPr lang="en-US" sz="4000" dirty="0"/>
+              <a:t>Command </a:t>
+            </a:r>
+            <a:r>
+              <a:rPr lang="en-US" sz="4000" dirty="0" err="1"/>
+              <a:t>git</a:t>
+            </a:r>
+            <a:r>
+              <a:rPr lang="en-US" sz="4000" dirty="0"/>
+              <a:t> checkout –b &lt;branch-name&gt;</a:t>
+            </a:r>
+            <a:endParaRPr lang="es-ES" sz="4000" dirty="0"/>
+          </a:p>
+          <a:p>
+            <a:endParaRPr lang="es-ES" sz="4000" dirty="0"/>
+          </a:p>
+        </p:txBody>
+      </p:sp>
+    </p:spTree>
+    <p:extLst>
+      <p:ext uri="{BB962C8B-B14F-4D97-AF65-F5344CB8AC3E}">
+        <p14:creationId xmlns:p14="http://schemas.microsoft.com/office/powerpoint/2010/main" val="1536075843"/>
       </p:ext>
     </p:extLst>
   </p:cSld>
